--- a/CodeReviewTool/doc/CodeReview_점검_Tool_개발계획서_rev07.pptx
+++ b/CodeReviewTool/doc/CodeReview_점검_Tool_개발계획서_rev07.pptx
@@ -27,7 +27,7 @@
     <p:sldId id="367" r:id="rId15"/>
     <p:sldId id="368" r:id="rId16"/>
     <p:sldId id="362" r:id="rId17"/>
-    <p:sldId id="335" r:id="rId18"/>
+    <p:sldId id="370" r:id="rId18"/>
   </p:sldIdLst>
   <p:sldSz cx="9906000" cy="6858000" type="A4"/>
   <p:notesSz cx="6858000" cy="9144000"/>
@@ -166,7 +166,7 @@
             <p14:sldId id="367"/>
             <p14:sldId id="368"/>
             <p14:sldId id="362"/>
-            <p14:sldId id="335"/>
+            <p14:sldId id="370"/>
           </p14:sldIdLst>
         </p14:section>
       </p14:sectionLst>
@@ -274,7 +274,7 @@
           <a:p>
             <a:fld id="{036B6B10-1B09-480E-9EAC-7453F6B2BC47}" type="datetimeFigureOut">
               <a:rPr lang="ko-KR" altLang="en-US" smtClean="0"/>
-              <a:t>2024-09-05</a:t>
+              <a:t>2024-09-11</a:t>
             </a:fld>
             <a:endParaRPr lang="ko-KR" altLang="en-US"/>
           </a:p>
@@ -439,7 +439,7 @@
           <a:p>
             <a:fld id="{FE749B7C-4794-4872-A925-753F194DD9F3}" type="datetimeFigureOut">
               <a:rPr lang="ko-KR" altLang="en-US" smtClean="0"/>
-              <a:t>2024-09-05</a:t>
+              <a:t>2024-09-11</a:t>
             </a:fld>
             <a:endParaRPr lang="ko-KR" altLang="en-US"/>
           </a:p>
@@ -1780,7 +1780,7 @@
           <a:p>
             <a:fld id="{805658A3-C337-411C-A39B-D6A40476A7DB}" type="datetimeFigureOut">
               <a:rPr lang="ko-KR" altLang="en-US" smtClean="0"/>
-              <a:t>2024-09-05</a:t>
+              <a:t>2024-09-11</a:t>
             </a:fld>
             <a:endParaRPr lang="ko-KR" altLang="en-US"/>
           </a:p>
@@ -7455,8 +7455,8 @@
         </p:nvSpPr>
         <p:spPr>
           <a:xfrm>
-            <a:off x="345784" y="979200"/>
-            <a:ext cx="9342704" cy="507831"/>
+            <a:off x="345600" y="980728"/>
+            <a:ext cx="9342704" cy="462627"/>
           </a:xfrm>
           <a:prstGeom prst="rect">
             <a:avLst/>
@@ -7475,7 +7475,7 @@
               </a:lnSpc>
             </a:pPr>
             <a:r>
-              <a:rPr lang="ko-KR" altLang="en-US" b="1" dirty="0">
+              <a:rPr lang="ko-KR" altLang="en-US" b="1" dirty="0" smtClean="0">
                 <a:ln>
                   <a:solidFill>
                     <a:schemeClr val="tx1">
@@ -7506,9 +7506,9 @@
                   <a:srgbClr val="E9520B"/>
                 </a:solidFill>
               </a:rPr>
-              <a:t>개발 공수</a:t>
-            </a:r>
-            <a:endParaRPr lang="en-US" altLang="ko-KR" sz="1400" dirty="0" smtClean="0">
+              <a:t>코드 리뷰 점검 가능 항목</a:t>
+            </a:r>
+            <a:endParaRPr lang="en-US" altLang="ko-KR" b="1" dirty="0" smtClean="0">
               <a:ln>
                 <a:solidFill>
                   <a:schemeClr val="tx1">
@@ -7518,7 +7518,9 @@
                   </a:schemeClr>
                 </a:solidFill>
               </a:ln>
-              <a:latin typeface="+mn-ea"/>
+              <a:solidFill>
+                <a:srgbClr val="E9520B"/>
+              </a:solidFill>
             </a:endParaRPr>
           </a:p>
         </p:txBody>
@@ -7563,44 +7565,9 @@
                   </a:prstClr>
                 </a:solidFill>
                 <a:latin typeface="+mn-ea"/>
-              </a:rPr>
-              <a:t>개발</a:t>
-            </a:r>
-            <a:r>
-              <a:rPr lang="en-US" altLang="ko-KR" sz="2800" b="1" dirty="0" smtClean="0">
-                <a:ln>
-                  <a:solidFill>
-                    <a:prstClr val="white">
-                      <a:alpha val="0"/>
-                    </a:prstClr>
-                  </a:solidFill>
-                </a:ln>
-                <a:solidFill>
-                  <a:prstClr val="white">
-                    <a:lumMod val="50000"/>
-                  </a:prstClr>
-                </a:solidFill>
-                <a:latin typeface="+mn-ea"/>
-              </a:rPr>
-              <a:t> </a:t>
-            </a:r>
-            <a:r>
-              <a:rPr lang="ko-KR" altLang="en-US" sz="2800" b="1" dirty="0">
-                <a:ln>
-                  <a:solidFill>
-                    <a:prstClr val="white">
-                      <a:alpha val="0"/>
-                    </a:prstClr>
-                  </a:solidFill>
-                </a:ln>
-                <a:solidFill>
-                  <a:prstClr val="white">
-                    <a:lumMod val="50000"/>
-                  </a:prstClr>
-                </a:solidFill>
-                <a:latin typeface="+mn-ea"/>
-              </a:rPr>
-              <a:t>계획서</a:t>
+                <a:ea typeface="+mn-ea"/>
+              </a:rPr>
+              <a:t>결과</a:t>
             </a:r>
             <a:endParaRPr lang="ko-KR" altLang="en-US" sz="2800" b="1" dirty="0">
               <a:latin typeface="+mn-ea"/>
@@ -7609,1356 +7576,10 @@
           </a:p>
         </p:txBody>
       </p:sp>
-      <p:graphicFrame>
-        <p:nvGraphicFramePr>
-          <p:cNvPr id="2" name="표 1"/>
-          <p:cNvGraphicFramePr>
-            <a:graphicFrameLocks noGrp="1"/>
-          </p:cNvGraphicFramePr>
-          <p:nvPr>
-            <p:extLst>
-              <p:ext uri="{D42A27DB-BD31-4B8C-83A1-F6EECF244321}">
-                <p14:modId xmlns:p14="http://schemas.microsoft.com/office/powerpoint/2010/main" val="203187953"/>
-              </p:ext>
-            </p:extLst>
-          </p:nvPr>
-        </p:nvGraphicFramePr>
-        <p:xfrm>
-          <a:off x="1028564" y="1628800"/>
-          <a:ext cx="8172908" cy="4769274"/>
-        </p:xfrm>
-        <a:graphic>
-          <a:graphicData uri="http://schemas.openxmlformats.org/drawingml/2006/table">
-            <a:tbl>
-              <a:tblPr>
-                <a:tableStyleId>{5940675A-B579-460E-94D1-54222C63F5DA}</a:tableStyleId>
-              </a:tblPr>
-              <a:tblGrid>
-                <a:gridCol w="1404156">
-                  <a:extLst>
-                    <a:ext uri="{9D8B030D-6E8A-4147-A177-3AD203B41FA5}">
-                      <a16:colId xmlns:a16="http://schemas.microsoft.com/office/drawing/2014/main" val="2921769722"/>
-                    </a:ext>
-                  </a:extLst>
-                </a:gridCol>
-                <a:gridCol w="1044116">
-                  <a:extLst>
-                    <a:ext uri="{9D8B030D-6E8A-4147-A177-3AD203B41FA5}">
-                      <a16:colId xmlns:a16="http://schemas.microsoft.com/office/drawing/2014/main" val="566665886"/>
-                    </a:ext>
-                  </a:extLst>
-                </a:gridCol>
-                <a:gridCol w="4968839">
-                  <a:extLst>
-                    <a:ext uri="{9D8B030D-6E8A-4147-A177-3AD203B41FA5}">
-                      <a16:colId xmlns:a16="http://schemas.microsoft.com/office/drawing/2014/main" val="865690630"/>
-                    </a:ext>
-                  </a:extLst>
-                </a:gridCol>
-                <a:gridCol w="755797">
-                  <a:extLst>
-                    <a:ext uri="{9D8B030D-6E8A-4147-A177-3AD203B41FA5}">
-                      <a16:colId xmlns:a16="http://schemas.microsoft.com/office/drawing/2014/main" val="3154329030"/>
-                    </a:ext>
-                  </a:extLst>
-                </a:gridCol>
-              </a:tblGrid>
-              <a:tr h="192485">
-                <a:tc>
-                  <a:txBody>
-                    <a:bodyPr/>
-                    <a:lstStyle/>
-                    <a:p>
-                      <a:pPr algn="ctr" fontAlgn="ctr"/>
-                      <a:r>
-                        <a:rPr lang="ko-KR" altLang="en-US" sz="600" u="none" strike="noStrike" dirty="0">
-                          <a:effectLst/>
-                        </a:rPr>
-                        <a:t>분류</a:t>
-                      </a:r>
-                      <a:endParaRPr lang="ko-KR" altLang="en-US" sz="600" b="1" i="0" u="none" strike="noStrike" dirty="0">
-                        <a:solidFill>
-                          <a:srgbClr val="FFFFFF"/>
-                        </a:solidFill>
-                        <a:effectLst/>
-                        <a:latin typeface="맑은 고딕" panose="020B0503020000020004" pitchFamily="50" charset="-127"/>
-                        <a:ea typeface="맑은 고딕" panose="020B0503020000020004" pitchFamily="50" charset="-127"/>
-                      </a:endParaRPr>
-                    </a:p>
-                  </a:txBody>
-                  <a:tcPr marL="5833" marR="5833" marT="5833" marB="0" anchor="ctr">
-                    <a:solidFill>
-                      <a:schemeClr val="bg1">
-                        <a:lumMod val="95000"/>
-                      </a:schemeClr>
-                    </a:solidFill>
-                  </a:tcPr>
-                </a:tc>
-                <a:tc>
-                  <a:txBody>
-                    <a:bodyPr/>
-                    <a:lstStyle/>
-                    <a:p>
-                      <a:pPr algn="ctr" fontAlgn="ctr"/>
-                      <a:r>
-                        <a:rPr lang="ko-KR" altLang="en-US" sz="600" u="none" strike="noStrike">
-                          <a:effectLst/>
-                        </a:rPr>
-                        <a:t>내용</a:t>
-                      </a:r>
-                      <a:endParaRPr lang="ko-KR" altLang="en-US" sz="600" b="1" i="0" u="none" strike="noStrike">
-                        <a:solidFill>
-                          <a:srgbClr val="FFFFFF"/>
-                        </a:solidFill>
-                        <a:effectLst/>
-                        <a:latin typeface="맑은 고딕" panose="020B0503020000020004" pitchFamily="50" charset="-127"/>
-                        <a:ea typeface="맑은 고딕" panose="020B0503020000020004" pitchFamily="50" charset="-127"/>
-                      </a:endParaRPr>
-                    </a:p>
-                  </a:txBody>
-                  <a:tcPr marL="5833" marR="5833" marT="5833" marB="0" anchor="ctr">
-                    <a:solidFill>
-                      <a:schemeClr val="bg1">
-                        <a:lumMod val="95000"/>
-                      </a:schemeClr>
-                    </a:solidFill>
-                  </a:tcPr>
-                </a:tc>
-                <a:tc>
-                  <a:txBody>
-                    <a:bodyPr/>
-                    <a:lstStyle/>
-                    <a:p>
-                      <a:pPr algn="ctr" fontAlgn="ctr"/>
-                      <a:r>
-                        <a:rPr lang="ko-KR" altLang="en-US" sz="600" u="none" strike="noStrike" dirty="0">
-                          <a:effectLst/>
-                        </a:rPr>
-                        <a:t>설명 </a:t>
-                      </a:r>
-                      <a:endParaRPr lang="ko-KR" altLang="en-US" sz="600" b="1" i="0" u="none" strike="noStrike" dirty="0">
-                        <a:solidFill>
-                          <a:srgbClr val="FFFFFF"/>
-                        </a:solidFill>
-                        <a:effectLst/>
-                        <a:latin typeface="맑은 고딕" panose="020B0503020000020004" pitchFamily="50" charset="-127"/>
-                        <a:ea typeface="맑은 고딕" panose="020B0503020000020004" pitchFamily="50" charset="-127"/>
-                      </a:endParaRPr>
-                    </a:p>
-                  </a:txBody>
-                  <a:tcPr marL="5833" marR="5833" marT="5833" marB="0" anchor="ctr">
-                    <a:solidFill>
-                      <a:schemeClr val="bg1">
-                        <a:lumMod val="95000"/>
-                      </a:schemeClr>
-                    </a:solidFill>
-                  </a:tcPr>
-                </a:tc>
-                <a:tc>
-                  <a:txBody>
-                    <a:bodyPr/>
-                    <a:lstStyle/>
-                    <a:p>
-                      <a:pPr algn="ctr" fontAlgn="ctr"/>
-                      <a:r>
-                        <a:rPr lang="ko-KR" altLang="en-US" sz="600" u="none" strike="noStrike" dirty="0" err="1">
-                          <a:effectLst/>
-                        </a:rPr>
-                        <a:t>투입공수</a:t>
-                      </a:r>
-                      <a:endParaRPr lang="ko-KR" altLang="en-US" sz="600" b="1" i="0" u="none" strike="noStrike" dirty="0">
-                        <a:solidFill>
-                          <a:srgbClr val="FFFFFF"/>
-                        </a:solidFill>
-                        <a:effectLst/>
-                        <a:latin typeface="맑은 고딕" panose="020B0503020000020004" pitchFamily="50" charset="-127"/>
-                        <a:ea typeface="맑은 고딕" panose="020B0503020000020004" pitchFamily="50" charset="-127"/>
-                      </a:endParaRPr>
-                    </a:p>
-                  </a:txBody>
-                  <a:tcPr marL="5833" marR="5833" marT="5833" marB="0" anchor="ctr">
-                    <a:solidFill>
-                      <a:schemeClr val="bg1">
-                        <a:lumMod val="95000"/>
-                      </a:schemeClr>
-                    </a:solidFill>
-                  </a:tcPr>
-                </a:tc>
-                <a:extLst>
-                  <a:ext uri="{0D108BD9-81ED-4DB2-BD59-A6C34878D82A}">
-                    <a16:rowId xmlns:a16="http://schemas.microsoft.com/office/drawing/2014/main" val="203188137"/>
-                  </a:ext>
-                </a:extLst>
-              </a:tr>
-              <a:tr h="1044088">
-                <a:tc>
-                  <a:txBody>
-                    <a:bodyPr/>
-                    <a:lstStyle/>
-                    <a:p>
-                      <a:pPr algn="ctr" fontAlgn="ctr"/>
-                      <a:r>
-                        <a:rPr lang="ko-KR" altLang="en-US" sz="800" u="none" strike="noStrike" dirty="0">
-                          <a:effectLst/>
-                        </a:rPr>
-                        <a:t>분석 </a:t>
-                      </a:r>
-                      <a:r>
-                        <a:rPr lang="en-US" altLang="ko-KR" sz="800" u="none" strike="noStrike" dirty="0">
-                          <a:effectLst/>
-                        </a:rPr>
-                        <a:t>/ </a:t>
-                      </a:r>
-                      <a:r>
-                        <a:rPr lang="ko-KR" altLang="en-US" sz="800" u="none" strike="noStrike" dirty="0">
-                          <a:effectLst/>
-                        </a:rPr>
-                        <a:t>설계</a:t>
-                      </a:r>
-                      <a:endParaRPr lang="ko-KR" altLang="en-US" sz="800" b="0" i="0" u="none" strike="noStrike" dirty="0">
-                        <a:solidFill>
-                          <a:srgbClr val="000000"/>
-                        </a:solidFill>
-                        <a:effectLst/>
-                        <a:latin typeface="맑은 고딕" panose="020B0503020000020004" pitchFamily="50" charset="-127"/>
-                        <a:ea typeface="맑은 고딕" panose="020B0503020000020004" pitchFamily="50" charset="-127"/>
-                      </a:endParaRPr>
-                    </a:p>
-                  </a:txBody>
-                  <a:tcPr marL="5833" marR="5833" marT="5833" marB="0" anchor="ctr"/>
-                </a:tc>
-                <a:tc>
-                  <a:txBody>
-                    <a:bodyPr/>
-                    <a:lstStyle/>
-                    <a:p>
-                      <a:pPr algn="ctr" fontAlgn="ctr"/>
-                      <a:r>
-                        <a:rPr lang="ko-KR" altLang="en-US" sz="800" u="none" strike="noStrike" dirty="0">
-                          <a:effectLst/>
-                        </a:rPr>
-                        <a:t>기술검토 및 설계</a:t>
-                      </a:r>
-                      <a:endParaRPr lang="ko-KR" altLang="en-US" sz="800" b="0" i="0" u="none" strike="noStrike" dirty="0">
-                        <a:solidFill>
-                          <a:srgbClr val="000000"/>
-                        </a:solidFill>
-                        <a:effectLst/>
-                        <a:latin typeface="맑은 고딕" panose="020B0503020000020004" pitchFamily="50" charset="-127"/>
-                        <a:ea typeface="맑은 고딕" panose="020B0503020000020004" pitchFamily="50" charset="-127"/>
-                      </a:endParaRPr>
-                    </a:p>
-                  </a:txBody>
-                  <a:tcPr marL="5833" marR="5833" marT="5833" marB="0" anchor="ctr"/>
-                </a:tc>
-                <a:tc>
-                  <a:txBody>
-                    <a:bodyPr/>
-                    <a:lstStyle/>
-                    <a:p>
-                      <a:pPr algn="l" fontAlgn="ctr"/>
-                      <a:r>
-                        <a:rPr lang="ko-KR" altLang="en-US" sz="800" u="none" strike="noStrike" dirty="0">
-                          <a:effectLst/>
-                        </a:rPr>
-                        <a:t> </a:t>
-                      </a:r>
-                      <a:r>
-                        <a:rPr lang="en-US" altLang="ko-KR" sz="800" u="none" strike="noStrike" dirty="0">
-                          <a:effectLst/>
-                        </a:rPr>
-                        <a:t>- </a:t>
-                      </a:r>
-                      <a:r>
-                        <a:rPr lang="ko-KR" altLang="en-US" sz="800" u="none" strike="noStrike" dirty="0">
-                          <a:effectLst/>
-                        </a:rPr>
-                        <a:t>요구사항 분석 및 기능 정의 </a:t>
-                      </a:r>
-                      <a:br>
-                        <a:rPr lang="ko-KR" altLang="en-US" sz="800" u="none" strike="noStrike" dirty="0">
-                          <a:effectLst/>
-                        </a:rPr>
-                      </a:br>
-                      <a:r>
-                        <a:rPr lang="ko-KR" altLang="en-US" sz="800" u="none" strike="noStrike" dirty="0">
-                          <a:effectLst/>
-                        </a:rPr>
-                        <a:t> </a:t>
-                      </a:r>
-                      <a:r>
-                        <a:rPr lang="en-US" altLang="ko-KR" sz="800" u="none" strike="noStrike" dirty="0">
-                          <a:effectLst/>
-                        </a:rPr>
-                        <a:t>- UI </a:t>
-                      </a:r>
-                      <a:r>
-                        <a:rPr lang="ko-KR" altLang="en-US" sz="800" u="none" strike="noStrike" dirty="0">
-                          <a:effectLst/>
-                        </a:rPr>
-                        <a:t>설계</a:t>
-                      </a:r>
-                      <a:endParaRPr lang="ko-KR" altLang="en-US" sz="800" b="0" i="0" u="none" strike="noStrike" dirty="0">
-                        <a:solidFill>
-                          <a:srgbClr val="000000"/>
-                        </a:solidFill>
-                        <a:effectLst/>
-                        <a:latin typeface="맑은 고딕" panose="020B0503020000020004" pitchFamily="50" charset="-127"/>
-                        <a:ea typeface="맑은 고딕" panose="020B0503020000020004" pitchFamily="50" charset="-127"/>
-                      </a:endParaRPr>
-                    </a:p>
-                  </a:txBody>
-                  <a:tcPr marL="5833" marR="5833" marT="5833" marB="0" anchor="ctr"/>
-                </a:tc>
-                <a:tc>
-                  <a:txBody>
-                    <a:bodyPr/>
-                    <a:lstStyle/>
-                    <a:p>
-                      <a:pPr algn="r" fontAlgn="ctr"/>
-                      <a:r>
-                        <a:rPr lang="en-US" sz="1000" b="0" i="0" u="none" strike="noStrike" dirty="0">
-                          <a:solidFill>
-                            <a:srgbClr val="000000"/>
-                          </a:solidFill>
-                          <a:effectLst/>
-                          <a:latin typeface="맑은 고딕" panose="020B0503020000020004" pitchFamily="50" charset="-127"/>
-                          <a:ea typeface="맑은 고딕" panose="020B0503020000020004" pitchFamily="50" charset="-127"/>
-                        </a:rPr>
-                        <a:t>5 M/D</a:t>
-                      </a:r>
-                    </a:p>
-                  </a:txBody>
-                  <a:tcPr marL="9525" marR="142875" marT="9525" marB="0" anchor="ctr"/>
-                </a:tc>
-                <a:extLst>
-                  <a:ext uri="{0D108BD9-81ED-4DB2-BD59-A6C34878D82A}">
-                    <a16:rowId xmlns:a16="http://schemas.microsoft.com/office/drawing/2014/main" val="699156240"/>
-                  </a:ext>
-                </a:extLst>
-              </a:tr>
-              <a:tr h="402470">
-                <a:tc rowSpan="2">
-                  <a:txBody>
-                    <a:bodyPr/>
-                    <a:lstStyle/>
-                    <a:p>
-                      <a:pPr algn="ctr" fontAlgn="ctr"/>
-                      <a:r>
-                        <a:rPr lang="ko-KR" altLang="en-US" sz="800" u="none" strike="noStrike" dirty="0">
-                          <a:effectLst/>
-                        </a:rPr>
-                        <a:t>개발</a:t>
-                      </a:r>
-                      <a:endParaRPr lang="ko-KR" altLang="en-US" sz="800" b="0" i="0" u="none" strike="noStrike" dirty="0">
-                        <a:solidFill>
-                          <a:srgbClr val="000000"/>
-                        </a:solidFill>
-                        <a:effectLst/>
-                        <a:latin typeface="맑은 고딕" panose="020B0503020000020004" pitchFamily="50" charset="-127"/>
-                        <a:ea typeface="맑은 고딕" panose="020B0503020000020004" pitchFamily="50" charset="-127"/>
-                      </a:endParaRPr>
-                    </a:p>
-                  </a:txBody>
-                  <a:tcPr marL="5833" marR="5833" marT="5833" marB="0" anchor="ctr"/>
-                </a:tc>
-                <a:tc>
-                  <a:txBody>
-                    <a:bodyPr/>
-                    <a:lstStyle/>
-                    <a:p>
-                      <a:pPr algn="ctr" fontAlgn="ctr"/>
-                      <a:r>
-                        <a:rPr lang="en-US" sz="800" u="none" strike="noStrike">
-                          <a:effectLst/>
-                        </a:rPr>
-                        <a:t>UI </a:t>
-                      </a:r>
-                      <a:r>
-                        <a:rPr lang="ko-KR" altLang="en-US" sz="800" u="none" strike="noStrike">
-                          <a:effectLst/>
-                        </a:rPr>
-                        <a:t>기능 구현</a:t>
-                      </a:r>
-                      <a:endParaRPr lang="ko-KR" altLang="en-US" sz="800" b="0" i="0" u="none" strike="noStrike">
-                        <a:solidFill>
-                          <a:srgbClr val="000000"/>
-                        </a:solidFill>
-                        <a:effectLst/>
-                        <a:latin typeface="맑은 고딕" panose="020B0503020000020004" pitchFamily="50" charset="-127"/>
-                        <a:ea typeface="맑은 고딕" panose="020B0503020000020004" pitchFamily="50" charset="-127"/>
-                      </a:endParaRPr>
-                    </a:p>
-                  </a:txBody>
-                  <a:tcPr marL="5833" marR="5833" marT="5833" marB="0" anchor="ctr"/>
-                </a:tc>
-                <a:tc>
-                  <a:txBody>
-                    <a:bodyPr/>
-                    <a:lstStyle/>
-                    <a:p>
-                      <a:pPr algn="l" fontAlgn="ctr"/>
-                      <a:r>
-                        <a:rPr lang="ko-KR" altLang="en-US" sz="800" u="none" strike="noStrike" dirty="0">
-                          <a:effectLst/>
-                        </a:rPr>
-                        <a:t> </a:t>
-                      </a:r>
-                      <a:r>
-                        <a:rPr lang="en-US" altLang="ko-KR" sz="800" u="none" strike="noStrike" dirty="0">
-                          <a:effectLst/>
-                        </a:rPr>
-                        <a:t>- </a:t>
-                      </a:r>
-                      <a:r>
-                        <a:rPr lang="ko-KR" altLang="en-US" sz="800" u="none" strike="noStrike" dirty="0">
-                          <a:effectLst/>
-                        </a:rPr>
-                        <a:t>코드 리뷰 점검 </a:t>
-                      </a:r>
-                      <a:r>
-                        <a:rPr lang="en-US" altLang="ko-KR" sz="800" u="none" strike="noStrike" dirty="0">
-                          <a:effectLst/>
-                        </a:rPr>
-                        <a:t>Tool </a:t>
-                      </a:r>
-                      <a:r>
-                        <a:rPr lang="ko-KR" altLang="en-US" sz="800" u="none" strike="noStrike" dirty="0">
-                          <a:effectLst/>
-                        </a:rPr>
-                        <a:t>화면 구성</a:t>
-                      </a:r>
-                      <a:br>
-                        <a:rPr lang="ko-KR" altLang="en-US" sz="800" u="none" strike="noStrike" dirty="0">
-                          <a:effectLst/>
-                        </a:rPr>
-                      </a:br>
-                      <a:r>
-                        <a:rPr lang="ko-KR" altLang="en-US" sz="800" u="none" strike="noStrike" dirty="0">
-                          <a:effectLst/>
-                        </a:rPr>
-                        <a:t> </a:t>
-                      </a:r>
-                      <a:r>
-                        <a:rPr lang="en-US" altLang="ko-KR" sz="800" u="none" strike="noStrike" dirty="0">
-                          <a:effectLst/>
-                        </a:rPr>
-                        <a:t>- </a:t>
-                      </a:r>
-                      <a:r>
-                        <a:rPr lang="ko-KR" altLang="en-US" sz="800" u="none" strike="noStrike" dirty="0">
-                          <a:effectLst/>
-                        </a:rPr>
-                        <a:t>코드 리뷰 </a:t>
-                      </a:r>
-                      <a:r>
-                        <a:rPr lang="ko-KR" altLang="en-US" sz="800" u="none" strike="noStrike" dirty="0" err="1">
-                          <a:effectLst/>
-                        </a:rPr>
-                        <a:t>결과서</a:t>
-                      </a:r>
-                      <a:r>
-                        <a:rPr lang="ko-KR" altLang="en-US" sz="800" u="none" strike="noStrike" dirty="0">
-                          <a:effectLst/>
-                        </a:rPr>
-                        <a:t> </a:t>
-                      </a:r>
-                      <a:r>
-                        <a:rPr lang="en-US" altLang="ko-KR" sz="800" u="none" strike="noStrike" dirty="0">
-                          <a:effectLst/>
-                        </a:rPr>
-                        <a:t>Export </a:t>
-                      </a:r>
-                      <a:r>
-                        <a:rPr lang="ko-KR" altLang="en-US" sz="800" u="none" strike="noStrike" dirty="0">
-                          <a:effectLst/>
-                        </a:rPr>
-                        <a:t>기능</a:t>
-                      </a:r>
-                      <a:endParaRPr lang="ko-KR" altLang="en-US" sz="800" b="0" i="0" u="none" strike="noStrike" dirty="0">
-                        <a:solidFill>
-                          <a:srgbClr val="000000"/>
-                        </a:solidFill>
-                        <a:effectLst/>
-                        <a:latin typeface="맑은 고딕" panose="020B0503020000020004" pitchFamily="50" charset="-127"/>
-                        <a:ea typeface="맑은 고딕" panose="020B0503020000020004" pitchFamily="50" charset="-127"/>
-                      </a:endParaRPr>
-                    </a:p>
-                  </a:txBody>
-                  <a:tcPr marL="5833" marR="5833" marT="5833" marB="0" anchor="ctr"/>
-                </a:tc>
-                <a:tc>
-                  <a:txBody>
-                    <a:bodyPr/>
-                    <a:lstStyle/>
-                    <a:p>
-                      <a:pPr algn="r" fontAlgn="ctr"/>
-                      <a:r>
-                        <a:rPr lang="en-US" sz="1000" b="0" i="0" u="none" strike="noStrike" dirty="0">
-                          <a:solidFill>
-                            <a:srgbClr val="000000"/>
-                          </a:solidFill>
-                          <a:effectLst/>
-                          <a:latin typeface="맑은 고딕" panose="020B0503020000020004" pitchFamily="50" charset="-127"/>
-                          <a:ea typeface="맑은 고딕" panose="020B0503020000020004" pitchFamily="50" charset="-127"/>
-                        </a:rPr>
-                        <a:t>5 M/D</a:t>
-                      </a:r>
-                    </a:p>
-                  </a:txBody>
-                  <a:tcPr marL="9525" marR="142875" marT="9525" marB="0" anchor="ctr"/>
-                </a:tc>
-                <a:extLst>
-                  <a:ext uri="{0D108BD9-81ED-4DB2-BD59-A6C34878D82A}">
-                    <a16:rowId xmlns:a16="http://schemas.microsoft.com/office/drawing/2014/main" val="3568693360"/>
-                  </a:ext>
-                </a:extLst>
-              </a:tr>
-              <a:tr h="1994849">
-                <a:tc vMerge="1">
-                  <a:txBody>
-                    <a:bodyPr/>
-                    <a:lstStyle/>
-                    <a:p>
-                      <a:pPr latinLnBrk="1"/>
-                      <a:endParaRPr lang="ko-KR" altLang="en-US"/>
-                    </a:p>
-                  </a:txBody>
-                  <a:tcPr/>
-                </a:tc>
-                <a:tc>
-                  <a:txBody>
-                    <a:bodyPr/>
-                    <a:lstStyle/>
-                    <a:p>
-                      <a:pPr algn="ctr" fontAlgn="ctr"/>
-                      <a:r>
-                        <a:rPr lang="ko-KR" altLang="en-US" sz="800" u="none" strike="noStrike" dirty="0">
-                          <a:effectLst/>
-                        </a:rPr>
-                        <a:t>코드 리뷰 점검 </a:t>
-                      </a:r>
-                      <a:r>
-                        <a:rPr lang="en-US" altLang="ko-KR" sz="800" u="none" strike="noStrike" dirty="0" smtClean="0">
-                          <a:effectLst/>
-                        </a:rPr>
-                        <a:t/>
-                      </a:r>
-                      <a:br>
-                        <a:rPr lang="en-US" altLang="ko-KR" sz="800" u="none" strike="noStrike" dirty="0" smtClean="0">
-                          <a:effectLst/>
-                        </a:rPr>
-                      </a:br>
-                      <a:r>
-                        <a:rPr lang="ko-KR" altLang="en-US" sz="800" u="none" strike="noStrike" dirty="0" smtClean="0">
-                          <a:effectLst/>
-                        </a:rPr>
-                        <a:t>기능 구현</a:t>
-                      </a:r>
-                      <a:endParaRPr lang="ko-KR" altLang="en-US" sz="800" b="0" i="0" u="none" strike="noStrike" dirty="0">
-                        <a:solidFill>
-                          <a:srgbClr val="000000"/>
-                        </a:solidFill>
-                        <a:effectLst/>
-                        <a:latin typeface="맑은 고딕" panose="020B0503020000020004" pitchFamily="50" charset="-127"/>
-                        <a:ea typeface="맑은 고딕" panose="020B0503020000020004" pitchFamily="50" charset="-127"/>
-                      </a:endParaRPr>
-                    </a:p>
-                  </a:txBody>
-                  <a:tcPr marL="5833" marR="5833" marT="5833" marB="0" anchor="ctr"/>
-                </a:tc>
-                <a:tc>
-                  <a:txBody>
-                    <a:bodyPr/>
-                    <a:lstStyle/>
-                    <a:p>
-                      <a:pPr algn="l" fontAlgn="ctr"/>
-                      <a:r>
-                        <a:rPr lang="en-US" altLang="ko-KR" sz="800" u="none" strike="noStrike" dirty="0">
-                          <a:effectLst/>
-                        </a:rPr>
-                        <a:t>[</a:t>
-                      </a:r>
-                      <a:r>
-                        <a:rPr lang="ko-KR" altLang="en-US" sz="800" u="none" strike="noStrike" dirty="0">
-                          <a:effectLst/>
-                        </a:rPr>
-                        <a:t>성능</a:t>
-                      </a:r>
-                      <a:r>
-                        <a:rPr lang="en-US" altLang="ko-KR" sz="800" u="none" strike="noStrike" dirty="0">
-                          <a:effectLst/>
-                        </a:rPr>
-                        <a:t>]</a:t>
-                      </a:r>
-                      <a:br>
-                        <a:rPr lang="en-US" altLang="ko-KR" sz="800" u="none" strike="noStrike" dirty="0">
-                          <a:effectLst/>
-                        </a:rPr>
-                      </a:br>
-                      <a:r>
-                        <a:rPr lang="en-US" altLang="ko-KR" sz="800" u="none" strike="noStrike" dirty="0">
-                          <a:effectLst/>
-                        </a:rPr>
-                        <a:t> - </a:t>
-                      </a:r>
-                      <a:r>
-                        <a:rPr lang="ko-KR" altLang="en-US" sz="800" u="none" strike="noStrike" dirty="0">
-                          <a:effectLst/>
-                        </a:rPr>
-                        <a:t>스크립트 동작 </a:t>
-                      </a:r>
-                      <a:r>
-                        <a:rPr lang="en-US" altLang="ko-KR" sz="800" u="none" strike="noStrike" dirty="0">
-                          <a:effectLst/>
-                        </a:rPr>
-                        <a:t>Active </a:t>
-                      </a:r>
-                      <a:r>
-                        <a:rPr lang="ko-KR" altLang="en-US" sz="800" u="none" strike="noStrike" dirty="0">
-                          <a:effectLst/>
-                        </a:rPr>
-                        <a:t>감시 적용</a:t>
-                      </a:r>
-                      <a:br>
-                        <a:rPr lang="ko-KR" altLang="en-US" sz="800" u="none" strike="noStrike" dirty="0">
-                          <a:effectLst/>
-                        </a:rPr>
-                      </a:br>
-                      <a:r>
-                        <a:rPr lang="ko-KR" altLang="en-US" sz="800" u="none" strike="noStrike" dirty="0">
-                          <a:effectLst/>
-                        </a:rPr>
-                        <a:t> </a:t>
-                      </a:r>
-                      <a:r>
-                        <a:rPr lang="en-US" altLang="ko-KR" sz="800" u="none" strike="noStrike" dirty="0">
-                          <a:effectLst/>
-                        </a:rPr>
-                        <a:t>- Loop</a:t>
-                      </a:r>
-                      <a:r>
-                        <a:rPr lang="ko-KR" altLang="en-US" sz="800" u="none" strike="noStrike" dirty="0">
-                          <a:effectLst/>
-                        </a:rPr>
-                        <a:t>문 내 처리 조건</a:t>
-                      </a:r>
-                      <a:br>
-                        <a:rPr lang="ko-KR" altLang="en-US" sz="800" u="none" strike="noStrike" dirty="0">
-                          <a:effectLst/>
-                        </a:rPr>
-                      </a:br>
-                      <a:r>
-                        <a:rPr lang="ko-KR" altLang="en-US" sz="800" u="none" strike="noStrike" dirty="0">
-                          <a:effectLst/>
-                        </a:rPr>
-                        <a:t> </a:t>
-                      </a:r>
-                      <a:r>
-                        <a:rPr lang="en-US" altLang="ko-KR" sz="800" u="none" strike="noStrike" dirty="0">
-                          <a:effectLst/>
-                        </a:rPr>
-                        <a:t>- </a:t>
-                      </a:r>
-                      <a:r>
-                        <a:rPr lang="ko-KR" altLang="en-US" sz="800" u="none" strike="noStrike" dirty="0">
-                          <a:effectLst/>
-                        </a:rPr>
-                        <a:t>이벤트 교환 횟수 최소화</a:t>
-                      </a:r>
-                      <a:br>
-                        <a:rPr lang="ko-KR" altLang="en-US" sz="800" u="none" strike="noStrike" dirty="0">
-                          <a:effectLst/>
-                        </a:rPr>
-                      </a:br>
-                      <a:r>
-                        <a:rPr lang="ko-KR" altLang="en-US" sz="800" u="none" strike="noStrike" dirty="0">
-                          <a:effectLst/>
-                        </a:rPr>
-                        <a:t> </a:t>
-                      </a:r>
-                      <a:r>
-                        <a:rPr lang="en-US" altLang="ko-KR" sz="800" u="none" strike="noStrike" dirty="0">
-                          <a:effectLst/>
-                        </a:rPr>
-                        <a:t>- </a:t>
-                      </a:r>
-                      <a:r>
-                        <a:rPr lang="ko-KR" altLang="en-US" sz="800" u="none" strike="noStrike" dirty="0">
-                          <a:effectLst/>
-                        </a:rPr>
-                        <a:t>적절한 </a:t>
-                      </a:r>
-                      <a:r>
-                        <a:rPr lang="en-US" altLang="ko-KR" sz="800" u="none" strike="noStrike" dirty="0">
-                          <a:effectLst/>
-                        </a:rPr>
-                        <a:t>DP </a:t>
-                      </a:r>
-                      <a:r>
-                        <a:rPr lang="ko-KR" altLang="en-US" sz="800" u="none" strike="noStrike" dirty="0">
-                          <a:effectLst/>
-                        </a:rPr>
-                        <a:t>처리 함수 사용</a:t>
-                      </a:r>
-                      <a:br>
-                        <a:rPr lang="ko-KR" altLang="en-US" sz="800" u="none" strike="noStrike" dirty="0">
-                          <a:effectLst/>
-                        </a:rPr>
-                      </a:br>
-                      <a:r>
-                        <a:rPr lang="ko-KR" altLang="en-US" sz="800" u="none" strike="noStrike" dirty="0">
-                          <a:effectLst/>
-                        </a:rPr>
-                        <a:t> </a:t>
-                      </a:r>
-                      <a:r>
-                        <a:rPr lang="en-US" altLang="ko-KR" sz="800" u="none" strike="noStrike" dirty="0">
-                          <a:effectLst/>
-                        </a:rPr>
-                        <a:t>- DP Query </a:t>
-                      </a:r>
-                      <a:r>
-                        <a:rPr lang="ko-KR" altLang="en-US" sz="800" u="none" strike="noStrike" dirty="0">
-                          <a:effectLst/>
-                        </a:rPr>
-                        <a:t>최적화 구현</a:t>
-                      </a:r>
-                      <a:br>
-                        <a:rPr lang="ko-KR" altLang="en-US" sz="800" u="none" strike="noStrike" dirty="0">
-                          <a:effectLst/>
-                        </a:rPr>
-                      </a:br>
-                      <a:r>
-                        <a:rPr lang="ko-KR" altLang="en-US" sz="800" u="none" strike="noStrike" dirty="0">
-                          <a:effectLst/>
-                        </a:rPr>
-                        <a:t> </a:t>
-                      </a:r>
-                      <a:r>
-                        <a:rPr lang="en-US" altLang="ko-KR" sz="800" u="none" strike="noStrike" dirty="0">
-                          <a:effectLst/>
-                        </a:rPr>
-                        <a:t>- </a:t>
-                      </a:r>
-                      <a:r>
-                        <a:rPr lang="en-US" altLang="ko-KR" sz="800" u="none" strike="noStrike" dirty="0" err="1">
-                          <a:effectLst/>
-                        </a:rPr>
-                        <a:t>Raima</a:t>
-                      </a:r>
-                      <a:r>
-                        <a:rPr lang="en-US" altLang="ko-KR" sz="800" u="none" strike="noStrike" dirty="0">
-                          <a:effectLst/>
-                        </a:rPr>
-                        <a:t> DB </a:t>
-                      </a:r>
-                      <a:r>
-                        <a:rPr lang="ko-KR" altLang="en-US" sz="800" u="none" strike="noStrike" dirty="0">
-                          <a:effectLst/>
-                        </a:rPr>
-                        <a:t>증가 방지</a:t>
-                      </a:r>
-                      <a:br>
-                        <a:rPr lang="ko-KR" altLang="en-US" sz="800" u="none" strike="noStrike" dirty="0">
-                          <a:effectLst/>
-                        </a:rPr>
-                      </a:br>
-                      <a:r>
-                        <a:rPr lang="en-US" altLang="ko-KR" sz="800" u="none" strike="noStrike" dirty="0">
-                          <a:effectLst/>
-                        </a:rPr>
-                        <a:t>[DB]</a:t>
-                      </a:r>
-                      <a:br>
-                        <a:rPr lang="en-US" altLang="ko-KR" sz="800" u="none" strike="noStrike" dirty="0">
-                          <a:effectLst/>
-                        </a:rPr>
-                      </a:br>
-                      <a:r>
-                        <a:rPr lang="en-US" altLang="ko-KR" sz="800" u="none" strike="noStrike" dirty="0">
-                          <a:effectLst/>
-                        </a:rPr>
-                        <a:t> - DB </a:t>
-                      </a:r>
-                      <a:r>
-                        <a:rPr lang="ko-KR" altLang="en-US" sz="800" u="none" strike="noStrike" dirty="0">
-                          <a:effectLst/>
-                        </a:rPr>
-                        <a:t>쿼리 바인딩 처리</a:t>
-                      </a:r>
-                      <a:br>
-                        <a:rPr lang="ko-KR" altLang="en-US" sz="800" u="none" strike="noStrike" dirty="0">
-                          <a:effectLst/>
-                        </a:rPr>
-                      </a:br>
-                      <a:r>
-                        <a:rPr lang="ko-KR" altLang="en-US" sz="800" u="none" strike="noStrike" dirty="0">
-                          <a:effectLst/>
-                        </a:rPr>
-                        <a:t> </a:t>
-                      </a:r>
-                      <a:r>
-                        <a:rPr lang="en-US" altLang="ko-KR" sz="800" u="none" strike="noStrike" dirty="0">
-                          <a:effectLst/>
-                        </a:rPr>
-                        <a:t>- </a:t>
-                      </a:r>
-                      <a:r>
-                        <a:rPr lang="ko-KR" altLang="en-US" sz="800" u="none" strike="noStrike" dirty="0">
-                          <a:effectLst/>
-                        </a:rPr>
-                        <a:t>쿼리 주석 처리</a:t>
-                      </a:r>
-                      <a:br>
-                        <a:rPr lang="ko-KR" altLang="en-US" sz="800" u="none" strike="noStrike" dirty="0">
-                          <a:effectLst/>
-                        </a:rPr>
-                      </a:br>
-                      <a:r>
-                        <a:rPr lang="ko-KR" altLang="en-US" sz="800" u="none" strike="noStrike" dirty="0">
-                          <a:effectLst/>
-                        </a:rPr>
-                        <a:t> </a:t>
-                      </a:r>
-                      <a:r>
-                        <a:rPr lang="en-US" altLang="ko-KR" sz="800" u="none" strike="noStrike" dirty="0">
-                          <a:effectLst/>
-                        </a:rPr>
-                        <a:t>- </a:t>
-                      </a:r>
-                      <a:r>
-                        <a:rPr lang="ko-KR" altLang="en-US" sz="800" u="none" strike="noStrike" dirty="0">
-                          <a:effectLst/>
-                        </a:rPr>
-                        <a:t>쿼리 검증</a:t>
-                      </a:r>
-                      <a:br>
-                        <a:rPr lang="ko-KR" altLang="en-US" sz="800" u="none" strike="noStrike" dirty="0">
-                          <a:effectLst/>
-                        </a:rPr>
-                      </a:br>
-                      <a:r>
-                        <a:rPr lang="ko-KR" altLang="en-US" sz="800" u="none" strike="noStrike" dirty="0">
-                          <a:effectLst/>
-                        </a:rPr>
-                        <a:t> </a:t>
-                      </a:r>
-                      <a:r>
-                        <a:rPr lang="en-US" altLang="ko-KR" sz="800" u="none" strike="noStrike" dirty="0">
-                          <a:effectLst/>
-                        </a:rPr>
-                        <a:t>- DB Query Error </a:t>
-                      </a:r>
-                      <a:br>
-                        <a:rPr lang="en-US" altLang="ko-KR" sz="800" u="none" strike="noStrike" dirty="0">
-                          <a:effectLst/>
-                        </a:rPr>
-                      </a:br>
-                      <a:r>
-                        <a:rPr lang="en-US" altLang="ko-KR" sz="800" u="none" strike="noStrike" dirty="0">
-                          <a:effectLst/>
-                        </a:rPr>
-                        <a:t>[</a:t>
-                      </a:r>
-                      <a:r>
-                        <a:rPr lang="ko-KR" altLang="en-US" sz="800" u="none" strike="noStrike" dirty="0">
-                          <a:effectLst/>
-                        </a:rPr>
-                        <a:t>공통</a:t>
-                      </a:r>
-                      <a:r>
-                        <a:rPr lang="en-US" altLang="ko-KR" sz="800" u="none" strike="noStrike" dirty="0">
-                          <a:effectLst/>
-                        </a:rPr>
-                        <a:t>]</a:t>
-                      </a:r>
-                      <a:br>
-                        <a:rPr lang="en-US" altLang="ko-KR" sz="800" u="none" strike="noStrike" dirty="0">
-                          <a:effectLst/>
-                        </a:rPr>
-                      </a:br>
-                      <a:r>
-                        <a:rPr lang="en-US" altLang="ko-KR" sz="800" u="none" strike="noStrike" dirty="0">
-                          <a:effectLst/>
-                        </a:rPr>
-                        <a:t> - DP </a:t>
-                      </a:r>
-                      <a:r>
-                        <a:rPr lang="ko-KR" altLang="en-US" sz="800" u="none" strike="noStrike" dirty="0">
-                          <a:effectLst/>
-                        </a:rPr>
-                        <a:t>함수 예외처리</a:t>
-                      </a:r>
-                      <a:br>
-                        <a:rPr lang="ko-KR" altLang="en-US" sz="800" u="none" strike="noStrike" dirty="0">
-                          <a:effectLst/>
-                        </a:rPr>
-                      </a:br>
-                      <a:r>
-                        <a:rPr lang="ko-KR" altLang="en-US" sz="800" u="none" strike="noStrike" dirty="0">
-                          <a:effectLst/>
-                        </a:rPr>
-                        <a:t> </a:t>
-                      </a:r>
-                      <a:r>
-                        <a:rPr lang="en-US" altLang="ko-KR" sz="800" u="none" strike="noStrike" dirty="0">
-                          <a:effectLst/>
-                        </a:rPr>
-                        <a:t>- Try, Catch </a:t>
-                      </a:r>
-                      <a:r>
-                        <a:rPr lang="ko-KR" altLang="en-US" sz="800" u="none" strike="noStrike" dirty="0">
-                          <a:effectLst/>
-                        </a:rPr>
-                        <a:t>예외 처리</a:t>
-                      </a:r>
-                      <a:br>
-                        <a:rPr lang="ko-KR" altLang="en-US" sz="800" u="none" strike="noStrike" dirty="0">
-                          <a:effectLst/>
-                        </a:rPr>
-                      </a:br>
-                      <a:r>
-                        <a:rPr lang="ko-KR" altLang="en-US" sz="800" u="none" strike="noStrike" dirty="0">
-                          <a:effectLst/>
-                        </a:rPr>
-                        <a:t> </a:t>
-                      </a:r>
-                      <a:r>
-                        <a:rPr lang="en-US" altLang="ko-KR" sz="800" u="none" strike="noStrike" dirty="0">
-                          <a:effectLst/>
-                        </a:rPr>
-                        <a:t>- </a:t>
-                      </a:r>
-                      <a:r>
-                        <a:rPr lang="ko-KR" altLang="en-US" sz="800" u="none" strike="noStrike" dirty="0">
-                          <a:effectLst/>
-                        </a:rPr>
-                        <a:t>스크립트 버전 관리</a:t>
-                      </a:r>
-                      <a:br>
-                        <a:rPr lang="ko-KR" altLang="en-US" sz="800" u="none" strike="noStrike" dirty="0">
-                          <a:effectLst/>
-                        </a:rPr>
-                      </a:br>
-                      <a:r>
-                        <a:rPr lang="ko-KR" altLang="en-US" sz="800" u="none" strike="noStrike" dirty="0">
-                          <a:effectLst/>
-                        </a:rPr>
-                        <a:t> </a:t>
-                      </a:r>
-                      <a:r>
-                        <a:rPr lang="en-US" altLang="ko-KR" sz="800" u="none" strike="noStrike" dirty="0">
-                          <a:effectLst/>
-                        </a:rPr>
-                        <a:t>- </a:t>
-                      </a:r>
-                      <a:r>
-                        <a:rPr lang="ko-KR" altLang="en-US" sz="800" u="none" strike="noStrike" dirty="0">
-                          <a:effectLst/>
-                        </a:rPr>
-                        <a:t>제약 조건 확인</a:t>
-                      </a:r>
-                      <a:br>
-                        <a:rPr lang="ko-KR" altLang="en-US" sz="800" u="none" strike="noStrike" dirty="0">
-                          <a:effectLst/>
-                        </a:rPr>
-                      </a:br>
-                      <a:r>
-                        <a:rPr lang="ko-KR" altLang="en-US" sz="800" u="none" strike="noStrike" dirty="0">
-                          <a:effectLst/>
-                        </a:rPr>
-                        <a:t> </a:t>
-                      </a:r>
-                      <a:r>
-                        <a:rPr lang="en-US" altLang="ko-KR" sz="800" u="none" strike="noStrike" dirty="0">
-                          <a:effectLst/>
-                        </a:rPr>
-                        <a:t>- </a:t>
-                      </a:r>
-                      <a:r>
-                        <a:rPr lang="ko-KR" altLang="en-US" sz="800" u="none" strike="noStrike" dirty="0">
-                          <a:effectLst/>
-                        </a:rPr>
-                        <a:t>하드 코딩 지양</a:t>
-                      </a:r>
-                      <a:br>
-                        <a:rPr lang="ko-KR" altLang="en-US" sz="800" u="none" strike="noStrike" dirty="0">
-                          <a:effectLst/>
-                        </a:rPr>
-                      </a:br>
-                      <a:r>
-                        <a:rPr lang="ko-KR" altLang="en-US" sz="800" u="none" strike="noStrike" dirty="0">
-                          <a:effectLst/>
-                        </a:rPr>
-                        <a:t> </a:t>
-                      </a:r>
-                      <a:r>
-                        <a:rPr lang="en-US" altLang="ko-KR" sz="800" u="none" strike="noStrike" dirty="0">
-                          <a:effectLst/>
-                        </a:rPr>
-                        <a:t>- </a:t>
-                      </a:r>
-                      <a:r>
-                        <a:rPr lang="ko-KR" altLang="en-US" sz="800" u="none" strike="noStrike" dirty="0">
-                          <a:effectLst/>
-                        </a:rPr>
-                        <a:t>불필요한 코드 지양 </a:t>
-                      </a:r>
-                      <a:r>
-                        <a:rPr lang="en-US" altLang="ko-KR" sz="800" u="none" strike="noStrike" dirty="0">
-                          <a:effectLst/>
-                        </a:rPr>
-                        <a:t>(</a:t>
-                      </a:r>
-                      <a:r>
-                        <a:rPr lang="ko-KR" altLang="en-US" sz="800" u="none" strike="noStrike" dirty="0">
-                          <a:effectLst/>
-                        </a:rPr>
-                        <a:t>미사용 코드</a:t>
-                      </a:r>
-                      <a:r>
-                        <a:rPr lang="en-US" altLang="ko-KR" sz="800" u="none" strike="noStrike" dirty="0">
-                          <a:effectLst/>
-                        </a:rPr>
-                        <a:t>)</a:t>
-                      </a:r>
-                      <a:endParaRPr lang="en-US" altLang="ko-KR" sz="800" b="0" i="0" u="none" strike="noStrike" dirty="0">
-                        <a:solidFill>
-                          <a:srgbClr val="000000"/>
-                        </a:solidFill>
-                        <a:effectLst/>
-                        <a:latin typeface="맑은 고딕" panose="020B0503020000020004" pitchFamily="50" charset="-127"/>
-                        <a:ea typeface="맑은 고딕" panose="020B0503020000020004" pitchFamily="50" charset="-127"/>
-                      </a:endParaRPr>
-                    </a:p>
-                  </a:txBody>
-                  <a:tcPr marL="5833" marR="5833" marT="5833" marB="0" anchor="ctr"/>
-                </a:tc>
-                <a:tc>
-                  <a:txBody>
-                    <a:bodyPr/>
-                    <a:lstStyle/>
-                    <a:p>
-                      <a:pPr algn="r" fontAlgn="ctr"/>
-                      <a:r>
-                        <a:rPr lang="en-US" sz="1000" b="0" i="0" u="none" strike="noStrike">
-                          <a:solidFill>
-                            <a:srgbClr val="000000"/>
-                          </a:solidFill>
-                          <a:effectLst/>
-                          <a:latin typeface="맑은 고딕" panose="020B0503020000020004" pitchFamily="50" charset="-127"/>
-                          <a:ea typeface="맑은 고딕" panose="020B0503020000020004" pitchFamily="50" charset="-127"/>
-                        </a:rPr>
-                        <a:t>20 M/D</a:t>
-                      </a:r>
-                    </a:p>
-                  </a:txBody>
-                  <a:tcPr marL="9525" marR="142875" marT="9525" marB="0" anchor="ctr"/>
-                </a:tc>
-                <a:extLst>
-                  <a:ext uri="{0D108BD9-81ED-4DB2-BD59-A6C34878D82A}">
-                    <a16:rowId xmlns:a16="http://schemas.microsoft.com/office/drawing/2014/main" val="539354076"/>
-                  </a:ext>
-                </a:extLst>
-              </a:tr>
-              <a:tr h="524960">
-                <a:tc>
-                  <a:txBody>
-                    <a:bodyPr/>
-                    <a:lstStyle/>
-                    <a:p>
-                      <a:pPr algn="ctr" fontAlgn="ctr"/>
-                      <a:r>
-                        <a:rPr lang="ko-KR" altLang="en-US" sz="800" u="none" strike="noStrike">
-                          <a:effectLst/>
-                        </a:rPr>
-                        <a:t>테스트</a:t>
-                      </a:r>
-                      <a:endParaRPr lang="ko-KR" altLang="en-US" sz="800" b="0" i="0" u="none" strike="noStrike">
-                        <a:solidFill>
-                          <a:srgbClr val="000000"/>
-                        </a:solidFill>
-                        <a:effectLst/>
-                        <a:latin typeface="맑은 고딕" panose="020B0503020000020004" pitchFamily="50" charset="-127"/>
-                        <a:ea typeface="맑은 고딕" panose="020B0503020000020004" pitchFamily="50" charset="-127"/>
-                      </a:endParaRPr>
-                    </a:p>
-                  </a:txBody>
-                  <a:tcPr marL="5833" marR="5833" marT="5833" marB="0" anchor="ctr"/>
-                </a:tc>
-                <a:tc>
-                  <a:txBody>
-                    <a:bodyPr/>
-                    <a:lstStyle/>
-                    <a:p>
-                      <a:pPr algn="ctr" fontAlgn="ctr"/>
-                      <a:r>
-                        <a:rPr lang="ko-KR" altLang="en-US" sz="800" u="none" strike="noStrike" dirty="0">
-                          <a:effectLst/>
-                        </a:rPr>
-                        <a:t>테스트 및 디버깅</a:t>
-                      </a:r>
-                      <a:endParaRPr lang="ko-KR" altLang="en-US" sz="800" b="0" i="0" u="none" strike="noStrike" dirty="0">
-                        <a:solidFill>
-                          <a:srgbClr val="000000"/>
-                        </a:solidFill>
-                        <a:effectLst/>
-                        <a:latin typeface="맑은 고딕" panose="020B0503020000020004" pitchFamily="50" charset="-127"/>
-                        <a:ea typeface="맑은 고딕" panose="020B0503020000020004" pitchFamily="50" charset="-127"/>
-                      </a:endParaRPr>
-                    </a:p>
-                  </a:txBody>
-                  <a:tcPr marL="5833" marR="5833" marT="5833" marB="0" anchor="ctr"/>
-                </a:tc>
-                <a:tc>
-                  <a:txBody>
-                    <a:bodyPr/>
-                    <a:lstStyle/>
-                    <a:p>
-                      <a:pPr algn="l" fontAlgn="ctr"/>
-                      <a:r>
-                        <a:rPr lang="ko-KR" altLang="en-US" sz="800" u="none" strike="noStrike" dirty="0">
-                          <a:effectLst/>
-                        </a:rPr>
-                        <a:t> </a:t>
-                      </a:r>
-                      <a:r>
-                        <a:rPr lang="en-US" altLang="ko-KR" sz="800" u="none" strike="noStrike" dirty="0">
-                          <a:effectLst/>
-                        </a:rPr>
-                        <a:t>- </a:t>
-                      </a:r>
-                      <a:r>
-                        <a:rPr lang="ko-KR" altLang="en-US" sz="800" u="none" strike="noStrike" dirty="0">
-                          <a:effectLst/>
-                        </a:rPr>
-                        <a:t>기능</a:t>
-                      </a:r>
-                      <a:r>
-                        <a:rPr lang="en-US" altLang="ko-KR" sz="800" u="none" strike="noStrike" dirty="0">
-                          <a:effectLst/>
-                        </a:rPr>
-                        <a:t>/</a:t>
-                      </a:r>
-                      <a:r>
-                        <a:rPr lang="ko-KR" altLang="en-US" sz="800" u="none" strike="noStrike" dirty="0">
-                          <a:effectLst/>
-                        </a:rPr>
-                        <a:t>성능 테스트 </a:t>
-                      </a:r>
-                      <a:br>
-                        <a:rPr lang="ko-KR" altLang="en-US" sz="800" u="none" strike="noStrike" dirty="0">
-                          <a:effectLst/>
-                        </a:rPr>
-                      </a:br>
-                      <a:r>
-                        <a:rPr lang="ko-KR" altLang="en-US" sz="800" u="none" strike="noStrike" dirty="0">
-                          <a:effectLst/>
-                        </a:rPr>
-                        <a:t>   </a:t>
-                      </a:r>
-                      <a:r>
-                        <a:rPr lang="en-US" altLang="ko-KR" sz="800" u="none" strike="noStrike" dirty="0">
-                          <a:effectLst/>
-                        </a:rPr>
-                        <a:t>&gt; </a:t>
-                      </a:r>
-                      <a:r>
-                        <a:rPr lang="ko-KR" altLang="en-US" sz="800" u="none" strike="noStrike" dirty="0">
-                          <a:effectLst/>
-                        </a:rPr>
-                        <a:t>테스트 케이스 작성</a:t>
-                      </a:r>
-                      <a:br>
-                        <a:rPr lang="ko-KR" altLang="en-US" sz="800" u="none" strike="noStrike" dirty="0">
-                          <a:effectLst/>
-                        </a:rPr>
-                      </a:br>
-                      <a:r>
-                        <a:rPr lang="ko-KR" altLang="en-US" sz="800" u="none" strike="noStrike" dirty="0">
-                          <a:effectLst/>
-                        </a:rPr>
-                        <a:t>   </a:t>
-                      </a:r>
-                      <a:r>
-                        <a:rPr lang="en-US" altLang="ko-KR" sz="800" u="none" strike="noStrike" dirty="0">
-                          <a:effectLst/>
-                        </a:rPr>
-                        <a:t>&gt; </a:t>
-                      </a:r>
-                      <a:r>
-                        <a:rPr lang="ko-KR" altLang="en-US" sz="800" u="none" strike="noStrike" dirty="0">
-                          <a:effectLst/>
-                        </a:rPr>
-                        <a:t>기능 테스트 </a:t>
-                      </a:r>
-                      <a:br>
-                        <a:rPr lang="ko-KR" altLang="en-US" sz="800" u="none" strike="noStrike" dirty="0">
-                          <a:effectLst/>
-                        </a:rPr>
-                      </a:br>
-                      <a:r>
-                        <a:rPr lang="ko-KR" altLang="en-US" sz="800" u="none" strike="noStrike" dirty="0">
-                          <a:effectLst/>
-                        </a:rPr>
-                        <a:t/>
-                      </a:r>
-                      <a:br>
-                        <a:rPr lang="ko-KR" altLang="en-US" sz="800" u="none" strike="noStrike" dirty="0">
-                          <a:effectLst/>
-                        </a:rPr>
-                      </a:br>
-                      <a:r>
-                        <a:rPr lang="ko-KR" altLang="en-US" sz="800" u="none" strike="noStrike" dirty="0">
-                          <a:effectLst/>
-                        </a:rPr>
-                        <a:t> </a:t>
-                      </a:r>
-                      <a:r>
-                        <a:rPr lang="en-US" altLang="ko-KR" sz="800" u="none" strike="noStrike" dirty="0">
-                          <a:effectLst/>
-                        </a:rPr>
-                        <a:t>- </a:t>
-                      </a:r>
-                      <a:r>
-                        <a:rPr lang="ko-KR" altLang="en-US" sz="800" u="none" strike="noStrike" dirty="0" err="1">
-                          <a:effectLst/>
-                        </a:rPr>
-                        <a:t>코드리뷰</a:t>
-                      </a:r>
-                      <a:endParaRPr lang="ko-KR" altLang="en-US" sz="800" b="0" i="0" u="none" strike="noStrike" dirty="0">
-                        <a:solidFill>
-                          <a:srgbClr val="000000"/>
-                        </a:solidFill>
-                        <a:effectLst/>
-                        <a:latin typeface="맑은 고딕" panose="020B0503020000020004" pitchFamily="50" charset="-127"/>
-                        <a:ea typeface="맑은 고딕" panose="020B0503020000020004" pitchFamily="50" charset="-127"/>
-                      </a:endParaRPr>
-                    </a:p>
-                  </a:txBody>
-                  <a:tcPr marL="5833" marR="5833" marT="5833" marB="0" anchor="ctr"/>
-                </a:tc>
-                <a:tc>
-                  <a:txBody>
-                    <a:bodyPr/>
-                    <a:lstStyle/>
-                    <a:p>
-                      <a:pPr algn="r" fontAlgn="ctr"/>
-                      <a:r>
-                        <a:rPr lang="en-US" sz="1000" b="0" i="0" u="none" strike="noStrike">
-                          <a:solidFill>
-                            <a:srgbClr val="000000"/>
-                          </a:solidFill>
-                          <a:effectLst/>
-                          <a:latin typeface="맑은 고딕" panose="020B0503020000020004" pitchFamily="50" charset="-127"/>
-                          <a:ea typeface="맑은 고딕" panose="020B0503020000020004" pitchFamily="50" charset="-127"/>
-                        </a:rPr>
-                        <a:t>5 M/D</a:t>
-                      </a:r>
-                    </a:p>
-                  </a:txBody>
-                  <a:tcPr marL="9525" marR="142875" marT="9525" marB="0" anchor="ctr"/>
-                </a:tc>
-                <a:extLst>
-                  <a:ext uri="{0D108BD9-81ED-4DB2-BD59-A6C34878D82A}">
-                    <a16:rowId xmlns:a16="http://schemas.microsoft.com/office/drawing/2014/main" val="4244337214"/>
-                  </a:ext>
-                </a:extLst>
-              </a:tr>
-              <a:tr h="192485">
-                <a:tc gridSpan="3">
-                  <a:txBody>
-                    <a:bodyPr/>
-                    <a:lstStyle/>
-                    <a:p>
-                      <a:pPr algn="ctr" fontAlgn="ctr"/>
-                      <a:r>
-                        <a:rPr lang="ko-KR" altLang="en-US" sz="600" u="none" strike="noStrike">
-                          <a:effectLst/>
-                        </a:rPr>
-                        <a:t>합계</a:t>
-                      </a:r>
-                      <a:endParaRPr lang="ko-KR" altLang="en-US" sz="600" b="1" i="0" u="none" strike="noStrike">
-                        <a:solidFill>
-                          <a:srgbClr val="000000"/>
-                        </a:solidFill>
-                        <a:effectLst/>
-                        <a:latin typeface="맑은 고딕" panose="020B0503020000020004" pitchFamily="50" charset="-127"/>
-                        <a:ea typeface="맑은 고딕" panose="020B0503020000020004" pitchFamily="50" charset="-127"/>
-                      </a:endParaRPr>
-                    </a:p>
-                  </a:txBody>
-                  <a:tcPr marL="5833" marR="5833" marT="5833" marB="0" anchor="ctr"/>
-                </a:tc>
-                <a:tc hMerge="1">
-                  <a:txBody>
-                    <a:bodyPr/>
-                    <a:lstStyle/>
-                    <a:p>
-                      <a:pPr latinLnBrk="1"/>
-                      <a:endParaRPr lang="ko-KR" altLang="en-US"/>
-                    </a:p>
-                  </a:txBody>
-                  <a:tcPr/>
-                </a:tc>
-                <a:tc hMerge="1">
-                  <a:txBody>
-                    <a:bodyPr/>
-                    <a:lstStyle/>
-                    <a:p>
-                      <a:pPr latinLnBrk="1"/>
-                      <a:endParaRPr lang="ko-KR" altLang="en-US"/>
-                    </a:p>
-                  </a:txBody>
-                  <a:tcPr/>
-                </a:tc>
-                <a:tc>
-                  <a:txBody>
-                    <a:bodyPr/>
-                    <a:lstStyle/>
-                    <a:p>
-                      <a:pPr algn="r" fontAlgn="ctr"/>
-                      <a:r>
-                        <a:rPr lang="en-US" sz="1000" b="1" i="0" u="none" strike="noStrike" smtClean="0">
-                          <a:solidFill>
-                            <a:srgbClr val="000000"/>
-                          </a:solidFill>
-                          <a:effectLst/>
-                          <a:latin typeface="맑은 고딕" panose="020B0503020000020004" pitchFamily="50" charset="-127"/>
-                          <a:ea typeface="맑은 고딕" panose="020B0503020000020004" pitchFamily="50" charset="-127"/>
-                        </a:rPr>
-                        <a:t>45 </a:t>
-                      </a:r>
-                      <a:r>
-                        <a:rPr lang="en-US" sz="1000" b="1" i="0" u="none" strike="noStrike" dirty="0">
-                          <a:solidFill>
-                            <a:srgbClr val="000000"/>
-                          </a:solidFill>
-                          <a:effectLst/>
-                          <a:latin typeface="맑은 고딕" panose="020B0503020000020004" pitchFamily="50" charset="-127"/>
-                          <a:ea typeface="맑은 고딕" panose="020B0503020000020004" pitchFamily="50" charset="-127"/>
-                        </a:rPr>
-                        <a:t>M/D</a:t>
-                      </a:r>
-                    </a:p>
-                  </a:txBody>
-                  <a:tcPr marL="9525" marR="142875" marT="9525" marB="0" anchor="ctr"/>
-                </a:tc>
-                <a:extLst>
-                  <a:ext uri="{0D108BD9-81ED-4DB2-BD59-A6C34878D82A}">
-                    <a16:rowId xmlns:a16="http://schemas.microsoft.com/office/drawing/2014/main" val="3887632288"/>
-                  </a:ext>
-                </a:extLst>
-              </a:tr>
-            </a:tbl>
-          </a:graphicData>
-        </a:graphic>
-      </p:graphicFrame>
     </p:spTree>
     <p:extLst>
       <p:ext uri="{BB962C8B-B14F-4D97-AF65-F5344CB8AC3E}">
-        <p14:creationId xmlns:p14="http://schemas.microsoft.com/office/powerpoint/2010/main" val="790421066"/>
+        <p14:creationId xmlns:p14="http://schemas.microsoft.com/office/powerpoint/2010/main" val="1279937872"/>
       </p:ext>
     </p:extLst>
   </p:cSld>
@@ -10793,7 +9414,7 @@
           <p:nvPr>
             <p:extLst>
               <p:ext uri="{D42A27DB-BD31-4B8C-83A1-F6EECF244321}">
-                <p14:modId xmlns:p14="http://schemas.microsoft.com/office/powerpoint/2010/main" val="3160509395"/>
+                <p14:modId xmlns:p14="http://schemas.microsoft.com/office/powerpoint/2010/main" val="2236895436"/>
               </p:ext>
             </p:extLst>
           </p:nvPr>
@@ -11056,7 +9677,7 @@
                       <a:pPr algn="ctr" latinLnBrk="1"/>
                       <a:r>
                         <a:rPr lang="en-US" altLang="ko-KR" sz="1200" b="1" baseline="0" dirty="0" smtClean="0"/>
-                        <a:t>(C#, Python </a:t>
+                        <a:t>(Python </a:t>
                       </a:r>
                       <a:r>
                         <a:rPr lang="en-US" altLang="ko-KR" sz="1200" b="1" baseline="0" dirty="0" err="1" smtClean="0"/>
@@ -11118,7 +9739,7 @@
                     <a:p>
                       <a:pPr lvl="0" algn="ctr" fontAlgn="ctr"/>
                       <a:r>
-                        <a:rPr lang="ko-KR" altLang="en-US" sz="1100" b="0" i="0" u="none" strike="noStrike" dirty="0" smtClean="0">
+                        <a:rPr lang="en-US" sz="1100" b="0" i="0" u="none" strike="noStrike" dirty="0" smtClean="0">
                           <a:solidFill>
                             <a:srgbClr val="000000"/>
                           </a:solidFill>
@@ -11126,7 +9747,18 @@
                           <a:latin typeface="+mn-ea"/>
                           <a:ea typeface="+mn-ea"/>
                         </a:rPr>
-                        <a:t>유지 보수 시</a:t>
+                        <a:t>Python</a:t>
+                      </a:r>
+                      <a:r>
+                        <a:rPr lang="en-US" sz="1100" b="0" i="0" u="none" strike="noStrike" baseline="0" dirty="0" smtClean="0">
+                          <a:solidFill>
+                            <a:srgbClr val="000000"/>
+                          </a:solidFill>
+                          <a:effectLst/>
+                          <a:latin typeface="+mn-ea"/>
+                          <a:ea typeface="+mn-ea"/>
+                        </a:rPr>
+                        <a:t> </a:t>
                       </a:r>
                       <a:r>
                         <a:rPr lang="ko-KR" altLang="en-US" sz="1100" b="0" i="0" u="none" strike="noStrike" baseline="0" dirty="0" smtClean="0">
@@ -11137,7 +9769,40 @@
                           <a:latin typeface="+mn-ea"/>
                           <a:ea typeface="+mn-ea"/>
                         </a:rPr>
-                        <a:t> </a:t>
+                        <a:t>언어 습득</a:t>
+                      </a:r>
+                      <a:endParaRPr lang="en-US" altLang="ko-KR" sz="1100" b="0" i="0" u="none" strike="noStrike" baseline="0" dirty="0" smtClean="0">
+                        <a:solidFill>
+                          <a:srgbClr val="000000"/>
+                        </a:solidFill>
+                        <a:effectLst/>
+                        <a:latin typeface="+mn-ea"/>
+                        <a:ea typeface="+mn-ea"/>
+                      </a:endParaRPr>
+                    </a:p>
+                    <a:p>
+                      <a:pPr lvl="0" algn="ctr" fontAlgn="ctr"/>
+                      <a:r>
+                        <a:rPr lang="en-US" sz="1100" b="0" i="0" u="none" strike="noStrike" baseline="0" dirty="0" smtClean="0">
+                          <a:solidFill>
+                            <a:srgbClr val="000000"/>
+                          </a:solidFill>
+                          <a:effectLst/>
+                          <a:latin typeface="+mn-ea"/>
+                          <a:ea typeface="+mn-ea"/>
+                        </a:rPr>
+                        <a:t>(</a:t>
+                      </a:r>
+                      <a:r>
+                        <a:rPr lang="ko-KR" altLang="en-US" sz="1100" b="0" i="0" u="none" strike="noStrike" baseline="0" dirty="0" smtClean="0">
+                          <a:solidFill>
+                            <a:srgbClr val="000000"/>
+                          </a:solidFill>
+                          <a:effectLst/>
+                          <a:latin typeface="+mn-ea"/>
+                          <a:ea typeface="+mn-ea"/>
+                        </a:rPr>
+                        <a:t>비교적 쉬운 언어</a:t>
                       </a:r>
                       <a:r>
                         <a:rPr lang="en-US" altLang="ko-KR" sz="1100" b="0" i="0" u="none" strike="noStrike" baseline="0" dirty="0" smtClean="0">
@@ -11148,18 +9813,7 @@
                           <a:latin typeface="+mn-ea"/>
                           <a:ea typeface="+mn-ea"/>
                         </a:rPr>
-                        <a:t>Language </a:t>
-                      </a:r>
-                      <a:r>
-                        <a:rPr lang="ko-KR" altLang="en-US" sz="1100" b="0" i="0" u="none" strike="noStrike" baseline="0" dirty="0" smtClean="0">
-                          <a:solidFill>
-                            <a:srgbClr val="000000"/>
-                          </a:solidFill>
-                          <a:effectLst/>
-                          <a:latin typeface="+mn-ea"/>
-                          <a:ea typeface="+mn-ea"/>
-                        </a:rPr>
-                        <a:t>이해 필요</a:t>
+                        <a:t>)</a:t>
                       </a:r>
                       <a:endParaRPr lang="en-US" sz="1100" b="0" i="0" u="none" strike="noStrike" dirty="0" smtClean="0">
                         <a:solidFill>
@@ -11536,15 +10190,7 @@
             <a:pPr algn="ctr"/>
             <a:r>
               <a:rPr lang="ko-KR" altLang="en-US" sz="1000" dirty="0" smtClean="0"/>
-              <a:t>③ </a:t>
-            </a:r>
-            <a:r>
-              <a:rPr lang="ko-KR" altLang="en-US" sz="1000" dirty="0" smtClean="0"/>
-              <a:t>더블 </a:t>
-            </a:r>
-            <a:r>
-              <a:rPr lang="ko-KR" altLang="en-US" sz="1000" dirty="0" smtClean="0"/>
-              <a:t>클릭 시  상</a:t>
+              <a:t>③ 더블 클릭 시  상</a:t>
             </a:r>
             <a:r>
               <a:rPr lang="ko-KR" altLang="en-US" sz="1000" dirty="0"/>
@@ -11552,15 +10198,7 @@
             </a:r>
             <a:r>
               <a:rPr lang="ko-KR" altLang="en-US" sz="1000" dirty="0" smtClean="0"/>
-              <a:t> 내용 </a:t>
-            </a:r>
-            <a:r>
-              <a:rPr lang="ko-KR" altLang="en-US" sz="1000" dirty="0" smtClean="0"/>
-              <a:t>팝업 창 </a:t>
-            </a:r>
-            <a:r>
-              <a:rPr lang="ko-KR" altLang="en-US" sz="1000" dirty="0" smtClean="0"/>
-              <a:t>표시</a:t>
+              <a:t> 내용 팝업 창 표시</a:t>
             </a:r>
             <a:endParaRPr lang="en-US" altLang="ko-KR" sz="1000" dirty="0" smtClean="0"/>
           </a:p>
@@ -11653,15 +10291,7 @@
             <a:pPr algn="ctr"/>
             <a:r>
               <a:rPr lang="ko-KR" altLang="en-US" sz="1000" dirty="0" smtClean="0"/>
-              <a:t>② 코드 리뷰 </a:t>
-            </a:r>
-            <a:r>
-              <a:rPr lang="ko-KR" altLang="en-US" sz="1000" dirty="0" smtClean="0"/>
-              <a:t>파일 </a:t>
-            </a:r>
-            <a:r>
-              <a:rPr lang="ko-KR" altLang="en-US" sz="1000" dirty="0" smtClean="0"/>
-              <a:t>선택</a:t>
+              <a:t>② 코드 리뷰 파일 선택</a:t>
             </a:r>
             <a:endParaRPr lang="en-US" altLang="ko-KR" sz="1000" dirty="0" smtClean="0"/>
           </a:p>
@@ -13668,13 +12298,7 @@
                         <a:rPr lang="ko-KR" altLang="en-US" sz="900" u="none" strike="noStrike" dirty="0" smtClean="0">
                           <a:effectLst/>
                         </a:rPr>
-                        <a:t>함수 안에서  </a:t>
-                      </a:r>
-                      <a:r>
-                        <a:rPr lang="ko-KR" altLang="en-US" sz="900" u="none" strike="noStrike" dirty="0" smtClean="0">
-                          <a:effectLst/>
-                        </a:rPr>
-                        <a:t>하드</a:t>
+                        <a:t>함수 안에서  하드</a:t>
                       </a:r>
                       <a:r>
                         <a:rPr lang="ko-KR" altLang="en-US" sz="900" u="none" strike="noStrike" baseline="0" dirty="0" smtClean="0">

--- a/CodeReviewTool/doc/CodeReview_점검_Tool_개발계획서_rev07.pptx
+++ b/CodeReviewTool/doc/CodeReview_점검_Tool_개발계획서_rev07.pptx
@@ -33,21 +33,21 @@
   <p:notesSz cx="6858000" cy="9144000"/>
   <p:embeddedFontLst>
     <p:embeddedFont>
-      <p:font typeface="Calibri Light" panose="020F0302020204030204" pitchFamily="34" charset="0"/>
+      <p:font typeface="Calibri" panose="020F0502020204030204" pitchFamily="34" charset="0"/>
       <p:regular r:id="rId21"/>
-      <p:italic r:id="rId22"/>
-    </p:embeddedFont>
-    <p:embeddedFont>
-      <p:font typeface="Calibri" panose="020F0502020204030204" pitchFamily="34" charset="0"/>
-      <p:regular r:id="rId23"/>
-      <p:bold r:id="rId24"/>
-      <p:italic r:id="rId25"/>
-      <p:boldItalic r:id="rId26"/>
+      <p:bold r:id="rId22"/>
+      <p:italic r:id="rId23"/>
+      <p:boldItalic r:id="rId24"/>
     </p:embeddedFont>
     <p:embeddedFont>
       <p:font typeface="맑은 고딕" panose="020B0503020000020004" pitchFamily="50" charset="-127"/>
+      <p:regular r:id="rId25"/>
+      <p:bold r:id="rId26"/>
+    </p:embeddedFont>
+    <p:embeddedFont>
+      <p:font typeface="Calibri Light" panose="020F0302020204030204" pitchFamily="34" charset="0"/>
       <p:regular r:id="rId27"/>
-      <p:bold r:id="rId28"/>
+      <p:italic r:id="rId28"/>
     </p:embeddedFont>
   </p:embeddedFontLst>
   <p:defaultTextStyle>
@@ -274,7 +274,7 @@
           <a:p>
             <a:fld id="{036B6B10-1B09-480E-9EAC-7453F6B2BC47}" type="datetimeFigureOut">
               <a:rPr lang="ko-KR" altLang="en-US" smtClean="0"/>
-              <a:t>2024-09-11</a:t>
+              <a:t>2024-09-12</a:t>
             </a:fld>
             <a:endParaRPr lang="ko-KR" altLang="en-US"/>
           </a:p>
@@ -439,7 +439,7 @@
           <a:p>
             <a:fld id="{FE749B7C-4794-4872-A925-753F194DD9F3}" type="datetimeFigureOut">
               <a:rPr lang="ko-KR" altLang="en-US" smtClean="0"/>
-              <a:t>2024-09-11</a:t>
+              <a:t>2024-09-12</a:t>
             </a:fld>
             <a:endParaRPr lang="ko-KR" altLang="en-US"/>
           </a:p>
@@ -1780,7 +1780,7 @@
           <a:p>
             <a:fld id="{805658A3-C337-411C-A39B-D6A40476A7DB}" type="datetimeFigureOut">
               <a:rPr lang="ko-KR" altLang="en-US" smtClean="0"/>
-              <a:t>2024-09-11</a:t>
+              <a:t>2024-09-12</a:t>
             </a:fld>
             <a:endParaRPr lang="ko-KR" altLang="en-US"/>
           </a:p>
@@ -2986,36 +2986,6 @@
           </a:p>
         </p:txBody>
       </p:sp>
-      <p:pic>
-        <p:nvPicPr>
-          <p:cNvPr id="3" name="그림 2"/>
-          <p:cNvPicPr>
-            <a:picLocks noChangeAspect="1"/>
-          </p:cNvPicPr>
-          <p:nvPr/>
-        </p:nvPicPr>
-        <p:blipFill rotWithShape="1">
-          <a:blip r:embed="rId2"/>
-          <a:srcRect l="1711" t="5322"/>
-          <a:stretch/>
-        </p:blipFill>
-        <p:spPr>
-          <a:xfrm>
-            <a:off x="1892660" y="2096852"/>
-            <a:ext cx="6205426" cy="3843093"/>
-          </a:xfrm>
-          <a:prstGeom prst="rect">
-            <a:avLst/>
-          </a:prstGeom>
-          <a:ln>
-            <a:solidFill>
-              <a:schemeClr val="bg1">
-                <a:lumMod val="85000"/>
-              </a:schemeClr>
-            </a:solidFill>
-          </a:ln>
-        </p:spPr>
-      </p:pic>
       <p:sp>
         <p:nvSpPr>
           <p:cNvPr id="7" name="순서도: 처리 6"/>
@@ -3024,8 +2994,8 @@
         </p:nvSpPr>
         <p:spPr>
           <a:xfrm>
-            <a:off x="3619165" y="6057939"/>
-            <a:ext cx="2644404" cy="376992"/>
+            <a:off x="828929" y="4437112"/>
+            <a:ext cx="3261940" cy="376992"/>
           </a:xfrm>
           <a:prstGeom prst="flowChartProcess">
             <a:avLst/>
@@ -3052,8 +3022,20 @@
           <a:p>
             <a:pPr algn="ctr"/>
             <a:r>
+              <a:rPr lang="en-US" altLang="ko-KR" sz="1100" dirty="0" smtClean="0"/>
+              <a:t>[</a:t>
+            </a:r>
+            <a:r>
               <a:rPr lang="ko-KR" altLang="en-US" sz="1100" dirty="0" smtClean="0"/>
-              <a:t>①  </a:t>
+              <a:t>점검 방법</a:t>
+            </a:r>
+            <a:r>
+              <a:rPr lang="en-US" altLang="ko-KR" sz="1100" dirty="0" smtClean="0"/>
+              <a:t>]</a:t>
+            </a:r>
+            <a:r>
+              <a:rPr lang="ko-KR" altLang="en-US" sz="1100" dirty="0" smtClean="0"/>
+              <a:t>  </a:t>
             </a:r>
             <a:r>
               <a:rPr lang="en-US" altLang="ko-KR" sz="1100" dirty="0" smtClean="0"/>
@@ -3061,9 +3043,227 @@
             </a:r>
             <a:r>
               <a:rPr lang="ko-KR" altLang="en-US" sz="1100" dirty="0" smtClean="0"/>
-              <a:t>함수 실패에 대한 예외 처리 확인</a:t>
+              <a:t>함수 호출 후 예외처리 확인</a:t>
             </a:r>
             <a:endParaRPr lang="en-US" altLang="ko-KR" sz="1100" dirty="0" smtClean="0"/>
+          </a:p>
+        </p:txBody>
+      </p:sp>
+      <p:pic>
+        <p:nvPicPr>
+          <p:cNvPr id="2" name="그림 1"/>
+          <p:cNvPicPr>
+            <a:picLocks noChangeAspect="1"/>
+          </p:cNvPicPr>
+          <p:nvPr/>
+        </p:nvPicPr>
+        <p:blipFill>
+          <a:blip r:embed="rId2"/>
+          <a:stretch>
+            <a:fillRect/>
+          </a:stretch>
+        </p:blipFill>
+        <p:spPr>
+          <a:xfrm>
+            <a:off x="340587" y="3212976"/>
+            <a:ext cx="4238625" cy="1085850"/>
+          </a:xfrm>
+          <a:prstGeom prst="rect">
+            <a:avLst/>
+          </a:prstGeom>
+          <a:ln>
+            <a:solidFill>
+              <a:schemeClr val="bg1">
+                <a:lumMod val="75000"/>
+              </a:schemeClr>
+            </a:solidFill>
+          </a:ln>
+        </p:spPr>
+      </p:pic>
+      <p:pic>
+        <p:nvPicPr>
+          <p:cNvPr id="4" name="그림 3"/>
+          <p:cNvPicPr>
+            <a:picLocks noChangeAspect="1"/>
+          </p:cNvPicPr>
+          <p:nvPr/>
+        </p:nvPicPr>
+        <p:blipFill rotWithShape="1">
+          <a:blip r:embed="rId3"/>
+          <a:srcRect r="1392" b="1106"/>
+          <a:stretch/>
+        </p:blipFill>
+        <p:spPr>
+          <a:xfrm>
+            <a:off x="5565068" y="2399691"/>
+            <a:ext cx="3976114" cy="2712419"/>
+          </a:xfrm>
+          <a:prstGeom prst="rect">
+            <a:avLst/>
+          </a:prstGeom>
+          <a:ln>
+            <a:solidFill>
+              <a:schemeClr val="bg1">
+                <a:lumMod val="75000"/>
+              </a:schemeClr>
+            </a:solidFill>
+          </a:ln>
+        </p:spPr>
+      </p:pic>
+      <p:sp>
+        <p:nvSpPr>
+          <p:cNvPr id="8" name="순서도: 처리 7"/>
+          <p:cNvSpPr/>
+          <p:nvPr/>
+        </p:nvSpPr>
+        <p:spPr>
+          <a:xfrm>
+            <a:off x="5417946" y="5165329"/>
+            <a:ext cx="4270358" cy="376992"/>
+          </a:xfrm>
+          <a:prstGeom prst="flowChartProcess">
+            <a:avLst/>
+          </a:prstGeom>
+          <a:ln/>
+        </p:spPr>
+        <p:style>
+          <a:lnRef idx="2">
+            <a:schemeClr val="accent2"/>
+          </a:lnRef>
+          <a:fillRef idx="1">
+            <a:schemeClr val="lt1"/>
+          </a:fillRef>
+          <a:effectRef idx="0">
+            <a:schemeClr val="accent2"/>
+          </a:effectRef>
+          <a:fontRef idx="minor">
+            <a:schemeClr val="dk1"/>
+          </a:fontRef>
+        </p:style>
+        <p:txBody>
+          <a:bodyPr rtlCol="0" anchor="ctr"/>
+          <a:lstStyle/>
+          <a:p>
+            <a:pPr algn="ctr"/>
+            <a:r>
+              <a:rPr lang="en-US" altLang="ko-KR" sz="1100" dirty="0"/>
+              <a:t>[</a:t>
+            </a:r>
+            <a:r>
+              <a:rPr lang="ko-KR" altLang="en-US" sz="1100" dirty="0"/>
+              <a:t>개선 방법</a:t>
+            </a:r>
+            <a:r>
+              <a:rPr lang="en-US" altLang="ko-KR" sz="1100" dirty="0"/>
+              <a:t>]</a:t>
+            </a:r>
+            <a:r>
+              <a:rPr lang="ko-KR" altLang="en-US" sz="1100" dirty="0"/>
+              <a:t> </a:t>
+            </a:r>
+            <a:r>
+              <a:rPr lang="en-US" altLang="ko-KR" sz="1100" dirty="0" smtClean="0"/>
+              <a:t>DP </a:t>
+            </a:r>
+            <a:r>
+              <a:rPr lang="ko-KR" altLang="en-US" sz="1100" dirty="0" smtClean="0"/>
+              <a:t>함수의 호출 성공</a:t>
+            </a:r>
+            <a:r>
+              <a:rPr lang="en-US" altLang="ko-KR" sz="1100" dirty="0" smtClean="0"/>
+              <a:t>/</a:t>
+            </a:r>
+            <a:r>
+              <a:rPr lang="ko-KR" altLang="en-US" sz="1100" dirty="0" smtClean="0"/>
+              <a:t>실패를 확인하여 예외처리 확인</a:t>
+            </a:r>
+            <a:endParaRPr lang="en-US" altLang="ko-KR" sz="1100" dirty="0"/>
+          </a:p>
+        </p:txBody>
+      </p:sp>
+      <p:sp>
+        <p:nvSpPr>
+          <p:cNvPr id="9" name="직사각형 8"/>
+          <p:cNvSpPr/>
+          <p:nvPr/>
+        </p:nvSpPr>
+        <p:spPr>
+          <a:xfrm>
+            <a:off x="5781092" y="2708920"/>
+            <a:ext cx="3348372" cy="2304256"/>
+          </a:xfrm>
+          <a:prstGeom prst="rect">
+            <a:avLst/>
+          </a:prstGeom>
+          <a:noFill/>
+          <a:ln>
+            <a:solidFill>
+              <a:srgbClr val="FF0000"/>
+            </a:solidFill>
+          </a:ln>
+        </p:spPr>
+        <p:style>
+          <a:lnRef idx="2">
+            <a:schemeClr val="accent1">
+              <a:shade val="50000"/>
+            </a:schemeClr>
+          </a:lnRef>
+          <a:fillRef idx="1">
+            <a:schemeClr val="accent1"/>
+          </a:fillRef>
+          <a:effectRef idx="0">
+            <a:schemeClr val="accent1"/>
+          </a:effectRef>
+          <a:fontRef idx="minor">
+            <a:schemeClr val="lt1"/>
+          </a:fontRef>
+        </p:style>
+        <p:txBody>
+          <a:bodyPr rtlCol="0" anchor="ctr"/>
+          <a:lstStyle/>
+          <a:p>
+            <a:pPr algn="ctr"/>
+            <a:endParaRPr lang="ko-KR" altLang="en-US"/>
+          </a:p>
+        </p:txBody>
+      </p:sp>
+      <p:sp>
+        <p:nvSpPr>
+          <p:cNvPr id="10" name="오른쪽 화살표 9"/>
+          <p:cNvSpPr/>
+          <p:nvPr/>
+        </p:nvSpPr>
+        <p:spPr>
+          <a:xfrm>
+            <a:off x="4831302" y="3539876"/>
+            <a:ext cx="464946" cy="432048"/>
+          </a:xfrm>
+          <a:prstGeom prst="rightArrow">
+            <a:avLst/>
+          </a:prstGeom>
+        </p:spPr>
+        <p:style>
+          <a:lnRef idx="2">
+            <a:schemeClr val="accent2">
+              <a:shade val="50000"/>
+            </a:schemeClr>
+          </a:lnRef>
+          <a:fillRef idx="1">
+            <a:schemeClr val="accent2"/>
+          </a:fillRef>
+          <a:effectRef idx="0">
+            <a:schemeClr val="accent2"/>
+          </a:effectRef>
+          <a:fontRef idx="minor">
+            <a:schemeClr val="lt1"/>
+          </a:fontRef>
+        </p:style>
+        <p:txBody>
+          <a:bodyPr rtlCol="0" anchor="ctr"/>
+          <a:lstStyle/>
+          <a:p>
+            <a:pPr algn="ctr"/>
+            <a:endParaRPr lang="ko-KR" altLang="en-US"/>
           </a:p>
         </p:txBody>
       </p:sp>
@@ -3113,7 +3313,7 @@
         <p:spPr>
           <a:xfrm>
             <a:off x="345600" y="980728"/>
-            <a:ext cx="9342704" cy="830997"/>
+            <a:ext cx="9342704" cy="1107996"/>
           </a:xfrm>
           <a:prstGeom prst="rect">
             <a:avLst/>
@@ -3406,7 +3606,123 @@
               </a:rPr>
               <a:t>문 적용 확인</a:t>
             </a:r>
-            <a:endParaRPr lang="en-US" altLang="ko-KR" sz="2000" b="1" dirty="0" smtClean="0">
+            <a:r>
+              <a:rPr lang="en-US" altLang="ko-KR" sz="1400" b="1" dirty="0">
+                <a:ln>
+                  <a:solidFill>
+                    <a:schemeClr val="tx1">
+                      <a:lumMod val="50000"/>
+                      <a:lumOff val="50000"/>
+                      <a:alpha val="0"/>
+                    </a:schemeClr>
+                  </a:solidFill>
+                </a:ln>
+              </a:rPr>
+              <a:t/>
+            </a:r>
+            <a:br>
+              <a:rPr lang="en-US" altLang="ko-KR" sz="1400" b="1" dirty="0">
+                <a:ln>
+                  <a:solidFill>
+                    <a:schemeClr val="tx1">
+                      <a:lumMod val="50000"/>
+                      <a:lumOff val="50000"/>
+                      <a:alpha val="0"/>
+                    </a:schemeClr>
+                  </a:solidFill>
+                </a:ln>
+              </a:rPr>
+            </a:br>
+            <a:r>
+              <a:rPr lang="en-US" altLang="ko-KR" sz="1200" dirty="0" smtClean="0">
+                <a:ln>
+                  <a:solidFill>
+                    <a:schemeClr val="tx1">
+                      <a:lumMod val="50000"/>
+                      <a:lumOff val="50000"/>
+                      <a:alpha val="0"/>
+                    </a:schemeClr>
+                  </a:solidFill>
+                </a:ln>
+              </a:rPr>
+              <a:t> </a:t>
+            </a:r>
+            <a:r>
+              <a:rPr lang="en-US" altLang="ko-KR" sz="1200" dirty="0" smtClean="0">
+                <a:ln>
+                  <a:solidFill>
+                    <a:schemeClr val="tx1">
+                      <a:lumMod val="50000"/>
+                      <a:lumOff val="50000"/>
+                      <a:alpha val="0"/>
+                    </a:schemeClr>
+                  </a:solidFill>
+                </a:ln>
+                <a:sym typeface="Wingdings" panose="05000000000000000000" pitchFamily="2" charset="2"/>
+              </a:rPr>
+              <a:t> </a:t>
+            </a:r>
+            <a:r>
+              <a:rPr lang="ko-KR" altLang="en-US" sz="1200" dirty="0" smtClean="0">
+                <a:ln>
+                  <a:solidFill>
+                    <a:schemeClr val="tx1">
+                      <a:lumMod val="50000"/>
+                      <a:lumOff val="50000"/>
+                      <a:alpha val="0"/>
+                    </a:schemeClr>
+                  </a:solidFill>
+                </a:ln>
+                <a:sym typeface="Wingdings" panose="05000000000000000000" pitchFamily="2" charset="2"/>
+              </a:rPr>
+              <a:t>코드가 실행되는 도중 예외가 발생할 수 있는 상황을 대비하여 사용 </a:t>
+            </a:r>
+            <a:r>
+              <a:rPr lang="en-US" altLang="ko-KR" sz="1200" dirty="0" smtClean="0">
+                <a:ln>
+                  <a:solidFill>
+                    <a:schemeClr val="tx1">
+                      <a:lumMod val="50000"/>
+                      <a:lumOff val="50000"/>
+                      <a:alpha val="0"/>
+                    </a:schemeClr>
+                  </a:solidFill>
+                </a:ln>
+                <a:sym typeface="Wingdings" panose="05000000000000000000" pitchFamily="2" charset="2"/>
+              </a:rPr>
+              <a:t>(</a:t>
+            </a:r>
+            <a:r>
+              <a:rPr lang="ko-KR" altLang="en-US" sz="1200" dirty="0" smtClean="0">
+                <a:ln>
+                  <a:solidFill>
+                    <a:schemeClr val="tx1">
+                      <a:lumMod val="50000"/>
+                      <a:lumOff val="50000"/>
+                      <a:alpha val="0"/>
+                    </a:schemeClr>
+                  </a:solidFill>
+                </a:ln>
+                <a:sym typeface="Wingdings" panose="05000000000000000000" pitchFamily="2" charset="2"/>
+              </a:rPr>
+              <a:t>예외 처리 로그를 통한 원인 파악</a:t>
+            </a:r>
+            <a:r>
+              <a:rPr lang="en-US" altLang="ko-KR" sz="1200" dirty="0" smtClean="0">
+                <a:ln>
+                  <a:solidFill>
+                    <a:schemeClr val="tx1">
+                      <a:lumMod val="50000"/>
+                      <a:lumOff val="50000"/>
+                      <a:alpha val="0"/>
+                    </a:schemeClr>
+                  </a:solidFill>
+                </a:ln>
+                <a:sym typeface="Wingdings" panose="05000000000000000000" pitchFamily="2" charset="2"/>
+              </a:rPr>
+              <a:t>)</a:t>
+            </a:r>
+            <a:endParaRPr lang="en-US" altLang="ko-KR" sz="1200" dirty="0" smtClean="0">
               <a:ln>
                 <a:solidFill>
                   <a:schemeClr val="tx1">
@@ -3482,15 +3798,15 @@
         </p:nvSpPr>
         <p:spPr>
           <a:xfrm>
-            <a:off x="3619165" y="5848456"/>
-            <a:ext cx="2644404" cy="376992"/>
+            <a:off x="3345558" y="5848456"/>
+            <a:ext cx="3191618" cy="376992"/>
           </a:xfrm>
           <a:prstGeom prst="flowChartProcess">
             <a:avLst/>
           </a:prstGeom>
           <a:ln>
             <a:solidFill>
-              <a:schemeClr val="tx1"/>
+              <a:srgbClr val="F47320"/>
             </a:solidFill>
           </a:ln>
         </p:spPr>
@@ -3513,6 +3829,18 @@
           <a:lstStyle/>
           <a:p>
             <a:pPr algn="ctr"/>
+            <a:r>
+              <a:rPr lang="en-US" altLang="ko-KR" sz="1100" dirty="0" smtClean="0"/>
+              <a:t>[</a:t>
+            </a:r>
+            <a:r>
+              <a:rPr lang="ko-KR" altLang="en-US" sz="1100" dirty="0" smtClean="0"/>
+              <a:t>점검 방법</a:t>
+            </a:r>
+            <a:r>
+              <a:rPr lang="en-US" altLang="ko-KR" sz="1100" dirty="0" smtClean="0"/>
+              <a:t>]</a:t>
+            </a:r>
             <a:r>
               <a:rPr lang="ko-KR" altLang="en-US" sz="1100" dirty="0" smtClean="0"/>
               <a:t>함수 내에 </a:t>
@@ -3554,7 +3882,7 @@
           <a:ln>
             <a:solidFill>
               <a:schemeClr val="bg1">
-                <a:lumMod val="95000"/>
+                <a:lumMod val="85000"/>
               </a:schemeClr>
             </a:solidFill>
           </a:ln>
@@ -3606,7 +3934,7 @@
         <p:spPr>
           <a:xfrm>
             <a:off x="345600" y="980728"/>
-            <a:ext cx="9342704" cy="830997"/>
+            <a:ext cx="9342704" cy="1107996"/>
           </a:xfrm>
           <a:prstGeom prst="rect">
             <a:avLst/>
@@ -3855,9 +4183,65 @@
                   </a:solidFill>
                 </a:ln>
               </a:rPr>
-              <a:t>이력 정보의 변수가 작성되어 있는지 확인</a:t>
-            </a:r>
-            <a:endParaRPr lang="en-US" altLang="ko-KR" sz="2000" b="1" dirty="0" smtClean="0">
+              <a:t>이력 정보</a:t>
+            </a:r>
+            <a:r>
+              <a:rPr lang="en-US" altLang="ko-KR" sz="1400" b="1" dirty="0" smtClean="0">
+                <a:ln>
+                  <a:solidFill>
+                    <a:schemeClr val="tx1">
+                      <a:lumMod val="50000"/>
+                      <a:lumOff val="50000"/>
+                      <a:alpha val="0"/>
+                    </a:schemeClr>
+                  </a:solidFill>
+                </a:ln>
+              </a:rPr>
+              <a:t>(</a:t>
+            </a:r>
+            <a:r>
+              <a:rPr lang="ko-KR" altLang="en-US" sz="1400" b="1" dirty="0" smtClean="0">
+                <a:ln>
+                  <a:solidFill>
+                    <a:schemeClr val="tx1">
+                      <a:lumMod val="50000"/>
+                      <a:lumOff val="50000"/>
+                      <a:alpha val="0"/>
+                    </a:schemeClr>
+                  </a:solidFill>
+                </a:ln>
+              </a:rPr>
+              <a:t>변수</a:t>
+            </a:r>
+            <a:r>
+              <a:rPr lang="en-US" altLang="ko-KR" sz="1400" b="1" dirty="0" smtClean="0">
+                <a:ln>
+                  <a:solidFill>
+                    <a:schemeClr val="tx1">
+                      <a:lumMod val="50000"/>
+                      <a:lumOff val="50000"/>
+                      <a:alpha val="0"/>
+                    </a:schemeClr>
+                  </a:solidFill>
+                </a:ln>
+              </a:rPr>
+              <a:t>)</a:t>
+            </a:r>
+            <a:r>
+              <a:rPr lang="ko-KR" altLang="en-US" sz="1400" b="1" dirty="0" smtClean="0">
+                <a:ln>
+                  <a:solidFill>
+                    <a:schemeClr val="tx1">
+                      <a:lumMod val="50000"/>
+                      <a:lumOff val="50000"/>
+                      <a:alpha val="0"/>
+                    </a:schemeClr>
+                  </a:solidFill>
+                </a:ln>
+              </a:rPr>
+              <a:t>가 작성 확인</a:t>
+            </a:r>
+            <a:endParaRPr lang="en-US" altLang="ko-KR" sz="1400" b="1" dirty="0">
               <a:ln>
                 <a:solidFill>
                   <a:schemeClr val="tx1">
@@ -3867,9 +4251,54 @@
                   </a:schemeClr>
                 </a:solidFill>
               </a:ln>
-              <a:solidFill>
-                <a:srgbClr val="E9520B"/>
-              </a:solidFill>
+            </a:endParaRPr>
+          </a:p>
+          <a:p>
+            <a:pPr lvl="1">
+              <a:lnSpc>
+                <a:spcPct val="150000"/>
+              </a:lnSpc>
+            </a:pPr>
+            <a:r>
+              <a:rPr lang="en-US" altLang="ko-KR" sz="1200" dirty="0" smtClean="0">
+                <a:ln>
+                  <a:solidFill>
+                    <a:schemeClr val="tx1">
+                      <a:lumMod val="50000"/>
+                      <a:lumOff val="50000"/>
+                      <a:alpha val="0"/>
+                    </a:schemeClr>
+                  </a:solidFill>
+                </a:ln>
+                <a:sym typeface="Wingdings" panose="05000000000000000000" pitchFamily="2" charset="2"/>
+              </a:rPr>
+              <a:t>  </a:t>
+            </a:r>
+            <a:r>
+              <a:rPr lang="ko-KR" altLang="en-US" sz="1200" dirty="0" smtClean="0">
+                <a:ln>
+                  <a:solidFill>
+                    <a:schemeClr val="tx1">
+                      <a:lumMod val="50000"/>
+                      <a:lumOff val="50000"/>
+                      <a:alpha val="0"/>
+                    </a:schemeClr>
+                  </a:solidFill>
+                </a:ln>
+                <a:sym typeface="Wingdings" panose="05000000000000000000" pitchFamily="2" charset="2"/>
+              </a:rPr>
+              <a:t>스크립트 변경 내역을 기록하여 문제 발생시 원인을 쉽게 파악하고 대응이 가능</a:t>
+            </a:r>
+            <a:endParaRPr lang="en-US" altLang="ko-KR" dirty="0" smtClean="0">
+              <a:ln>
+                <a:solidFill>
+                  <a:schemeClr val="tx1">
+                    <a:lumMod val="50000"/>
+                    <a:lumOff val="50000"/>
+                    <a:alpha val="0"/>
+                  </a:schemeClr>
+                </a:solidFill>
+              </a:ln>
             </a:endParaRPr>
           </a:p>
         </p:txBody>
@@ -3941,7 +4370,7 @@
         </p:blipFill>
         <p:spPr>
           <a:xfrm>
-            <a:off x="1640632" y="1988840"/>
+            <a:off x="1568624" y="2204864"/>
             <a:ext cx="6305550" cy="1790700"/>
           </a:xfrm>
           <a:prstGeom prst="rect">
@@ -3956,6 +4385,111 @@
           </a:ln>
         </p:spPr>
       </p:pic>
+      <p:sp>
+        <p:nvSpPr>
+          <p:cNvPr id="7" name="순서도: 처리 6"/>
+          <p:cNvSpPr/>
+          <p:nvPr/>
+        </p:nvSpPr>
+        <p:spPr>
+          <a:xfrm>
+            <a:off x="3712752" y="4122623"/>
+            <a:ext cx="2608400" cy="314489"/>
+          </a:xfrm>
+          <a:prstGeom prst="flowChartProcess">
+            <a:avLst/>
+          </a:prstGeom>
+          <a:ln>
+            <a:solidFill>
+              <a:srgbClr val="F47320"/>
+            </a:solidFill>
+          </a:ln>
+        </p:spPr>
+        <p:style>
+          <a:lnRef idx="2">
+            <a:schemeClr val="accent2"/>
+          </a:lnRef>
+          <a:fillRef idx="1">
+            <a:schemeClr val="lt1"/>
+          </a:fillRef>
+          <a:effectRef idx="0">
+            <a:schemeClr val="accent2"/>
+          </a:effectRef>
+          <a:fontRef idx="minor">
+            <a:schemeClr val="dk1"/>
+          </a:fontRef>
+        </p:style>
+        <p:txBody>
+          <a:bodyPr rtlCol="0" anchor="ctr"/>
+          <a:lstStyle/>
+          <a:p>
+            <a:pPr algn="ctr"/>
+            <a:r>
+              <a:rPr lang="en-US" altLang="ko-KR" sz="1100" dirty="0" smtClean="0"/>
+              <a:t>[</a:t>
+            </a:r>
+            <a:r>
+              <a:rPr lang="ko-KR" altLang="en-US" sz="1100" dirty="0" smtClean="0"/>
+              <a:t>점검 방법</a:t>
+            </a:r>
+            <a:r>
+              <a:rPr lang="en-US" altLang="ko-KR" sz="1100" dirty="0" smtClean="0"/>
+              <a:t>] </a:t>
+            </a:r>
+            <a:r>
+              <a:rPr lang="ko-KR" altLang="en-US" sz="1100" dirty="0" smtClean="0"/>
+              <a:t>이력 정보가 작성 확인</a:t>
+            </a:r>
+            <a:endParaRPr lang="en-US" altLang="ko-KR" sz="1100" dirty="0" smtClean="0"/>
+          </a:p>
+        </p:txBody>
+      </p:sp>
+      <p:sp>
+        <p:nvSpPr>
+          <p:cNvPr id="8" name="직사각형 7"/>
+          <p:cNvSpPr/>
+          <p:nvPr/>
+        </p:nvSpPr>
+        <p:spPr>
+          <a:xfrm>
+            <a:off x="2396716" y="2780928"/>
+            <a:ext cx="2736304" cy="432048"/>
+          </a:xfrm>
+          <a:prstGeom prst="rect">
+            <a:avLst/>
+          </a:prstGeom>
+          <a:noFill/>
+          <a:ln w="19050">
+            <a:solidFill>
+              <a:srgbClr val="FF0000"/>
+            </a:solidFill>
+          </a:ln>
+        </p:spPr>
+        <p:style>
+          <a:lnRef idx="2">
+            <a:schemeClr val="accent1">
+              <a:shade val="50000"/>
+            </a:schemeClr>
+          </a:lnRef>
+          <a:fillRef idx="1">
+            <a:schemeClr val="accent1"/>
+          </a:fillRef>
+          <a:effectRef idx="0">
+            <a:schemeClr val="accent1"/>
+          </a:effectRef>
+          <a:fontRef idx="minor">
+            <a:schemeClr val="lt1"/>
+          </a:fontRef>
+        </p:style>
+        <p:txBody>
+          <a:bodyPr rtlCol="0" anchor="ctr"/>
+          <a:lstStyle/>
+          <a:p>
+            <a:pPr algn="ctr"/>
+            <a:endParaRPr lang="ko-KR" altLang="en-US"/>
+          </a:p>
+        </p:txBody>
+      </p:sp>
     </p:spTree>
     <p:extLst>
       <p:ext uri="{BB962C8B-B14F-4D97-AF65-F5344CB8AC3E}">
@@ -3993,6 +4527,37 @@
           <a:chExt cx="0" cy="0"/>
         </a:xfrm>
       </p:grpSpPr>
+      <p:pic>
+        <p:nvPicPr>
+          <p:cNvPr id="2" name="그림 1"/>
+          <p:cNvPicPr>
+            <a:picLocks noChangeAspect="1"/>
+          </p:cNvPicPr>
+          <p:nvPr/>
+        </p:nvPicPr>
+        <p:blipFill>
+          <a:blip r:embed="rId2"/>
+          <a:stretch>
+            <a:fillRect/>
+          </a:stretch>
+        </p:blipFill>
+        <p:spPr>
+          <a:xfrm>
+            <a:off x="956556" y="2168860"/>
+            <a:ext cx="3390900" cy="3619500"/>
+          </a:xfrm>
+          <a:prstGeom prst="rect">
+            <a:avLst/>
+          </a:prstGeom>
+          <a:ln>
+            <a:solidFill>
+              <a:schemeClr val="bg1">
+                <a:lumMod val="85000"/>
+              </a:schemeClr>
+            </a:solidFill>
+          </a:ln>
+        </p:spPr>
+      </p:pic>
       <p:sp>
         <p:nvSpPr>
           <p:cNvPr id="5" name="TextBox 4"/>
@@ -4002,7 +4567,7 @@
         <p:spPr>
           <a:xfrm>
             <a:off x="345600" y="980728"/>
-            <a:ext cx="9342704" cy="830997"/>
+            <a:ext cx="9342704" cy="1107996"/>
           </a:xfrm>
           <a:prstGeom prst="rect">
             <a:avLst/>
@@ -4254,9 +4819,170 @@
                   </a:solidFill>
                 </a:ln>
               </a:rPr>
-              <a:t>문 동작을 상수로 동작하는 경우 체크</a:t>
-            </a:r>
-            <a:endParaRPr lang="en-US" altLang="ko-KR" sz="1400" b="1" dirty="0" smtClean="0">
+              <a:t>문의 조건식에  반복 횟수가 상수로 동작하는 경우 체크</a:t>
+            </a:r>
+            <a:r>
+              <a:rPr lang="en-US" altLang="ko-KR" sz="1400" b="1" dirty="0" smtClean="0">
+                <a:ln>
+                  <a:solidFill>
+                    <a:schemeClr val="tx1">
+                      <a:lumMod val="50000"/>
+                      <a:lumOff val="50000"/>
+                      <a:alpha val="0"/>
+                    </a:schemeClr>
+                  </a:solidFill>
+                </a:ln>
+              </a:rPr>
+              <a:t/>
+            </a:r>
+            <a:br>
+              <a:rPr lang="en-US" altLang="ko-KR" sz="1400" b="1" dirty="0" smtClean="0">
+                <a:ln>
+                  <a:solidFill>
+                    <a:schemeClr val="tx1">
+                      <a:lumMod val="50000"/>
+                      <a:lumOff val="50000"/>
+                      <a:alpha val="0"/>
+                    </a:schemeClr>
+                  </a:solidFill>
+                </a:ln>
+              </a:rPr>
+            </a:br>
+            <a:r>
+              <a:rPr lang="en-US" altLang="ko-KR" sz="1200" dirty="0" smtClean="0">
+                <a:ln>
+                  <a:solidFill>
+                    <a:schemeClr val="tx1">
+                      <a:lumMod val="50000"/>
+                      <a:lumOff val="50000"/>
+                      <a:alpha val="0"/>
+                    </a:schemeClr>
+                  </a:solidFill>
+                </a:ln>
+              </a:rPr>
+              <a:t>  </a:t>
+            </a:r>
+            <a:r>
+              <a:rPr lang="en-US" altLang="ko-KR" sz="1200" dirty="0" smtClean="0">
+                <a:ln>
+                  <a:solidFill>
+                    <a:schemeClr val="tx1">
+                      <a:lumMod val="50000"/>
+                      <a:lumOff val="50000"/>
+                      <a:alpha val="0"/>
+                    </a:schemeClr>
+                  </a:solidFill>
+                </a:ln>
+                <a:sym typeface="Wingdings" panose="05000000000000000000" pitchFamily="2" charset="2"/>
+              </a:rPr>
+              <a:t> </a:t>
+            </a:r>
+            <a:r>
+              <a:rPr lang="ko-KR" altLang="en-US" sz="1200" dirty="0" smtClean="0">
+                <a:ln>
+                  <a:solidFill>
+                    <a:schemeClr val="tx1">
+                      <a:lumMod val="50000"/>
+                      <a:lumOff val="50000"/>
+                      <a:alpha val="0"/>
+                    </a:schemeClr>
+                  </a:solidFill>
+                </a:ln>
+                <a:sym typeface="Wingdings" panose="05000000000000000000" pitchFamily="2" charset="2"/>
+              </a:rPr>
+              <a:t>조건식의 </a:t>
+            </a:r>
+            <a:r>
+              <a:rPr lang="ko-KR" altLang="en-US" sz="1200" dirty="0" err="1" smtClean="0">
+                <a:ln>
+                  <a:solidFill>
+                    <a:schemeClr val="tx1">
+                      <a:lumMod val="50000"/>
+                      <a:lumOff val="50000"/>
+                      <a:alpha val="0"/>
+                    </a:schemeClr>
+                  </a:solidFill>
+                </a:ln>
+                <a:sym typeface="Wingdings" panose="05000000000000000000" pitchFamily="2" charset="2"/>
+              </a:rPr>
+              <a:t>반속</a:t>
+            </a:r>
+            <a:r>
+              <a:rPr lang="ko-KR" altLang="en-US" sz="1200" dirty="0" smtClean="0">
+                <a:ln>
+                  <a:solidFill>
+                    <a:schemeClr val="tx1">
+                      <a:lumMod val="50000"/>
+                      <a:lumOff val="50000"/>
+                      <a:alpha val="0"/>
+                    </a:schemeClr>
+                  </a:solidFill>
+                </a:ln>
+                <a:sym typeface="Wingdings" panose="05000000000000000000" pitchFamily="2" charset="2"/>
+              </a:rPr>
+              <a:t> 횟수가 고정되어 있는 경우 </a:t>
+            </a:r>
+            <a:r>
+              <a:rPr lang="en-US" altLang="ko-KR" sz="1200" dirty="0" smtClean="0">
+                <a:ln>
+                  <a:solidFill>
+                    <a:schemeClr val="tx1">
+                      <a:lumMod val="50000"/>
+                      <a:lumOff val="50000"/>
+                      <a:alpha val="0"/>
+                    </a:schemeClr>
+                  </a:solidFill>
+                </a:ln>
+                <a:sym typeface="Wingdings" panose="05000000000000000000" pitchFamily="2" charset="2"/>
+              </a:rPr>
+              <a:t>index</a:t>
+            </a:r>
+            <a:r>
+              <a:rPr lang="ko-KR" altLang="en-US" sz="1200" dirty="0" smtClean="0">
+                <a:ln>
+                  <a:solidFill>
+                    <a:schemeClr val="tx1">
+                      <a:lumMod val="50000"/>
+                      <a:lumOff val="50000"/>
+                      <a:alpha val="0"/>
+                    </a:schemeClr>
+                  </a:solidFill>
+                </a:ln>
+                <a:sym typeface="Wingdings" panose="05000000000000000000" pitchFamily="2" charset="2"/>
+              </a:rPr>
+              <a:t>로 접근하는 배열 크기에 따라 </a:t>
+            </a:r>
+            <a:r>
+              <a:rPr lang="en-US" altLang="ko-KR" sz="1200" dirty="0" smtClean="0">
+                <a:ln>
+                  <a:solidFill>
+                    <a:schemeClr val="tx1">
+                      <a:lumMod val="50000"/>
+                      <a:lumOff val="50000"/>
+                      <a:alpha val="0"/>
+                    </a:schemeClr>
+                  </a:solidFill>
+                </a:ln>
+                <a:sym typeface="Wingdings" panose="05000000000000000000" pitchFamily="2" charset="2"/>
+              </a:rPr>
+              <a:t>index </a:t>
+            </a:r>
+            <a:r>
+              <a:rPr lang="ko-KR" altLang="en-US" sz="1200" dirty="0" smtClean="0">
+                <a:ln>
+                  <a:solidFill>
+                    <a:schemeClr val="tx1">
+                      <a:lumMod val="50000"/>
+                      <a:lumOff val="50000"/>
+                      <a:alpha val="0"/>
+                    </a:schemeClr>
+                  </a:solidFill>
+                </a:ln>
+                <a:sym typeface="Wingdings" panose="05000000000000000000" pitchFamily="2" charset="2"/>
+              </a:rPr>
+              <a:t>에러 발생</a:t>
+            </a:r>
+            <a:endParaRPr lang="en-US" altLang="ko-KR" sz="1400" dirty="0" smtClean="0">
               <a:ln>
                 <a:solidFill>
                   <a:schemeClr val="tx1">
@@ -4324,36 +5050,6 @@
           </a:p>
         </p:txBody>
       </p:sp>
-      <p:pic>
-        <p:nvPicPr>
-          <p:cNvPr id="8" name="그림 7"/>
-          <p:cNvPicPr>
-            <a:picLocks noChangeAspect="1"/>
-          </p:cNvPicPr>
-          <p:nvPr/>
-        </p:nvPicPr>
-        <p:blipFill rotWithShape="1">
-          <a:blip r:embed="rId2"/>
-          <a:srcRect l="440" t="3328" r="1153" b="4775"/>
-          <a:stretch/>
-        </p:blipFill>
-        <p:spPr>
-          <a:xfrm>
-            <a:off x="1136575" y="1880827"/>
-            <a:ext cx="7704857" cy="1908213"/>
-          </a:xfrm>
-          <a:prstGeom prst="rect">
-            <a:avLst/>
-          </a:prstGeom>
-          <a:ln>
-            <a:solidFill>
-              <a:schemeClr val="bg1">
-                <a:lumMod val="85000"/>
-              </a:schemeClr>
-            </a:solidFill>
-          </a:ln>
-        </p:spPr>
-      </p:pic>
       <p:sp>
         <p:nvSpPr>
           <p:cNvPr id="9" name="직사각형 8"/>
@@ -4362,8 +5058,8 @@
         </p:nvSpPr>
         <p:spPr>
           <a:xfrm>
-            <a:off x="2288704" y="1880826"/>
-            <a:ext cx="612068" cy="290942"/>
+            <a:off x="1787909" y="2232218"/>
+            <a:ext cx="612068" cy="210806"/>
           </a:xfrm>
           <a:prstGeom prst="rect">
             <a:avLst/>
@@ -4397,6 +5093,257 @@
           <a:p>
             <a:pPr algn="ctr"/>
             <a:endParaRPr lang="ko-KR" altLang="en-US"/>
+          </a:p>
+        </p:txBody>
+      </p:sp>
+      <p:sp>
+        <p:nvSpPr>
+          <p:cNvPr id="7" name="순서도: 처리 6"/>
+          <p:cNvSpPr/>
+          <p:nvPr/>
+        </p:nvSpPr>
+        <p:spPr>
+          <a:xfrm>
+            <a:off x="1056197" y="5847919"/>
+            <a:ext cx="3191618" cy="376992"/>
+          </a:xfrm>
+          <a:prstGeom prst="flowChartProcess">
+            <a:avLst/>
+          </a:prstGeom>
+          <a:ln>
+            <a:solidFill>
+              <a:srgbClr val="F47320"/>
+            </a:solidFill>
+          </a:ln>
+        </p:spPr>
+        <p:style>
+          <a:lnRef idx="2">
+            <a:schemeClr val="accent2"/>
+          </a:lnRef>
+          <a:fillRef idx="1">
+            <a:schemeClr val="lt1"/>
+          </a:fillRef>
+          <a:effectRef idx="0">
+            <a:schemeClr val="accent2"/>
+          </a:effectRef>
+          <a:fontRef idx="minor">
+            <a:schemeClr val="dk1"/>
+          </a:fontRef>
+        </p:style>
+        <p:txBody>
+          <a:bodyPr rtlCol="0" anchor="ctr"/>
+          <a:lstStyle/>
+          <a:p>
+            <a:pPr algn="ctr"/>
+            <a:r>
+              <a:rPr lang="en-US" altLang="ko-KR" sz="1100" b="1" dirty="0" smtClean="0"/>
+              <a:t>[</a:t>
+            </a:r>
+            <a:r>
+              <a:rPr lang="ko-KR" altLang="en-US" sz="1100" b="1" dirty="0" smtClean="0"/>
+              <a:t>점검 방법</a:t>
+            </a:r>
+            <a:r>
+              <a:rPr lang="en-US" altLang="ko-KR" sz="1100" b="1" dirty="0" smtClean="0"/>
+              <a:t>] </a:t>
+            </a:r>
+            <a:r>
+              <a:rPr lang="en-US" altLang="ko-KR" sz="1100" dirty="0" smtClean="0"/>
+              <a:t>for</a:t>
+            </a:r>
+            <a:r>
+              <a:rPr lang="ko-KR" altLang="en-US" sz="1100" dirty="0" smtClean="0"/>
+              <a:t>문의 조건식 반복 횟수 확인</a:t>
+            </a:r>
+            <a:endParaRPr lang="en-US" altLang="ko-KR" sz="1100" dirty="0" smtClean="0"/>
+          </a:p>
+        </p:txBody>
+      </p:sp>
+      <p:pic>
+        <p:nvPicPr>
+          <p:cNvPr id="3" name="그림 2"/>
+          <p:cNvPicPr>
+            <a:picLocks noChangeAspect="1"/>
+          </p:cNvPicPr>
+          <p:nvPr/>
+        </p:nvPicPr>
+        <p:blipFill>
+          <a:blip r:embed="rId3"/>
+          <a:stretch>
+            <a:fillRect/>
+          </a:stretch>
+        </p:blipFill>
+        <p:spPr>
+          <a:xfrm>
+            <a:off x="5817096" y="2088724"/>
+            <a:ext cx="3448050" cy="3609975"/>
+          </a:xfrm>
+          <a:prstGeom prst="rect">
+            <a:avLst/>
+          </a:prstGeom>
+          <a:ln>
+            <a:solidFill>
+              <a:schemeClr val="bg1">
+                <a:lumMod val="85000"/>
+              </a:schemeClr>
+            </a:solidFill>
+          </a:ln>
+        </p:spPr>
+      </p:pic>
+      <p:sp>
+        <p:nvSpPr>
+          <p:cNvPr id="10" name="순서도: 처리 9"/>
+          <p:cNvSpPr/>
+          <p:nvPr/>
+        </p:nvSpPr>
+        <p:spPr>
+          <a:xfrm>
+            <a:off x="5405942" y="5847919"/>
+            <a:ext cx="4270358" cy="376992"/>
+          </a:xfrm>
+          <a:prstGeom prst="flowChartProcess">
+            <a:avLst/>
+          </a:prstGeom>
+          <a:ln/>
+        </p:spPr>
+        <p:style>
+          <a:lnRef idx="2">
+            <a:schemeClr val="accent2"/>
+          </a:lnRef>
+          <a:fillRef idx="1">
+            <a:schemeClr val="lt1"/>
+          </a:fillRef>
+          <a:effectRef idx="0">
+            <a:schemeClr val="accent2"/>
+          </a:effectRef>
+          <a:fontRef idx="minor">
+            <a:schemeClr val="dk1"/>
+          </a:fontRef>
+        </p:style>
+        <p:txBody>
+          <a:bodyPr rtlCol="0" anchor="ctr"/>
+          <a:lstStyle/>
+          <a:p>
+            <a:pPr algn="ctr"/>
+            <a:r>
+              <a:rPr lang="en-US" altLang="ko-KR" sz="1100" b="1" dirty="0"/>
+              <a:t>[</a:t>
+            </a:r>
+            <a:r>
+              <a:rPr lang="ko-KR" altLang="en-US" sz="1100" b="1" dirty="0"/>
+              <a:t>개선 방법</a:t>
+            </a:r>
+            <a:r>
+              <a:rPr lang="en-US" altLang="ko-KR" sz="1100" b="1" dirty="0"/>
+              <a:t>]</a:t>
+            </a:r>
+            <a:r>
+              <a:rPr lang="ko-KR" altLang="en-US" sz="1100" b="1" dirty="0"/>
+              <a:t> </a:t>
+            </a:r>
+            <a:r>
+              <a:rPr lang="ko-KR" altLang="en-US" sz="1100" dirty="0" smtClean="0"/>
+              <a:t>반복 횟수를 </a:t>
+            </a:r>
+            <a:r>
+              <a:rPr lang="en-US" altLang="ko-KR" sz="1100" dirty="0" smtClean="0"/>
+              <a:t>for</a:t>
+            </a:r>
+            <a:r>
+              <a:rPr lang="ko-KR" altLang="en-US" sz="1100" dirty="0" smtClean="0"/>
+              <a:t>문에서 접근하는 배열의 길이로 설정</a:t>
+            </a:r>
+            <a:endParaRPr lang="en-US" altLang="ko-KR" sz="1100" dirty="0"/>
+          </a:p>
+        </p:txBody>
+      </p:sp>
+      <p:sp>
+        <p:nvSpPr>
+          <p:cNvPr id="11" name="오른쪽 화살표 10"/>
+          <p:cNvSpPr/>
+          <p:nvPr/>
+        </p:nvSpPr>
+        <p:spPr>
+          <a:xfrm>
+            <a:off x="4784479" y="3762586"/>
+            <a:ext cx="464946" cy="432048"/>
+          </a:xfrm>
+          <a:prstGeom prst="rightArrow">
+            <a:avLst/>
+          </a:prstGeom>
+        </p:spPr>
+        <p:style>
+          <a:lnRef idx="2">
+            <a:schemeClr val="accent2">
+              <a:shade val="50000"/>
+            </a:schemeClr>
+          </a:lnRef>
+          <a:fillRef idx="1">
+            <a:schemeClr val="accent2"/>
+          </a:fillRef>
+          <a:effectRef idx="0">
+            <a:schemeClr val="accent2"/>
+          </a:effectRef>
+          <a:fontRef idx="minor">
+            <a:schemeClr val="lt1"/>
+          </a:fontRef>
+        </p:style>
+        <p:txBody>
+          <a:bodyPr rtlCol="0" anchor="ctr"/>
+          <a:lstStyle/>
+          <a:p>
+            <a:pPr algn="ctr"/>
+            <a:endParaRPr lang="ko-KR" altLang="en-US"/>
+          </a:p>
+        </p:txBody>
+      </p:sp>
+      <p:sp>
+        <p:nvSpPr>
+          <p:cNvPr id="12" name="직사각형 11"/>
+          <p:cNvSpPr/>
+          <p:nvPr/>
+        </p:nvSpPr>
+        <p:spPr>
+          <a:xfrm>
+            <a:off x="6687806" y="2083133"/>
+            <a:ext cx="1613566" cy="306101"/>
+          </a:xfrm>
+          <a:prstGeom prst="rect">
+            <a:avLst/>
+          </a:prstGeom>
+          <a:noFill/>
+          <a:ln w="19050">
+            <a:solidFill>
+              <a:srgbClr val="FF0000"/>
+            </a:solidFill>
+          </a:ln>
+        </p:spPr>
+        <p:style>
+          <a:lnRef idx="2">
+            <a:schemeClr val="accent1">
+              <a:shade val="50000"/>
+            </a:schemeClr>
+          </a:lnRef>
+          <a:fillRef idx="1">
+            <a:schemeClr val="accent1"/>
+          </a:fillRef>
+          <a:effectRef idx="0">
+            <a:schemeClr val="accent1"/>
+          </a:effectRef>
+          <a:fontRef idx="minor">
+            <a:schemeClr val="lt1"/>
+          </a:fontRef>
+        </p:style>
+        <p:txBody>
+          <a:bodyPr rtlCol="0" anchor="ctr"/>
+          <a:lstStyle/>
+          <a:p>
+            <a:pPr algn="ctr"/>
+            <a:r>
+              <a:rPr lang="en-US" altLang="ko-KR" dirty="0" smtClean="0"/>
+              <a:t>1</a:t>
+            </a:r>
+            <a:endParaRPr lang="ko-KR" altLang="en-US" dirty="0"/>
           </a:p>
         </p:txBody>
       </p:sp>
@@ -4439,21 +5386,22 @@
       </p:grpSpPr>
       <p:pic>
         <p:nvPicPr>
-          <p:cNvPr id="2" name="그림 1"/>
+          <p:cNvPr id="10" name="그림 9"/>
           <p:cNvPicPr>
             <a:picLocks noChangeAspect="1"/>
           </p:cNvPicPr>
           <p:nvPr/>
         </p:nvPicPr>
-        <p:blipFill rotWithShape="1">
+        <p:blipFill>
           <a:blip r:embed="rId2"/>
-          <a:srcRect t="2250"/>
-          <a:stretch/>
+          <a:stretch>
+            <a:fillRect/>
+          </a:stretch>
         </p:blipFill>
         <p:spPr>
           <a:xfrm>
-            <a:off x="1316596" y="2132856"/>
-            <a:ext cx="7048500" cy="3184260"/>
+            <a:off x="452500" y="2459680"/>
+            <a:ext cx="4189043" cy="3132348"/>
           </a:xfrm>
           <a:prstGeom prst="rect">
             <a:avLst/>
@@ -4462,6 +5410,37 @@
             <a:solidFill>
               <a:schemeClr val="bg1">
                 <a:lumMod val="85000"/>
+              </a:schemeClr>
+            </a:solidFill>
+          </a:ln>
+        </p:spPr>
+      </p:pic>
+      <p:pic>
+        <p:nvPicPr>
+          <p:cNvPr id="2" name="그림 1"/>
+          <p:cNvPicPr>
+            <a:picLocks noChangeAspect="1"/>
+          </p:cNvPicPr>
+          <p:nvPr/>
+        </p:nvPicPr>
+        <p:blipFill>
+          <a:blip r:embed="rId3"/>
+          <a:stretch>
+            <a:fillRect/>
+          </a:stretch>
+        </p:blipFill>
+        <p:spPr>
+          <a:xfrm>
+            <a:off x="5561008" y="2423897"/>
+            <a:ext cx="3862783" cy="3168131"/>
+          </a:xfrm>
+          <a:prstGeom prst="rect">
+            <a:avLst/>
+          </a:prstGeom>
+          <a:ln>
+            <a:solidFill>
+              <a:schemeClr val="bg1">
+                <a:lumMod val="75000"/>
               </a:schemeClr>
             </a:solidFill>
           </a:ln>
@@ -4476,7 +5455,7 @@
         <p:spPr>
           <a:xfrm>
             <a:off x="345600" y="980728"/>
-            <a:ext cx="9342704" cy="830997"/>
+            <a:ext cx="9342704" cy="1107996"/>
           </a:xfrm>
           <a:prstGeom prst="rect">
             <a:avLst/>
@@ -4717,6 +5696,34 @@
               <a:t>- </a:t>
             </a:r>
             <a:r>
+              <a:rPr lang="ko-KR" altLang="en-US" sz="1400" b="1" dirty="0" err="1" smtClean="0">
+                <a:ln>
+                  <a:solidFill>
+                    <a:schemeClr val="tx1">
+                      <a:lumMod val="50000"/>
+                      <a:lumOff val="50000"/>
+                      <a:alpha val="0"/>
+                    </a:schemeClr>
+                  </a:solidFill>
+                </a:ln>
+              </a:rPr>
+              <a:t>조건문</a:t>
+            </a:r>
+            <a:r>
+              <a:rPr lang="en-US" altLang="ko-KR" sz="1400" b="1" dirty="0" smtClean="0">
+                <a:ln>
+                  <a:solidFill>
+                    <a:schemeClr val="tx1">
+                      <a:lumMod val="50000"/>
+                      <a:lumOff val="50000"/>
+                      <a:alpha val="0"/>
+                    </a:schemeClr>
+                  </a:solidFill>
+                </a:ln>
+              </a:rPr>
+              <a:t>, </a:t>
+            </a:r>
+            <a:r>
               <a:rPr lang="ko-KR" altLang="en-US" sz="1400" b="1" dirty="0" smtClean="0">
                 <a:ln>
                   <a:solidFill>
@@ -4728,7 +5735,7 @@
                   </a:solidFill>
                 </a:ln>
               </a:rPr>
-              <a:t>대입 연산자에 문자열 </a:t>
+              <a:t>함수</a:t>
             </a:r>
             <a:r>
               <a:rPr lang="en-US" altLang="ko-KR" sz="1400" b="1" dirty="0" smtClean="0">
@@ -4742,6 +5749,76 @@
                   </a:solidFill>
                 </a:ln>
               </a:rPr>
+              <a:t>, </a:t>
+            </a:r>
+            <a:r>
+              <a:rPr lang="ko-KR" altLang="en-US" sz="1400" b="1" dirty="0" smtClean="0">
+                <a:ln>
+                  <a:solidFill>
+                    <a:schemeClr val="tx1">
+                      <a:lumMod val="50000"/>
+                      <a:lumOff val="50000"/>
+                      <a:alpha val="0"/>
+                    </a:schemeClr>
+                  </a:solidFill>
+                </a:ln>
+              </a:rPr>
+              <a:t>변수 값 변경에 상수</a:t>
+            </a:r>
+            <a:r>
+              <a:rPr lang="en-US" altLang="ko-KR" sz="1400" b="1" dirty="0" smtClean="0">
+                <a:ln>
+                  <a:solidFill>
+                    <a:schemeClr val="tx1">
+                      <a:lumMod val="50000"/>
+                      <a:lumOff val="50000"/>
+                      <a:alpha val="0"/>
+                    </a:schemeClr>
+                  </a:solidFill>
+                </a:ln>
+              </a:rPr>
+              <a:t>(</a:t>
+            </a:r>
+            <a:r>
+              <a:rPr lang="ko-KR" altLang="en-US" sz="1400" b="1" dirty="0" smtClean="0">
+                <a:ln>
+                  <a:solidFill>
+                    <a:schemeClr val="tx1">
+                      <a:lumMod val="50000"/>
+                      <a:lumOff val="50000"/>
+                      <a:alpha val="0"/>
+                    </a:schemeClr>
+                  </a:solidFill>
+                </a:ln>
+              </a:rPr>
+              <a:t>문자열</a:t>
+            </a:r>
+            <a:r>
+              <a:rPr lang="en-US" altLang="ko-KR" sz="1400" b="1" dirty="0">
+                <a:ln>
+                  <a:solidFill>
+                    <a:schemeClr val="tx1">
+                      <a:lumMod val="50000"/>
+                      <a:lumOff val="50000"/>
+                      <a:alpha val="0"/>
+                    </a:schemeClr>
+                  </a:solidFill>
+                </a:ln>
+              </a:rPr>
+              <a:t> </a:t>
+            </a:r>
+            <a:r>
+              <a:rPr lang="en-US" altLang="ko-KR" sz="1400" b="1" dirty="0" smtClean="0">
+                <a:ln>
+                  <a:solidFill>
+                    <a:schemeClr val="tx1">
+                      <a:lumMod val="50000"/>
+                      <a:lumOff val="50000"/>
+                      <a:alpha val="0"/>
+                    </a:schemeClr>
+                  </a:solidFill>
+                </a:ln>
+              </a:rPr>
               <a:t>or </a:t>
             </a:r>
             <a:r>
@@ -4756,9 +5833,169 @@
                   </a:solidFill>
                 </a:ln>
               </a:rPr>
-              <a:t>숫자로 사용하는 경우 체크</a:t>
-            </a:r>
-            <a:endParaRPr lang="en-US" altLang="ko-KR" sz="1400" b="1" dirty="0" smtClean="0">
+              <a:t>숫자</a:t>
+            </a:r>
+            <a:r>
+              <a:rPr lang="en-US" altLang="ko-KR" sz="1400" b="1" dirty="0" smtClean="0">
+                <a:ln>
+                  <a:solidFill>
+                    <a:schemeClr val="tx1">
+                      <a:lumMod val="50000"/>
+                      <a:lumOff val="50000"/>
+                      <a:alpha val="0"/>
+                    </a:schemeClr>
+                  </a:solidFill>
+                </a:ln>
+              </a:rPr>
+              <a:t>)</a:t>
+            </a:r>
+            <a:r>
+              <a:rPr lang="ko-KR" altLang="en-US" sz="1400" b="1" dirty="0" smtClean="0">
+                <a:ln>
+                  <a:solidFill>
+                    <a:schemeClr val="tx1">
+                      <a:lumMod val="50000"/>
+                      <a:lumOff val="50000"/>
+                      <a:alpha val="0"/>
+                    </a:schemeClr>
+                  </a:solidFill>
+                </a:ln>
+              </a:rPr>
+              <a:t>로 사용하는 경우 체크</a:t>
+            </a:r>
+            <a:r>
+              <a:rPr lang="en-US" altLang="ko-KR" sz="1400" b="1" dirty="0" smtClean="0">
+                <a:ln>
+                  <a:solidFill>
+                    <a:schemeClr val="tx1">
+                      <a:lumMod val="50000"/>
+                      <a:lumOff val="50000"/>
+                      <a:alpha val="0"/>
+                    </a:schemeClr>
+                  </a:solidFill>
+                </a:ln>
+              </a:rPr>
+              <a:t/>
+            </a:r>
+            <a:br>
+              <a:rPr lang="en-US" altLang="ko-KR" sz="1400" b="1" dirty="0" smtClean="0">
+                <a:ln>
+                  <a:solidFill>
+                    <a:schemeClr val="tx1">
+                      <a:lumMod val="50000"/>
+                      <a:lumOff val="50000"/>
+                      <a:alpha val="0"/>
+                    </a:schemeClr>
+                  </a:solidFill>
+                </a:ln>
+              </a:rPr>
+            </a:br>
+            <a:r>
+              <a:rPr lang="en-US" altLang="ko-KR" sz="1200" dirty="0" smtClean="0">
+                <a:ln>
+                  <a:solidFill>
+                    <a:schemeClr val="tx1">
+                      <a:lumMod val="50000"/>
+                      <a:lumOff val="50000"/>
+                      <a:alpha val="0"/>
+                    </a:schemeClr>
+                  </a:solidFill>
+                </a:ln>
+                <a:sym typeface="Wingdings" panose="05000000000000000000" pitchFamily="2" charset="2"/>
+              </a:rPr>
+              <a:t> </a:t>
+            </a:r>
+            <a:r>
+              <a:rPr lang="ko-KR" altLang="en-US" sz="1200" dirty="0" smtClean="0">
+                <a:ln>
+                  <a:solidFill>
+                    <a:schemeClr val="tx1">
+                      <a:lumMod val="50000"/>
+                      <a:lumOff val="50000"/>
+                      <a:alpha val="0"/>
+                    </a:schemeClr>
+                  </a:solidFill>
+                </a:ln>
+                <a:sym typeface="Wingdings" panose="05000000000000000000" pitchFamily="2" charset="2"/>
+              </a:rPr>
+              <a:t>상수나 값을 </a:t>
+            </a:r>
+            <a:r>
+              <a:rPr lang="en-US" altLang="ko-KR" sz="1200" dirty="0" smtClean="0">
+                <a:ln>
+                  <a:solidFill>
+                    <a:schemeClr val="tx1">
+                      <a:lumMod val="50000"/>
+                      <a:lumOff val="50000"/>
+                      <a:alpha val="0"/>
+                    </a:schemeClr>
+                  </a:solidFill>
+                </a:ln>
+                <a:sym typeface="Wingdings" panose="05000000000000000000" pitchFamily="2" charset="2"/>
+              </a:rPr>
+              <a:t>define</a:t>
+            </a:r>
+            <a:r>
+              <a:rPr lang="ko-KR" altLang="en-US" sz="1200" dirty="0" smtClean="0">
+                <a:ln>
+                  <a:solidFill>
+                    <a:schemeClr val="tx1">
+                      <a:lumMod val="50000"/>
+                      <a:lumOff val="50000"/>
+                      <a:alpha val="0"/>
+                    </a:schemeClr>
+                  </a:solidFill>
+                </a:ln>
+                <a:sym typeface="Wingdings" panose="05000000000000000000" pitchFamily="2" charset="2"/>
+              </a:rPr>
+              <a:t>으로 선언하여 코드의 </a:t>
+            </a:r>
+            <a:r>
+              <a:rPr lang="ko-KR" altLang="en-US" sz="1200" dirty="0" err="1" smtClean="0">
+                <a:ln>
+                  <a:solidFill>
+                    <a:schemeClr val="tx1">
+                      <a:lumMod val="50000"/>
+                      <a:lumOff val="50000"/>
+                      <a:alpha val="0"/>
+                    </a:schemeClr>
+                  </a:solidFill>
+                </a:ln>
+                <a:sym typeface="Wingdings" panose="05000000000000000000" pitchFamily="2" charset="2"/>
+              </a:rPr>
+              <a:t>가독성</a:t>
+            </a:r>
+            <a:r>
+              <a:rPr lang="ko-KR" altLang="en-US" sz="1200" dirty="0" smtClean="0">
+                <a:ln>
+                  <a:solidFill>
+                    <a:schemeClr val="tx1">
+                      <a:lumMod val="50000"/>
+                      <a:lumOff val="50000"/>
+                      <a:alpha val="0"/>
+                    </a:schemeClr>
+                  </a:solidFill>
+                </a:ln>
+                <a:sym typeface="Wingdings" panose="05000000000000000000" pitchFamily="2" charset="2"/>
+              </a:rPr>
+              <a:t> 및 유지보수성이 </a:t>
+            </a:r>
+            <a:r>
+              <a:rPr lang="ko-KR" altLang="en-US" sz="1200" dirty="0" smtClean="0">
+                <a:ln>
+                  <a:solidFill>
+                    <a:schemeClr val="tx1">
+                      <a:lumMod val="50000"/>
+                      <a:lumOff val="50000"/>
+                      <a:alpha val="0"/>
+                    </a:schemeClr>
+                  </a:solidFill>
+                </a:ln>
+                <a:sym typeface="Wingdings" panose="05000000000000000000" pitchFamily="2" charset="2"/>
+              </a:rPr>
+              <a:t>향상</a:t>
+            </a:r>
+            <a:endParaRPr lang="en-US" altLang="ko-KR" sz="1400" dirty="0" smtClean="0">
               <a:ln>
                 <a:solidFill>
                   <a:schemeClr val="tx1">
@@ -4828,14 +6065,268 @@
       </p:sp>
       <p:sp>
         <p:nvSpPr>
-          <p:cNvPr id="10" name="직사각형 9"/>
+          <p:cNvPr id="7" name="순서도: 처리 6"/>
           <p:cNvSpPr/>
           <p:nvPr/>
         </p:nvSpPr>
         <p:spPr>
           <a:xfrm>
-            <a:off x="2360712" y="3212976"/>
-            <a:ext cx="2376264" cy="216024"/>
+            <a:off x="6179370" y="5657276"/>
+            <a:ext cx="2626058" cy="305708"/>
+          </a:xfrm>
+          <a:prstGeom prst="flowChartProcess">
+            <a:avLst/>
+          </a:prstGeom>
+          <a:ln/>
+        </p:spPr>
+        <p:style>
+          <a:lnRef idx="2">
+            <a:schemeClr val="accent2"/>
+          </a:lnRef>
+          <a:fillRef idx="1">
+            <a:schemeClr val="lt1"/>
+          </a:fillRef>
+          <a:effectRef idx="0">
+            <a:schemeClr val="accent2"/>
+          </a:effectRef>
+          <a:fontRef idx="minor">
+            <a:schemeClr val="dk1"/>
+          </a:fontRef>
+        </p:style>
+        <p:txBody>
+          <a:bodyPr rtlCol="0" anchor="ctr"/>
+          <a:lstStyle/>
+          <a:p>
+            <a:pPr algn="ctr"/>
+            <a:r>
+              <a:rPr lang="en-US" altLang="ko-KR" sz="1100" dirty="0"/>
+              <a:t>[</a:t>
+            </a:r>
+            <a:r>
+              <a:rPr lang="ko-KR" altLang="en-US" sz="1100" dirty="0"/>
+              <a:t>개선 방법</a:t>
+            </a:r>
+            <a:r>
+              <a:rPr lang="en-US" altLang="ko-KR" sz="1100" dirty="0" smtClean="0"/>
+              <a:t>] Define </a:t>
+            </a:r>
+            <a:r>
+              <a:rPr lang="ko-KR" altLang="en-US" sz="1100" dirty="0" smtClean="0"/>
+              <a:t>변수로 선언하여 </a:t>
+            </a:r>
+            <a:r>
+              <a:rPr lang="ko-KR" altLang="en-US" sz="1100" dirty="0" smtClean="0"/>
+              <a:t>사용</a:t>
+            </a:r>
+            <a:endParaRPr lang="en-US" altLang="ko-KR" sz="1100" dirty="0"/>
+          </a:p>
+        </p:txBody>
+      </p:sp>
+      <p:sp>
+        <p:nvSpPr>
+          <p:cNvPr id="8" name="오른쪽 화살표 7"/>
+          <p:cNvSpPr/>
+          <p:nvPr/>
+        </p:nvSpPr>
+        <p:spPr>
+          <a:xfrm>
+            <a:off x="4882249" y="3791938"/>
+            <a:ext cx="464946" cy="432048"/>
+          </a:xfrm>
+          <a:prstGeom prst="rightArrow">
+            <a:avLst/>
+          </a:prstGeom>
+        </p:spPr>
+        <p:style>
+          <a:lnRef idx="2">
+            <a:schemeClr val="accent2">
+              <a:shade val="50000"/>
+            </a:schemeClr>
+          </a:lnRef>
+          <a:fillRef idx="1">
+            <a:schemeClr val="accent2"/>
+          </a:fillRef>
+          <a:effectRef idx="0">
+            <a:schemeClr val="accent2"/>
+          </a:effectRef>
+          <a:fontRef idx="minor">
+            <a:schemeClr val="lt1"/>
+          </a:fontRef>
+        </p:style>
+        <p:txBody>
+          <a:bodyPr rtlCol="0" anchor="ctr"/>
+          <a:lstStyle/>
+          <a:p>
+            <a:pPr algn="ctr"/>
+            <a:endParaRPr lang="ko-KR" altLang="en-US"/>
+          </a:p>
+        </p:txBody>
+      </p:sp>
+      <p:sp>
+        <p:nvSpPr>
+          <p:cNvPr id="9" name="직사각형 8"/>
+          <p:cNvSpPr/>
+          <p:nvPr/>
+        </p:nvSpPr>
+        <p:spPr>
+          <a:xfrm>
+            <a:off x="5539282" y="2453118"/>
+            <a:ext cx="2088232" cy="435822"/>
+          </a:xfrm>
+          <a:prstGeom prst="rect">
+            <a:avLst/>
+          </a:prstGeom>
+          <a:noFill/>
+          <a:ln w="19050">
+            <a:solidFill>
+              <a:srgbClr val="FF0000"/>
+            </a:solidFill>
+          </a:ln>
+        </p:spPr>
+        <p:style>
+          <a:lnRef idx="2">
+            <a:schemeClr val="accent1">
+              <a:shade val="50000"/>
+            </a:schemeClr>
+          </a:lnRef>
+          <a:fillRef idx="1">
+            <a:schemeClr val="accent1"/>
+          </a:fillRef>
+          <a:effectRef idx="0">
+            <a:schemeClr val="accent1"/>
+          </a:effectRef>
+          <a:fontRef idx="minor">
+            <a:schemeClr val="lt1"/>
+          </a:fontRef>
+        </p:style>
+        <p:txBody>
+          <a:bodyPr rtlCol="0" anchor="ctr"/>
+          <a:lstStyle/>
+          <a:p>
+            <a:pPr algn="ctr"/>
+            <a:endParaRPr lang="ko-KR" altLang="en-US"/>
+          </a:p>
+        </p:txBody>
+      </p:sp>
+      <p:sp>
+        <p:nvSpPr>
+          <p:cNvPr id="11" name="직사각형 10"/>
+          <p:cNvSpPr/>
+          <p:nvPr/>
+        </p:nvSpPr>
+        <p:spPr>
+          <a:xfrm>
+            <a:off x="5598316" y="4653136"/>
+            <a:ext cx="3825475" cy="468052"/>
+          </a:xfrm>
+          <a:prstGeom prst="rect">
+            <a:avLst/>
+          </a:prstGeom>
+          <a:noFill/>
+          <a:ln w="19050">
+            <a:solidFill>
+              <a:srgbClr val="FF0000"/>
+            </a:solidFill>
+          </a:ln>
+        </p:spPr>
+        <p:style>
+          <a:lnRef idx="2">
+            <a:schemeClr val="accent1">
+              <a:shade val="50000"/>
+            </a:schemeClr>
+          </a:lnRef>
+          <a:fillRef idx="1">
+            <a:schemeClr val="accent1"/>
+          </a:fillRef>
+          <a:effectRef idx="0">
+            <a:schemeClr val="accent1"/>
+          </a:effectRef>
+          <a:fontRef idx="minor">
+            <a:schemeClr val="lt1"/>
+          </a:fontRef>
+        </p:style>
+        <p:txBody>
+          <a:bodyPr rtlCol="0" anchor="ctr"/>
+          <a:lstStyle/>
+          <a:p>
+            <a:pPr algn="ctr"/>
+            <a:endParaRPr lang="ko-KR" altLang="en-US"/>
+          </a:p>
+        </p:txBody>
+      </p:sp>
+      <p:sp>
+        <p:nvSpPr>
+          <p:cNvPr id="12" name="순서도: 처리 11"/>
+          <p:cNvSpPr/>
+          <p:nvPr/>
+        </p:nvSpPr>
+        <p:spPr>
+          <a:xfrm>
+            <a:off x="645098" y="5661248"/>
+            <a:ext cx="3803846" cy="301736"/>
+          </a:xfrm>
+          <a:prstGeom prst="flowChartProcess">
+            <a:avLst/>
+          </a:prstGeom>
+          <a:ln/>
+        </p:spPr>
+        <p:style>
+          <a:lnRef idx="2">
+            <a:schemeClr val="accent2"/>
+          </a:lnRef>
+          <a:fillRef idx="1">
+            <a:schemeClr val="lt1"/>
+          </a:fillRef>
+          <a:effectRef idx="0">
+            <a:schemeClr val="accent2"/>
+          </a:effectRef>
+          <a:fontRef idx="minor">
+            <a:schemeClr val="dk1"/>
+          </a:fontRef>
+        </p:style>
+        <p:txBody>
+          <a:bodyPr rtlCol="0" anchor="ctr"/>
+          <a:lstStyle/>
+          <a:p>
+            <a:pPr algn="ctr"/>
+            <a:r>
+              <a:rPr lang="en-US" altLang="ko-KR" sz="1100" dirty="0" smtClean="0"/>
+              <a:t>[</a:t>
+            </a:r>
+            <a:r>
+              <a:rPr lang="ko-KR" altLang="en-US" sz="1100" dirty="0" smtClean="0"/>
+              <a:t>점검 </a:t>
+            </a:r>
+            <a:r>
+              <a:rPr lang="ko-KR" altLang="en-US" sz="1100" dirty="0"/>
+              <a:t>방법</a:t>
+            </a:r>
+            <a:r>
+              <a:rPr lang="en-US" altLang="ko-KR" sz="1100" dirty="0" smtClean="0"/>
+              <a:t>] </a:t>
+            </a:r>
+            <a:r>
+              <a:rPr lang="en-US" altLang="ko-KR" sz="1100" dirty="0" smtClean="0"/>
+              <a:t> </a:t>
+            </a:r>
+            <a:r>
+              <a:rPr lang="ko-KR" altLang="en-US" sz="1100" dirty="0" smtClean="0"/>
+              <a:t>값 변경 및 비교 코드에 상수 사용되었는지 확인</a:t>
+            </a:r>
+            <a:endParaRPr lang="en-US" altLang="ko-KR" sz="1100" dirty="0"/>
+          </a:p>
+        </p:txBody>
+      </p:sp>
+      <p:sp>
+        <p:nvSpPr>
+          <p:cNvPr id="13" name="직사각형 12"/>
+          <p:cNvSpPr/>
+          <p:nvPr/>
+        </p:nvSpPr>
+        <p:spPr>
+          <a:xfrm>
+            <a:off x="596516" y="4473116"/>
+            <a:ext cx="2628292" cy="504056"/>
           </a:xfrm>
           <a:prstGeom prst="rect">
             <a:avLst/>
@@ -4918,7 +6409,7 @@
         <p:spPr>
           <a:xfrm>
             <a:off x="345600" y="980728"/>
-            <a:ext cx="9342704" cy="4385816"/>
+            <a:ext cx="9342704" cy="830997"/>
           </a:xfrm>
           <a:prstGeom prst="rect">
             <a:avLst/>
@@ -5212,7 +6703,21 @@
                   </a:solidFill>
                 </a:ln>
               </a:rPr>
-              <a:t> 사용시  숫자 및 문자열 사용하는 경우 체크</a:t>
+              <a:t> 사용시  </a:t>
+            </a:r>
+            <a:r>
+              <a:rPr lang="ko-KR" altLang="en-US" sz="1400" dirty="0" smtClean="0">
+                <a:ln>
+                  <a:solidFill>
+                    <a:schemeClr val="tx1">
+                      <a:lumMod val="50000"/>
+                      <a:lumOff val="50000"/>
+                      <a:alpha val="0"/>
+                    </a:schemeClr>
+                  </a:solidFill>
+                </a:ln>
+              </a:rPr>
+              <a:t>상수</a:t>
             </a:r>
             <a:r>
               <a:rPr lang="en-US" altLang="ko-KR" sz="1400" dirty="0" smtClean="0">
@@ -5226,9 +6731,23 @@
                   </a:solidFill>
                 </a:ln>
               </a:rPr>
-              <a:t/>
-            </a:r>
-            <a:br>
+              <a:t>(</a:t>
+            </a:r>
+            <a:r>
+              <a:rPr lang="ko-KR" altLang="en-US" sz="1400" dirty="0" smtClean="0">
+                <a:ln>
+                  <a:solidFill>
+                    <a:schemeClr val="tx1">
+                      <a:lumMod val="50000"/>
+                      <a:lumOff val="50000"/>
+                      <a:alpha val="0"/>
+                    </a:schemeClr>
+                  </a:solidFill>
+                </a:ln>
+              </a:rPr>
+              <a:t>숫자 </a:t>
+            </a:r>
+            <a:r>
               <a:rPr lang="en-US" altLang="ko-KR" sz="1400" dirty="0" smtClean="0">
                 <a:ln>
                   <a:solidFill>
@@ -5240,7 +6759,22 @@
                   </a:solidFill>
                 </a:ln>
               </a:rPr>
-            </a:br>
+              <a:t>or </a:t>
+            </a:r>
+            <a:r>
+              <a:rPr lang="ko-KR" altLang="en-US" sz="1400" dirty="0" smtClean="0">
+                <a:ln>
+                  <a:solidFill>
+                    <a:schemeClr val="tx1">
+                      <a:lumMod val="50000"/>
+                      <a:lumOff val="50000"/>
+                      <a:alpha val="0"/>
+                    </a:schemeClr>
+                  </a:solidFill>
+                </a:ln>
+              </a:rPr>
+              <a:t>문자열</a:t>
+            </a:r>
             <a:r>
               <a:rPr lang="en-US" altLang="ko-KR" sz="1400" dirty="0" smtClean="0">
                 <a:ln>
@@ -5253,102 +6787,50 @@
                   </a:solidFill>
                 </a:ln>
               </a:rPr>
-              <a:t/>
-            </a:r>
-            <a:br>
-              <a:rPr lang="en-US" altLang="ko-KR" sz="1400" dirty="0" smtClean="0">
-                <a:ln>
-                  <a:solidFill>
-                    <a:schemeClr val="tx1">
-                      <a:lumMod val="50000"/>
-                      <a:lumOff val="50000"/>
-                      <a:alpha val="0"/>
-                    </a:schemeClr>
-                  </a:solidFill>
-                </a:ln>
-              </a:rPr>
-            </a:br>
-            <a:r>
-              <a:rPr lang="en-US" altLang="ko-KR" sz="1400" dirty="0" smtClean="0">
-                <a:ln>
-                  <a:solidFill>
-                    <a:schemeClr val="tx1">
-                      <a:lumMod val="50000"/>
-                      <a:lumOff val="50000"/>
-                      <a:alpha val="0"/>
-                    </a:schemeClr>
-                  </a:solidFill>
-                </a:ln>
-              </a:rPr>
-              <a:t/>
-            </a:r>
-            <a:br>
-              <a:rPr lang="en-US" altLang="ko-KR" sz="1400" dirty="0" smtClean="0">
-                <a:ln>
-                  <a:solidFill>
-                    <a:schemeClr val="tx1">
-                      <a:lumMod val="50000"/>
-                      <a:lumOff val="50000"/>
-                      <a:alpha val="0"/>
-                    </a:schemeClr>
-                  </a:solidFill>
-                </a:ln>
-              </a:rPr>
-            </a:br>
-            <a:r>
-              <a:rPr lang="en-US" altLang="ko-KR" sz="1400" dirty="0" smtClean="0">
-                <a:ln>
-                  <a:solidFill>
-                    <a:schemeClr val="tx1">
-                      <a:lumMod val="50000"/>
-                      <a:lumOff val="50000"/>
-                      <a:alpha val="0"/>
-                    </a:schemeClr>
-                  </a:solidFill>
-                </a:ln>
-              </a:rPr>
-              <a:t/>
-            </a:r>
-            <a:br>
-              <a:rPr lang="en-US" altLang="ko-KR" sz="1400" dirty="0" smtClean="0">
-                <a:ln>
-                  <a:solidFill>
-                    <a:schemeClr val="tx1">
-                      <a:lumMod val="50000"/>
-                      <a:lumOff val="50000"/>
-                      <a:alpha val="0"/>
-                    </a:schemeClr>
-                  </a:solidFill>
-                </a:ln>
-              </a:rPr>
-            </a:br>
-            <a:r>
-              <a:rPr lang="en-US" altLang="ko-KR" sz="1400" dirty="0" smtClean="0">
-                <a:ln>
-                  <a:solidFill>
-                    <a:schemeClr val="tx1">
-                      <a:lumMod val="50000"/>
-                      <a:lumOff val="50000"/>
-                      <a:alpha val="0"/>
-                    </a:schemeClr>
-                  </a:solidFill>
-                </a:ln>
-              </a:rPr>
-              <a:t/>
-            </a:r>
-            <a:br>
-              <a:rPr lang="en-US" altLang="ko-KR" sz="1400" dirty="0" smtClean="0">
-                <a:ln>
-                  <a:solidFill>
-                    <a:schemeClr val="tx1">
-                      <a:lumMod val="50000"/>
-                      <a:lumOff val="50000"/>
-                      <a:alpha val="0"/>
-                    </a:schemeClr>
-                  </a:solidFill>
-                </a:ln>
-              </a:rPr>
-            </a:br>
+              <a:t>)</a:t>
+            </a:r>
+            <a:r>
+              <a:rPr lang="ko-KR" altLang="en-US" sz="1400" dirty="0" smtClean="0">
+                <a:ln>
+                  <a:solidFill>
+                    <a:schemeClr val="tx1">
+                      <a:lumMod val="50000"/>
+                      <a:lumOff val="50000"/>
+                      <a:alpha val="0"/>
+                    </a:schemeClr>
+                  </a:solidFill>
+                </a:ln>
+              </a:rPr>
+              <a:t> </a:t>
+            </a:r>
+            <a:r>
+              <a:rPr lang="ko-KR" altLang="en-US" sz="1400" dirty="0" smtClean="0">
+                <a:ln>
+                  <a:solidFill>
+                    <a:schemeClr val="tx1">
+                      <a:lumMod val="50000"/>
+                      <a:lumOff val="50000"/>
+                      <a:alpha val="0"/>
+                    </a:schemeClr>
+                  </a:solidFill>
+                </a:ln>
+              </a:rPr>
+              <a:t>사용하는 경우 </a:t>
+            </a:r>
+            <a:r>
+              <a:rPr lang="ko-KR" altLang="en-US" sz="1400" dirty="0" smtClean="0">
+                <a:ln>
+                  <a:solidFill>
+                    <a:schemeClr val="tx1">
+                      <a:lumMod val="50000"/>
+                      <a:lumOff val="50000"/>
+                      <a:alpha val="0"/>
+                    </a:schemeClr>
+                  </a:solidFill>
+                </a:ln>
+              </a:rPr>
+              <a:t>체크</a:t>
+            </a:r>
             <a:endParaRPr lang="en-US" altLang="ko-KR" sz="1400" dirty="0" smtClean="0">
               <a:ln>
                 <a:solidFill>
@@ -5359,353 +6841,8 @@
                   </a:schemeClr>
                 </a:solidFill>
               </a:ln>
-            </a:endParaRPr>
-          </a:p>
-          <a:p>
-            <a:pPr lvl="1">
-              <a:lnSpc>
-                <a:spcPct val="150000"/>
-              </a:lnSpc>
-            </a:pPr>
-            <a:endParaRPr lang="en-US" altLang="ko-KR" sz="1400" dirty="0">
-              <a:ln>
-                <a:solidFill>
-                  <a:schemeClr val="tx1">
-                    <a:lumMod val="50000"/>
-                    <a:lumOff val="50000"/>
-                    <a:alpha val="0"/>
-                  </a:schemeClr>
-                </a:solidFill>
-              </a:ln>
               <a:solidFill>
                 <a:srgbClr val="E9520B"/>
-              </a:solidFill>
-            </a:endParaRPr>
-          </a:p>
-          <a:p>
-            <a:pPr lvl="1">
-              <a:lnSpc>
-                <a:spcPct val="150000"/>
-              </a:lnSpc>
-            </a:pPr>
-            <a:endParaRPr lang="en-US" altLang="ko-KR" sz="1400" dirty="0" smtClean="0">
-              <a:ln>
-                <a:solidFill>
-                  <a:schemeClr val="tx1">
-                    <a:lumMod val="50000"/>
-                    <a:lumOff val="50000"/>
-                    <a:alpha val="0"/>
-                  </a:schemeClr>
-                </a:solidFill>
-              </a:ln>
-              <a:solidFill>
-                <a:srgbClr val="E9520B"/>
-              </a:solidFill>
-            </a:endParaRPr>
-          </a:p>
-          <a:p>
-            <a:pPr lvl="1">
-              <a:lnSpc>
-                <a:spcPct val="150000"/>
-              </a:lnSpc>
-            </a:pPr>
-            <a:endParaRPr lang="en-US" altLang="ko-KR" sz="1400" dirty="0">
-              <a:ln>
-                <a:solidFill>
-                  <a:schemeClr val="tx1">
-                    <a:lumMod val="50000"/>
-                    <a:lumOff val="50000"/>
-                    <a:alpha val="0"/>
-                  </a:schemeClr>
-                </a:solidFill>
-              </a:ln>
-              <a:solidFill>
-                <a:srgbClr val="E9520B"/>
-              </a:solidFill>
-            </a:endParaRPr>
-          </a:p>
-          <a:p>
-            <a:pPr lvl="1">
-              <a:lnSpc>
-                <a:spcPct val="150000"/>
-              </a:lnSpc>
-            </a:pPr>
-            <a:endParaRPr lang="en-US" altLang="ko-KR" sz="1400" dirty="0" smtClean="0">
-              <a:ln>
-                <a:solidFill>
-                  <a:schemeClr val="tx1">
-                    <a:lumMod val="50000"/>
-                    <a:lumOff val="50000"/>
-                    <a:alpha val="0"/>
-                  </a:schemeClr>
-                </a:solidFill>
-              </a:ln>
-              <a:solidFill>
-                <a:srgbClr val="E9520B"/>
-              </a:solidFill>
-            </a:endParaRPr>
-          </a:p>
-          <a:p>
-            <a:pPr lvl="1">
-              <a:lnSpc>
-                <a:spcPct val="150000"/>
-              </a:lnSpc>
-            </a:pPr>
-            <a:endParaRPr lang="en-US" altLang="ko-KR" sz="1400" dirty="0" smtClean="0">
-              <a:ln>
-                <a:solidFill>
-                  <a:schemeClr val="tx1">
-                    <a:lumMod val="50000"/>
-                    <a:lumOff val="50000"/>
-                    <a:alpha val="0"/>
-                  </a:schemeClr>
-                </a:solidFill>
-              </a:ln>
-              <a:solidFill>
-                <a:srgbClr val="E9520B"/>
-              </a:solidFill>
-            </a:endParaRPr>
-          </a:p>
-          <a:p>
-            <a:pPr lvl="1">
-              <a:lnSpc>
-                <a:spcPct val="150000"/>
-              </a:lnSpc>
-            </a:pPr>
-            <a:r>
-              <a:rPr lang="en-US" altLang="ko-KR" sz="1400" b="1" dirty="0" smtClean="0">
-                <a:ln>
-                  <a:solidFill>
-                    <a:schemeClr val="tx1">
-                      <a:lumMod val="50000"/>
-                      <a:lumOff val="50000"/>
-                      <a:alpha val="0"/>
-                    </a:schemeClr>
-                  </a:solidFill>
-                </a:ln>
-                <a:solidFill>
-                  <a:schemeClr val="accent1">
-                    <a:lumMod val="50000"/>
-                  </a:schemeClr>
-                </a:solidFill>
-                <a:sym typeface="Wingdings" panose="05000000000000000000" pitchFamily="2" charset="2"/>
-              </a:rPr>
-              <a:t> </a:t>
-            </a:r>
-            <a:r>
-              <a:rPr lang="ko-KR" altLang="en-US" sz="1400" b="1" dirty="0" smtClean="0">
-                <a:ln>
-                  <a:solidFill>
-                    <a:schemeClr val="tx1">
-                      <a:lumMod val="50000"/>
-                      <a:lumOff val="50000"/>
-                      <a:alpha val="0"/>
-                    </a:schemeClr>
-                  </a:solidFill>
-                </a:ln>
-                <a:solidFill>
-                  <a:schemeClr val="accent1">
-                    <a:lumMod val="50000"/>
-                  </a:schemeClr>
-                </a:solidFill>
-                <a:sym typeface="Wingdings" panose="05000000000000000000" pitchFamily="2" charset="2"/>
-              </a:rPr>
-              <a:t>적용 예외 대상</a:t>
-            </a:r>
-            <a:r>
-              <a:rPr lang="en-US" altLang="ko-KR" sz="1400" b="1" dirty="0" smtClean="0">
-                <a:ln>
-                  <a:solidFill>
-                    <a:schemeClr val="tx1">
-                      <a:lumMod val="50000"/>
-                      <a:lumOff val="50000"/>
-                      <a:alpha val="0"/>
-                    </a:schemeClr>
-                  </a:solidFill>
-                </a:ln>
-                <a:solidFill>
-                  <a:schemeClr val="accent1">
-                    <a:lumMod val="50000"/>
-                  </a:schemeClr>
-                </a:solidFill>
-                <a:sym typeface="Wingdings" panose="05000000000000000000" pitchFamily="2" charset="2"/>
-              </a:rPr>
-              <a:t> (</a:t>
-            </a:r>
-            <a:r>
-              <a:rPr lang="en-US" altLang="ko-KR" sz="1400" b="1" dirty="0" err="1" smtClean="0">
-                <a:ln>
-                  <a:solidFill>
-                    <a:schemeClr val="tx1">
-                      <a:lumMod val="50000"/>
-                      <a:lumOff val="50000"/>
-                      <a:alpha val="0"/>
-                    </a:schemeClr>
-                  </a:solidFill>
-                </a:ln>
-                <a:solidFill>
-                  <a:schemeClr val="accent1">
-                    <a:lumMod val="50000"/>
-                  </a:schemeClr>
-                </a:solidFill>
-                <a:sym typeface="Wingdings" panose="05000000000000000000" pitchFamily="2" charset="2"/>
-              </a:rPr>
-              <a:t>ex:writeLog</a:t>
-            </a:r>
-            <a:r>
-              <a:rPr lang="en-US" altLang="ko-KR" sz="1400" b="1" dirty="0" smtClean="0">
-                <a:ln>
-                  <a:solidFill>
-                    <a:schemeClr val="tx1">
-                      <a:lumMod val="50000"/>
-                      <a:lumOff val="50000"/>
-                      <a:alpha val="0"/>
-                    </a:schemeClr>
-                  </a:solidFill>
-                </a:ln>
-                <a:solidFill>
-                  <a:schemeClr val="accent1">
-                    <a:lumMod val="50000"/>
-                  </a:schemeClr>
-                </a:solidFill>
-                <a:sym typeface="Wingdings" panose="05000000000000000000" pitchFamily="2" charset="2"/>
-              </a:rPr>
-              <a:t>, </a:t>
-            </a:r>
-            <a:r>
-              <a:rPr lang="en-US" altLang="ko-KR" sz="1400" b="1" dirty="0" err="1" smtClean="0">
-                <a:ln>
-                  <a:solidFill>
-                    <a:schemeClr val="tx1">
-                      <a:lumMod val="50000"/>
-                      <a:lumOff val="50000"/>
-                      <a:alpha val="0"/>
-                    </a:schemeClr>
-                  </a:solidFill>
-                </a:ln>
-                <a:solidFill>
-                  <a:schemeClr val="accent1">
-                    <a:lumMod val="50000"/>
-                  </a:schemeClr>
-                </a:solidFill>
-                <a:sym typeface="Wingdings" panose="05000000000000000000" pitchFamily="2" charset="2"/>
-              </a:rPr>
-              <a:t>StartThread</a:t>
-            </a:r>
-            <a:r>
-              <a:rPr lang="en-US" altLang="ko-KR" sz="1400" b="1" dirty="0" smtClean="0">
-                <a:ln>
-                  <a:solidFill>
-                    <a:schemeClr val="tx1">
-                      <a:lumMod val="50000"/>
-                      <a:lumOff val="50000"/>
-                      <a:alpha val="0"/>
-                    </a:schemeClr>
-                  </a:solidFill>
-                </a:ln>
-                <a:solidFill>
-                  <a:schemeClr val="accent1">
-                    <a:lumMod val="50000"/>
-                  </a:schemeClr>
-                </a:solidFill>
-                <a:sym typeface="Wingdings" panose="05000000000000000000" pitchFamily="2" charset="2"/>
-              </a:rPr>
-              <a:t>, </a:t>
-            </a:r>
-            <a:r>
-              <a:rPr lang="en-US" altLang="ko-KR" sz="1400" b="1" dirty="0" err="1" smtClean="0">
-                <a:ln>
-                  <a:solidFill>
-                    <a:schemeClr val="tx1">
-                      <a:lumMod val="50000"/>
-                      <a:lumOff val="50000"/>
-                      <a:alpha val="0"/>
-                    </a:schemeClr>
-                  </a:solidFill>
-                </a:ln>
-                <a:solidFill>
-                  <a:schemeClr val="accent1">
-                    <a:lumMod val="50000"/>
-                  </a:schemeClr>
-                </a:solidFill>
-                <a:sym typeface="Wingdings" panose="05000000000000000000" pitchFamily="2" charset="2"/>
-              </a:rPr>
-              <a:t>dpConnect</a:t>
-            </a:r>
-            <a:r>
-              <a:rPr lang="en-US" altLang="ko-KR" sz="1400" b="1" dirty="0" smtClean="0">
-                <a:ln>
-                  <a:solidFill>
-                    <a:schemeClr val="tx1">
-                      <a:lumMod val="50000"/>
-                      <a:lumOff val="50000"/>
-                      <a:alpha val="0"/>
-                    </a:schemeClr>
-                  </a:solidFill>
-                </a:ln>
-                <a:solidFill>
-                  <a:schemeClr val="accent1">
-                    <a:lumMod val="50000"/>
-                  </a:schemeClr>
-                </a:solidFill>
-                <a:sym typeface="Wingdings" panose="05000000000000000000" pitchFamily="2" charset="2"/>
-              </a:rPr>
-              <a:t>, delay, for, </a:t>
-            </a:r>
-            <a:r>
-              <a:rPr lang="en-US" altLang="ko-KR" sz="1400" b="1" dirty="0" err="1" smtClean="0">
-                <a:ln>
-                  <a:solidFill>
-                    <a:schemeClr val="tx1">
-                      <a:lumMod val="50000"/>
-                      <a:lumOff val="50000"/>
-                      <a:alpha val="0"/>
-                    </a:schemeClr>
-                  </a:solidFill>
-                </a:ln>
-                <a:solidFill>
-                  <a:schemeClr val="accent1">
-                    <a:lumMod val="50000"/>
-                  </a:schemeClr>
-                </a:solidFill>
-                <a:sym typeface="Wingdings" panose="05000000000000000000" pitchFamily="2" charset="2"/>
-              </a:rPr>
-              <a:t>load_config</a:t>
-            </a:r>
-            <a:r>
-              <a:rPr lang="en-US" altLang="ko-KR" sz="1400" b="1" dirty="0" smtClean="0">
-                <a:ln>
-                  <a:solidFill>
-                    <a:schemeClr val="tx1">
-                      <a:lumMod val="50000"/>
-                      <a:lumOff val="50000"/>
-                      <a:alpha val="0"/>
-                    </a:schemeClr>
-                  </a:solidFill>
-                </a:ln>
-                <a:solidFill>
-                  <a:schemeClr val="accent1">
-                    <a:lumMod val="50000"/>
-                  </a:schemeClr>
-                </a:solidFill>
-                <a:sym typeface="Wingdings" panose="05000000000000000000" pitchFamily="2" charset="2"/>
-              </a:rPr>
-              <a:t>)</a:t>
-            </a:r>
-            <a:endParaRPr lang="en-US" altLang="ko-KR" sz="1400" b="1" dirty="0" smtClean="0">
-              <a:ln>
-                <a:solidFill>
-                  <a:schemeClr val="tx1">
-                    <a:lumMod val="50000"/>
-                    <a:lumOff val="50000"/>
-                    <a:alpha val="0"/>
-                  </a:schemeClr>
-                </a:solidFill>
-              </a:ln>
-              <a:solidFill>
-                <a:schemeClr val="accent1">
-                  <a:lumMod val="50000"/>
-                </a:schemeClr>
               </a:solidFill>
             </a:endParaRPr>
           </a:p>
@@ -5764,21 +6901,22 @@
       </p:sp>
       <p:pic>
         <p:nvPicPr>
-          <p:cNvPr id="3" name="그림 2"/>
+          <p:cNvPr id="2" name="그림 1"/>
           <p:cNvPicPr>
             <a:picLocks noChangeAspect="1"/>
           </p:cNvPicPr>
           <p:nvPr/>
         </p:nvPicPr>
-        <p:blipFill rotWithShape="1">
+        <p:blipFill>
           <a:blip r:embed="rId2"/>
-          <a:srcRect t="1248"/>
-          <a:stretch/>
+          <a:stretch>
+            <a:fillRect/>
+          </a:stretch>
         </p:blipFill>
         <p:spPr>
           <a:xfrm>
-            <a:off x="1352600" y="1910182"/>
-            <a:ext cx="7048500" cy="2850071"/>
+            <a:off x="776536" y="2132855"/>
+            <a:ext cx="3315144" cy="3816425"/>
           </a:xfrm>
           <a:prstGeom prst="rect">
             <a:avLst/>
@@ -5792,6 +6930,395 @@
           </a:ln>
         </p:spPr>
       </p:pic>
+      <p:sp>
+        <p:nvSpPr>
+          <p:cNvPr id="7" name="직사각형 6"/>
+          <p:cNvSpPr/>
+          <p:nvPr/>
+        </p:nvSpPr>
+        <p:spPr>
+          <a:xfrm>
+            <a:off x="776536" y="2134615"/>
+            <a:ext cx="1836204" cy="214265"/>
+          </a:xfrm>
+          <a:prstGeom prst="rect">
+            <a:avLst/>
+          </a:prstGeom>
+          <a:noFill/>
+          <a:ln w="19050">
+            <a:solidFill>
+              <a:srgbClr val="FF0000"/>
+            </a:solidFill>
+          </a:ln>
+        </p:spPr>
+        <p:style>
+          <a:lnRef idx="2">
+            <a:schemeClr val="accent1">
+              <a:shade val="50000"/>
+            </a:schemeClr>
+          </a:lnRef>
+          <a:fillRef idx="1">
+            <a:schemeClr val="accent1"/>
+          </a:fillRef>
+          <a:effectRef idx="0">
+            <a:schemeClr val="accent1"/>
+          </a:effectRef>
+          <a:fontRef idx="minor">
+            <a:schemeClr val="lt1"/>
+          </a:fontRef>
+        </p:style>
+        <p:txBody>
+          <a:bodyPr rtlCol="0" anchor="ctr"/>
+          <a:lstStyle/>
+          <a:p>
+            <a:pPr algn="ctr"/>
+            <a:endParaRPr lang="ko-KR" altLang="en-US"/>
+          </a:p>
+        </p:txBody>
+      </p:sp>
+      <p:sp>
+        <p:nvSpPr>
+          <p:cNvPr id="8" name="직사각형 7"/>
+          <p:cNvSpPr/>
+          <p:nvPr/>
+        </p:nvSpPr>
+        <p:spPr>
+          <a:xfrm>
+            <a:off x="3044788" y="2528900"/>
+            <a:ext cx="936104" cy="216024"/>
+          </a:xfrm>
+          <a:prstGeom prst="rect">
+            <a:avLst/>
+          </a:prstGeom>
+          <a:noFill/>
+          <a:ln w="19050">
+            <a:solidFill>
+              <a:srgbClr val="FF0000"/>
+            </a:solidFill>
+          </a:ln>
+        </p:spPr>
+        <p:style>
+          <a:lnRef idx="2">
+            <a:schemeClr val="accent1">
+              <a:shade val="50000"/>
+            </a:schemeClr>
+          </a:lnRef>
+          <a:fillRef idx="1">
+            <a:schemeClr val="accent1"/>
+          </a:fillRef>
+          <a:effectRef idx="0">
+            <a:schemeClr val="accent1"/>
+          </a:effectRef>
+          <a:fontRef idx="minor">
+            <a:schemeClr val="lt1"/>
+          </a:fontRef>
+        </p:style>
+        <p:txBody>
+          <a:bodyPr rtlCol="0" anchor="ctr"/>
+          <a:lstStyle/>
+          <a:p>
+            <a:pPr algn="ctr"/>
+            <a:endParaRPr lang="ko-KR" altLang="en-US"/>
+          </a:p>
+        </p:txBody>
+      </p:sp>
+      <p:sp>
+        <p:nvSpPr>
+          <p:cNvPr id="9" name="직사각형 8"/>
+          <p:cNvSpPr/>
+          <p:nvPr/>
+        </p:nvSpPr>
+        <p:spPr>
+          <a:xfrm>
+            <a:off x="884548" y="2960948"/>
+            <a:ext cx="936104" cy="180020"/>
+          </a:xfrm>
+          <a:prstGeom prst="rect">
+            <a:avLst/>
+          </a:prstGeom>
+          <a:noFill/>
+          <a:ln w="19050">
+            <a:solidFill>
+              <a:srgbClr val="FF0000"/>
+            </a:solidFill>
+          </a:ln>
+        </p:spPr>
+        <p:style>
+          <a:lnRef idx="2">
+            <a:schemeClr val="accent1">
+              <a:shade val="50000"/>
+            </a:schemeClr>
+          </a:lnRef>
+          <a:fillRef idx="1">
+            <a:schemeClr val="accent1"/>
+          </a:fillRef>
+          <a:effectRef idx="0">
+            <a:schemeClr val="accent1"/>
+          </a:effectRef>
+          <a:fontRef idx="minor">
+            <a:schemeClr val="lt1"/>
+          </a:fontRef>
+        </p:style>
+        <p:txBody>
+          <a:bodyPr rtlCol="0" anchor="ctr"/>
+          <a:lstStyle/>
+          <a:p>
+            <a:pPr algn="ctr"/>
+            <a:endParaRPr lang="ko-KR" altLang="en-US"/>
+          </a:p>
+        </p:txBody>
+      </p:sp>
+      <p:sp>
+        <p:nvSpPr>
+          <p:cNvPr id="10" name="순서도: 처리 9"/>
+          <p:cNvSpPr/>
+          <p:nvPr/>
+        </p:nvSpPr>
+        <p:spPr>
+          <a:xfrm>
+            <a:off x="887324" y="6010213"/>
+            <a:ext cx="3093568" cy="301736"/>
+          </a:xfrm>
+          <a:prstGeom prst="flowChartProcess">
+            <a:avLst/>
+          </a:prstGeom>
+          <a:ln/>
+        </p:spPr>
+        <p:style>
+          <a:lnRef idx="2">
+            <a:schemeClr val="accent2"/>
+          </a:lnRef>
+          <a:fillRef idx="1">
+            <a:schemeClr val="lt1"/>
+          </a:fillRef>
+          <a:effectRef idx="0">
+            <a:schemeClr val="accent2"/>
+          </a:effectRef>
+          <a:fontRef idx="minor">
+            <a:schemeClr val="dk1"/>
+          </a:fontRef>
+        </p:style>
+        <p:txBody>
+          <a:bodyPr rtlCol="0" anchor="ctr"/>
+          <a:lstStyle/>
+          <a:p>
+            <a:pPr algn="ctr"/>
+            <a:r>
+              <a:rPr lang="en-US" altLang="ko-KR" sz="1100" dirty="0" smtClean="0"/>
+              <a:t>[</a:t>
+            </a:r>
+            <a:r>
+              <a:rPr lang="ko-KR" altLang="en-US" sz="1100" dirty="0" smtClean="0"/>
+              <a:t>점검 </a:t>
+            </a:r>
+            <a:r>
+              <a:rPr lang="ko-KR" altLang="en-US" sz="1100" dirty="0"/>
+              <a:t>방법</a:t>
+            </a:r>
+            <a:r>
+              <a:rPr lang="en-US" altLang="ko-KR" sz="1100" dirty="0" smtClean="0"/>
+              <a:t>] </a:t>
+            </a:r>
+            <a:r>
+              <a:rPr lang="en-US" altLang="ko-KR" sz="1100" dirty="0" smtClean="0"/>
+              <a:t> </a:t>
+            </a:r>
+            <a:r>
+              <a:rPr lang="ko-KR" altLang="en-US" sz="1100" dirty="0" smtClean="0"/>
+              <a:t>함수 및 </a:t>
+            </a:r>
+            <a:r>
+              <a:rPr lang="ko-KR" altLang="en-US" sz="1100" dirty="0" err="1" smtClean="0"/>
+              <a:t>조건문에</a:t>
+            </a:r>
+            <a:r>
+              <a:rPr lang="ko-KR" altLang="en-US" sz="1100" dirty="0" smtClean="0"/>
+              <a:t> 상수</a:t>
+            </a:r>
+            <a:r>
+              <a:rPr lang="en-US" altLang="ko-KR" sz="1100" dirty="0" smtClean="0"/>
+              <a:t> </a:t>
+            </a:r>
+            <a:r>
+              <a:rPr lang="ko-KR" altLang="en-US" sz="1100" dirty="0" smtClean="0"/>
+              <a:t>사용 체크</a:t>
+            </a:r>
+            <a:endParaRPr lang="en-US" altLang="ko-KR" sz="1100" dirty="0"/>
+          </a:p>
+        </p:txBody>
+      </p:sp>
+      <p:sp>
+        <p:nvSpPr>
+          <p:cNvPr id="11" name="순서도: 처리 10"/>
+          <p:cNvSpPr/>
+          <p:nvPr/>
+        </p:nvSpPr>
+        <p:spPr>
+          <a:xfrm>
+            <a:off x="6106314" y="5985027"/>
+            <a:ext cx="2626058" cy="305708"/>
+          </a:xfrm>
+          <a:prstGeom prst="flowChartProcess">
+            <a:avLst/>
+          </a:prstGeom>
+          <a:ln/>
+        </p:spPr>
+        <p:style>
+          <a:lnRef idx="2">
+            <a:schemeClr val="accent2"/>
+          </a:lnRef>
+          <a:fillRef idx="1">
+            <a:schemeClr val="lt1"/>
+          </a:fillRef>
+          <a:effectRef idx="0">
+            <a:schemeClr val="accent2"/>
+          </a:effectRef>
+          <a:fontRef idx="minor">
+            <a:schemeClr val="dk1"/>
+          </a:fontRef>
+        </p:style>
+        <p:txBody>
+          <a:bodyPr rtlCol="0" anchor="ctr"/>
+          <a:lstStyle/>
+          <a:p>
+            <a:pPr algn="ctr"/>
+            <a:r>
+              <a:rPr lang="en-US" altLang="ko-KR" sz="1100" dirty="0"/>
+              <a:t>[</a:t>
+            </a:r>
+            <a:r>
+              <a:rPr lang="ko-KR" altLang="en-US" sz="1100" dirty="0"/>
+              <a:t>개선 방법</a:t>
+            </a:r>
+            <a:r>
+              <a:rPr lang="en-US" altLang="ko-KR" sz="1100" dirty="0"/>
+              <a:t>] Define </a:t>
+            </a:r>
+            <a:r>
+              <a:rPr lang="ko-KR" altLang="en-US" sz="1100" dirty="0"/>
+              <a:t>변수로 선언하여 사용</a:t>
+            </a:r>
+            <a:endParaRPr lang="en-US" altLang="ko-KR" sz="1100" dirty="0"/>
+          </a:p>
+        </p:txBody>
+      </p:sp>
+      <p:sp>
+        <p:nvSpPr>
+          <p:cNvPr id="12" name="오른쪽 화살표 11"/>
+          <p:cNvSpPr/>
+          <p:nvPr/>
+        </p:nvSpPr>
+        <p:spPr>
+          <a:xfrm>
+            <a:off x="4882249" y="3791938"/>
+            <a:ext cx="464946" cy="432048"/>
+          </a:xfrm>
+          <a:prstGeom prst="rightArrow">
+            <a:avLst/>
+          </a:prstGeom>
+        </p:spPr>
+        <p:style>
+          <a:lnRef idx="2">
+            <a:schemeClr val="accent2">
+              <a:shade val="50000"/>
+            </a:schemeClr>
+          </a:lnRef>
+          <a:fillRef idx="1">
+            <a:schemeClr val="accent2"/>
+          </a:fillRef>
+          <a:effectRef idx="0">
+            <a:schemeClr val="accent2"/>
+          </a:effectRef>
+          <a:fontRef idx="minor">
+            <a:schemeClr val="lt1"/>
+          </a:fontRef>
+        </p:style>
+        <p:txBody>
+          <a:bodyPr rtlCol="0" anchor="ctr"/>
+          <a:lstStyle/>
+          <a:p>
+            <a:pPr algn="ctr"/>
+            <a:endParaRPr lang="ko-KR" altLang="en-US"/>
+          </a:p>
+        </p:txBody>
+      </p:sp>
+      <p:pic>
+        <p:nvPicPr>
+          <p:cNvPr id="4" name="그림 3"/>
+          <p:cNvPicPr>
+            <a:picLocks noChangeAspect="1"/>
+          </p:cNvPicPr>
+          <p:nvPr/>
+        </p:nvPicPr>
+        <p:blipFill>
+          <a:blip r:embed="rId3"/>
+          <a:stretch>
+            <a:fillRect/>
+          </a:stretch>
+        </p:blipFill>
+        <p:spPr>
+          <a:xfrm>
+            <a:off x="5925248" y="2132854"/>
+            <a:ext cx="2988191" cy="3744417"/>
+          </a:xfrm>
+          <a:prstGeom prst="rect">
+            <a:avLst/>
+          </a:prstGeom>
+          <a:ln>
+            <a:solidFill>
+              <a:schemeClr val="bg1">
+                <a:lumMod val="75000"/>
+              </a:schemeClr>
+            </a:solidFill>
+          </a:ln>
+        </p:spPr>
+      </p:pic>
+      <p:sp>
+        <p:nvSpPr>
+          <p:cNvPr id="13" name="직사각형 12"/>
+          <p:cNvSpPr/>
+          <p:nvPr/>
+        </p:nvSpPr>
+        <p:spPr>
+          <a:xfrm>
+            <a:off x="5925248" y="2132854"/>
+            <a:ext cx="2880180" cy="1512170"/>
+          </a:xfrm>
+          <a:prstGeom prst="rect">
+            <a:avLst/>
+          </a:prstGeom>
+          <a:noFill/>
+          <a:ln w="19050">
+            <a:solidFill>
+              <a:srgbClr val="FF0000"/>
+            </a:solidFill>
+          </a:ln>
+        </p:spPr>
+        <p:style>
+          <a:lnRef idx="2">
+            <a:schemeClr val="accent1">
+              <a:shade val="50000"/>
+            </a:schemeClr>
+          </a:lnRef>
+          <a:fillRef idx="1">
+            <a:schemeClr val="accent1"/>
+          </a:fillRef>
+          <a:effectRef idx="0">
+            <a:schemeClr val="accent1"/>
+          </a:effectRef>
+          <a:fontRef idx="minor">
+            <a:schemeClr val="lt1"/>
+          </a:fontRef>
+        </p:style>
+        <p:txBody>
+          <a:bodyPr rtlCol="0" anchor="ctr"/>
+          <a:lstStyle/>
+          <a:p>
+            <a:pPr algn="ctr"/>
+            <a:endParaRPr lang="ko-KR" altLang="en-US"/>
+          </a:p>
+        </p:txBody>
+      </p:sp>
     </p:spTree>
     <p:extLst>
       <p:ext uri="{BB962C8B-B14F-4D97-AF65-F5344CB8AC3E}">
@@ -7456,7 +8983,7 @@
         <p:spPr>
           <a:xfrm>
             <a:off x="345600" y="980728"/>
-            <a:ext cx="9342704" cy="462627"/>
+            <a:ext cx="9342704" cy="1800493"/>
           </a:xfrm>
           <a:prstGeom prst="rect">
             <a:avLst/>
@@ -7489,24 +9016,7 @@
                   <a:srgbClr val="E9520B"/>
                 </a:solidFill>
               </a:rPr>
-              <a:t>■ </a:t>
-            </a:r>
-            <a:r>
-              <a:rPr lang="ko-KR" altLang="en-US" b="1" dirty="0" smtClean="0">
-                <a:ln>
-                  <a:solidFill>
-                    <a:schemeClr val="tx1">
-                      <a:lumMod val="50000"/>
-                      <a:lumOff val="50000"/>
-                      <a:alpha val="0"/>
-                    </a:schemeClr>
-                  </a:solidFill>
-                </a:ln>
-                <a:solidFill>
-                  <a:srgbClr val="E9520B"/>
-                </a:solidFill>
-              </a:rPr>
-              <a:t>코드 리뷰 점검 가능 항목</a:t>
+              <a:t>■ 코드 리뷰 점검 가능 항목</a:t>
             </a:r>
             <a:endParaRPr lang="en-US" altLang="ko-KR" b="1" dirty="0" smtClean="0">
               <a:ln>
@@ -7521,6 +9031,461 @@
               <a:solidFill>
                 <a:srgbClr val="E9520B"/>
               </a:solidFill>
+            </a:endParaRPr>
+          </a:p>
+          <a:p>
+            <a:pPr marL="742950" lvl="1" indent="-285750">
+              <a:lnSpc>
+                <a:spcPct val="150000"/>
+              </a:lnSpc>
+              <a:buFontTx/>
+              <a:buChar char="-"/>
+            </a:pPr>
+            <a:r>
+              <a:rPr lang="en-US" altLang="ko-KR" sz="1400" b="1" dirty="0" smtClean="0">
+                <a:ln>
+                  <a:solidFill>
+                    <a:schemeClr val="tx1">
+                      <a:lumMod val="50000"/>
+                      <a:lumOff val="50000"/>
+                      <a:alpha val="0"/>
+                    </a:schemeClr>
+                  </a:solidFill>
+                </a:ln>
+              </a:rPr>
+              <a:t>[</a:t>
+            </a:r>
+            <a:r>
+              <a:rPr lang="ko-KR" altLang="en-US" sz="1400" b="1" dirty="0" smtClean="0">
+                <a:ln>
+                  <a:solidFill>
+                    <a:schemeClr val="tx1">
+                      <a:lumMod val="50000"/>
+                      <a:lumOff val="50000"/>
+                      <a:alpha val="0"/>
+                    </a:schemeClr>
+                  </a:solidFill>
+                </a:ln>
+              </a:rPr>
+              <a:t>기존</a:t>
+            </a:r>
+            <a:r>
+              <a:rPr lang="en-US" altLang="ko-KR" sz="1400" b="1" dirty="0" smtClean="0">
+                <a:ln>
+                  <a:solidFill>
+                    <a:schemeClr val="tx1">
+                      <a:lumMod val="50000"/>
+                      <a:lumOff val="50000"/>
+                      <a:alpha val="0"/>
+                    </a:schemeClr>
+                  </a:solidFill>
+                </a:ln>
+              </a:rPr>
+              <a:t>] </a:t>
+            </a:r>
+            <a:r>
+              <a:rPr lang="ko-KR" altLang="en-US" sz="1400" b="1" dirty="0" smtClean="0">
+                <a:ln>
+                  <a:solidFill>
+                    <a:schemeClr val="tx1">
+                      <a:lumMod val="50000"/>
+                      <a:lumOff val="50000"/>
+                      <a:alpha val="0"/>
+                    </a:schemeClr>
+                  </a:solidFill>
+                </a:ln>
+              </a:rPr>
+              <a:t>총 </a:t>
+            </a:r>
+            <a:r>
+              <a:rPr lang="en-US" altLang="ko-KR" sz="1400" b="1" dirty="0" smtClean="0">
+                <a:ln>
+                  <a:solidFill>
+                    <a:schemeClr val="tx1">
+                      <a:lumMod val="50000"/>
+                      <a:lumOff val="50000"/>
+                      <a:alpha val="0"/>
+                    </a:schemeClr>
+                  </a:solidFill>
+                </a:ln>
+              </a:rPr>
+              <a:t>17 </a:t>
+            </a:r>
+            <a:r>
+              <a:rPr lang="ko-KR" altLang="en-US" sz="1400" b="1" dirty="0" smtClean="0">
+                <a:ln>
+                  <a:solidFill>
+                    <a:schemeClr val="tx1">
+                      <a:lumMod val="50000"/>
+                      <a:lumOff val="50000"/>
+                      <a:alpha val="0"/>
+                    </a:schemeClr>
+                  </a:solidFill>
+                </a:ln>
+              </a:rPr>
+              <a:t>항목 </a:t>
+            </a:r>
+            <a:r>
+              <a:rPr lang="ko-KR" altLang="en-US" sz="1400" b="1" dirty="0" smtClean="0">
+                <a:ln>
+                  <a:solidFill>
+                    <a:schemeClr val="tx1">
+                      <a:lumMod val="50000"/>
+                      <a:lumOff val="50000"/>
+                      <a:alpha val="0"/>
+                    </a:schemeClr>
+                  </a:solidFill>
+                </a:ln>
+              </a:rPr>
+              <a:t> </a:t>
+            </a:r>
+            <a:r>
+              <a:rPr lang="en-US" altLang="ko-KR" sz="1400" b="1" dirty="0" smtClean="0">
+                <a:ln>
+                  <a:solidFill>
+                    <a:schemeClr val="tx1">
+                      <a:lumMod val="50000"/>
+                      <a:lumOff val="50000"/>
+                      <a:alpha val="0"/>
+                    </a:schemeClr>
+                  </a:solidFill>
+                </a:ln>
+                <a:sym typeface="Wingdings" panose="05000000000000000000" pitchFamily="2" charset="2"/>
+              </a:rPr>
+              <a:t></a:t>
+            </a:r>
+            <a:r>
+              <a:rPr lang="ko-KR" altLang="en-US" sz="1400" b="1" dirty="0" smtClean="0">
+                <a:ln>
+                  <a:solidFill>
+                    <a:schemeClr val="tx1">
+                      <a:lumMod val="50000"/>
+                      <a:lumOff val="50000"/>
+                      <a:alpha val="0"/>
+                    </a:schemeClr>
+                  </a:solidFill>
+                </a:ln>
+              </a:rPr>
+              <a:t> </a:t>
+            </a:r>
+            <a:r>
+              <a:rPr lang="en-US" altLang="ko-KR" sz="1400" b="1" dirty="0" smtClean="0">
+                <a:ln>
+                  <a:solidFill>
+                    <a:schemeClr val="tx1">
+                      <a:lumMod val="50000"/>
+                      <a:lumOff val="50000"/>
+                      <a:alpha val="0"/>
+                    </a:schemeClr>
+                  </a:solidFill>
+                </a:ln>
+              </a:rPr>
+              <a:t>9</a:t>
+            </a:r>
+            <a:r>
+              <a:rPr lang="ko-KR" altLang="en-US" sz="1400" b="1" dirty="0" smtClean="0">
+                <a:ln>
+                  <a:solidFill>
+                    <a:schemeClr val="tx1">
+                      <a:lumMod val="50000"/>
+                      <a:lumOff val="50000"/>
+                      <a:alpha val="0"/>
+                    </a:schemeClr>
+                  </a:solidFill>
+                </a:ln>
+              </a:rPr>
+              <a:t>항목 </a:t>
+            </a:r>
+            <a:r>
+              <a:rPr lang="ko-KR" altLang="en-US" sz="1400" b="1" dirty="0" smtClean="0">
+                <a:ln>
+                  <a:solidFill>
+                    <a:schemeClr val="tx1">
+                      <a:lumMod val="50000"/>
+                      <a:lumOff val="50000"/>
+                      <a:alpha val="0"/>
+                    </a:schemeClr>
+                  </a:solidFill>
+                </a:ln>
+              </a:rPr>
+              <a:t>점검 가능</a:t>
+            </a:r>
+            <a:endParaRPr lang="en-US" altLang="ko-KR" sz="1400" b="1" dirty="0">
+              <a:ln>
+                <a:solidFill>
+                  <a:schemeClr val="tx1">
+                    <a:lumMod val="50000"/>
+                    <a:lumOff val="50000"/>
+                    <a:alpha val="0"/>
+                  </a:schemeClr>
+                </a:solidFill>
+              </a:ln>
+            </a:endParaRPr>
+          </a:p>
+          <a:p>
+            <a:pPr marL="742950" lvl="1" indent="-285750">
+              <a:lnSpc>
+                <a:spcPct val="150000"/>
+              </a:lnSpc>
+              <a:buFontTx/>
+              <a:buChar char="-"/>
+            </a:pPr>
+            <a:r>
+              <a:rPr lang="en-US" altLang="ko-KR" sz="1400" b="1" dirty="0" smtClean="0">
+                <a:ln>
+                  <a:solidFill>
+                    <a:schemeClr val="tx1">
+                      <a:lumMod val="50000"/>
+                      <a:lumOff val="50000"/>
+                      <a:alpha val="0"/>
+                    </a:schemeClr>
+                  </a:solidFill>
+                </a:ln>
+              </a:rPr>
+              <a:t>[</a:t>
+            </a:r>
+            <a:r>
+              <a:rPr lang="ko-KR" altLang="en-US" sz="1400" b="1" dirty="0" smtClean="0">
+                <a:ln>
+                  <a:solidFill>
+                    <a:schemeClr val="tx1">
+                      <a:lumMod val="50000"/>
+                      <a:lumOff val="50000"/>
+                      <a:alpha val="0"/>
+                    </a:schemeClr>
+                  </a:solidFill>
+                </a:ln>
+              </a:rPr>
+              <a:t>변경</a:t>
+            </a:r>
+            <a:r>
+              <a:rPr lang="en-US" altLang="ko-KR" sz="1400" b="1" dirty="0" smtClean="0">
+                <a:ln>
+                  <a:solidFill>
+                    <a:schemeClr val="tx1">
+                      <a:lumMod val="50000"/>
+                      <a:lumOff val="50000"/>
+                      <a:alpha val="0"/>
+                    </a:schemeClr>
+                  </a:solidFill>
+                </a:ln>
+              </a:rPr>
+              <a:t>] </a:t>
+            </a:r>
+            <a:r>
+              <a:rPr lang="ko-KR" altLang="en-US" sz="1400" b="1" dirty="0" smtClean="0">
+                <a:ln>
+                  <a:solidFill>
+                    <a:schemeClr val="tx1">
+                      <a:lumMod val="50000"/>
+                      <a:lumOff val="50000"/>
+                      <a:alpha val="0"/>
+                    </a:schemeClr>
+                  </a:solidFill>
+                </a:ln>
+              </a:rPr>
+              <a:t>총 </a:t>
+            </a:r>
+            <a:r>
+              <a:rPr lang="en-US" altLang="ko-KR" sz="1400" b="1" dirty="0" smtClean="0">
+                <a:ln>
+                  <a:solidFill>
+                    <a:schemeClr val="tx1">
+                      <a:lumMod val="50000"/>
+                      <a:lumOff val="50000"/>
+                      <a:alpha val="0"/>
+                    </a:schemeClr>
+                  </a:solidFill>
+                </a:ln>
+              </a:rPr>
+              <a:t>11 </a:t>
+            </a:r>
+            <a:r>
+              <a:rPr lang="ko-KR" altLang="en-US" sz="1400" b="1" dirty="0" smtClean="0">
+                <a:ln>
+                  <a:solidFill>
+                    <a:schemeClr val="tx1">
+                      <a:lumMod val="50000"/>
+                      <a:lumOff val="50000"/>
+                      <a:alpha val="0"/>
+                    </a:schemeClr>
+                  </a:solidFill>
+                </a:ln>
+              </a:rPr>
+              <a:t>항목 </a:t>
+            </a:r>
+            <a:r>
+              <a:rPr lang="en-US" altLang="ko-KR" sz="1400" b="1" dirty="0">
+                <a:ln>
+                  <a:solidFill>
+                    <a:schemeClr val="tx1">
+                      <a:lumMod val="50000"/>
+                      <a:lumOff val="50000"/>
+                      <a:alpha val="0"/>
+                    </a:schemeClr>
+                  </a:solidFill>
+                </a:ln>
+                <a:sym typeface="Wingdings" panose="05000000000000000000" pitchFamily="2" charset="2"/>
+              </a:rPr>
+              <a:t> </a:t>
+            </a:r>
+            <a:r>
+              <a:rPr lang="en-US" altLang="ko-KR" sz="1400" b="1" dirty="0" smtClean="0">
+                <a:ln>
+                  <a:solidFill>
+                    <a:schemeClr val="tx1">
+                      <a:lumMod val="50000"/>
+                      <a:lumOff val="50000"/>
+                      <a:alpha val="0"/>
+                    </a:schemeClr>
+                  </a:solidFill>
+                </a:ln>
+                <a:sym typeface="Wingdings" panose="05000000000000000000" pitchFamily="2" charset="2"/>
+              </a:rPr>
+              <a:t> 9</a:t>
+            </a:r>
+            <a:r>
+              <a:rPr lang="ko-KR" altLang="en-US" sz="1400" b="1" dirty="0" smtClean="0">
+                <a:ln>
+                  <a:solidFill>
+                    <a:schemeClr val="tx1">
+                      <a:lumMod val="50000"/>
+                      <a:lumOff val="50000"/>
+                      <a:alpha val="0"/>
+                    </a:schemeClr>
+                  </a:solidFill>
+                </a:ln>
+                <a:sym typeface="Wingdings" panose="05000000000000000000" pitchFamily="2" charset="2"/>
+              </a:rPr>
+              <a:t>항목 점검 가능</a:t>
+            </a:r>
+            <a:endParaRPr lang="en-US" altLang="ko-KR" sz="1400" b="1" dirty="0">
+              <a:ln>
+                <a:solidFill>
+                  <a:schemeClr val="tx1">
+                    <a:lumMod val="50000"/>
+                    <a:lumOff val="50000"/>
+                    <a:alpha val="0"/>
+                  </a:schemeClr>
+                </a:solidFill>
+              </a:ln>
+              <a:sym typeface="Wingdings" panose="05000000000000000000" pitchFamily="2" charset="2"/>
+            </a:endParaRPr>
+          </a:p>
+          <a:p>
+            <a:pPr marL="742950" lvl="1" indent="-285750">
+              <a:lnSpc>
+                <a:spcPct val="150000"/>
+              </a:lnSpc>
+              <a:buFontTx/>
+              <a:buChar char="-"/>
+            </a:pPr>
+            <a:r>
+              <a:rPr lang="en-US" altLang="ko-KR" sz="1400" b="1" dirty="0" err="1" smtClean="0">
+                <a:ln>
+                  <a:solidFill>
+                    <a:schemeClr val="tx1">
+                      <a:lumMod val="50000"/>
+                      <a:lumOff val="50000"/>
+                      <a:alpha val="0"/>
+                    </a:schemeClr>
+                  </a:solidFill>
+                </a:ln>
+                <a:sym typeface="Wingdings" panose="05000000000000000000" pitchFamily="2" charset="2"/>
+              </a:rPr>
+              <a:t>CodeReview</a:t>
+            </a:r>
+            <a:r>
+              <a:rPr lang="en-US" altLang="ko-KR" sz="1400" b="1" dirty="0" smtClean="0">
+                <a:ln>
+                  <a:solidFill>
+                    <a:schemeClr val="tx1">
+                      <a:lumMod val="50000"/>
+                      <a:lumOff val="50000"/>
+                      <a:alpha val="0"/>
+                    </a:schemeClr>
+                  </a:solidFill>
+                </a:ln>
+                <a:sym typeface="Wingdings" panose="05000000000000000000" pitchFamily="2" charset="2"/>
+              </a:rPr>
+              <a:t> </a:t>
+            </a:r>
+            <a:r>
+              <a:rPr lang="ko-KR" altLang="en-US" sz="1400" b="1" dirty="0" smtClean="0">
+                <a:ln>
+                  <a:solidFill>
+                    <a:schemeClr val="tx1">
+                      <a:lumMod val="50000"/>
+                      <a:lumOff val="50000"/>
+                      <a:alpha val="0"/>
+                    </a:schemeClr>
+                  </a:solidFill>
+                </a:ln>
+                <a:sym typeface="Wingdings" panose="05000000000000000000" pitchFamily="2" charset="2"/>
+              </a:rPr>
+              <a:t>점검 결과 </a:t>
+            </a:r>
+            <a:r>
+              <a:rPr lang="en-US" altLang="ko-KR" sz="1400" b="1" dirty="0" smtClean="0">
+                <a:ln>
+                  <a:solidFill>
+                    <a:schemeClr val="tx1">
+                      <a:lumMod val="50000"/>
+                      <a:lumOff val="50000"/>
+                      <a:alpha val="0"/>
+                    </a:schemeClr>
+                  </a:solidFill>
+                </a:ln>
+                <a:sym typeface="Wingdings" panose="05000000000000000000" pitchFamily="2" charset="2"/>
+              </a:rPr>
+              <a:t>Export </a:t>
+            </a:r>
+            <a:r>
+              <a:rPr lang="ko-KR" altLang="en-US" sz="1400" b="1" dirty="0" smtClean="0">
+                <a:ln>
+                  <a:solidFill>
+                    <a:schemeClr val="tx1">
+                      <a:lumMod val="50000"/>
+                      <a:lumOff val="50000"/>
+                      <a:alpha val="0"/>
+                    </a:schemeClr>
+                  </a:solidFill>
+                </a:ln>
+                <a:sym typeface="Wingdings" panose="05000000000000000000" pitchFamily="2" charset="2"/>
+              </a:rPr>
+              <a:t>기능 구현</a:t>
+            </a:r>
+            <a:endParaRPr lang="en-US" altLang="ko-KR" sz="1400" b="1" dirty="0" smtClean="0">
+              <a:ln>
+                <a:solidFill>
+                  <a:schemeClr val="tx1">
+                    <a:lumMod val="50000"/>
+                    <a:lumOff val="50000"/>
+                    <a:alpha val="0"/>
+                  </a:schemeClr>
+                </a:solidFill>
+              </a:ln>
+              <a:sym typeface="Wingdings" panose="05000000000000000000" pitchFamily="2" charset="2"/>
+            </a:endParaRPr>
+          </a:p>
+          <a:p>
+            <a:pPr marL="742950" lvl="1" indent="-285750">
+              <a:lnSpc>
+                <a:spcPct val="150000"/>
+              </a:lnSpc>
+              <a:buFontTx/>
+              <a:buChar char="-"/>
+            </a:pPr>
+            <a:endParaRPr lang="en-US" altLang="ko-KR" sz="1400" b="1" dirty="0" smtClean="0">
+              <a:ln>
+                <a:solidFill>
+                  <a:schemeClr val="tx1">
+                    <a:lumMod val="50000"/>
+                    <a:lumOff val="50000"/>
+                    <a:alpha val="0"/>
+                  </a:schemeClr>
+                </a:solidFill>
+              </a:ln>
             </a:endParaRPr>
           </a:p>
         </p:txBody>
@@ -12543,7 +14508,7 @@
         <p:spPr>
           <a:xfrm>
             <a:off x="345600" y="980728"/>
-            <a:ext cx="9342704" cy="830997"/>
+            <a:ext cx="9342704" cy="1154162"/>
           </a:xfrm>
           <a:prstGeom prst="rect">
             <a:avLst/>
@@ -12859,7 +14824,183 @@
               </a:rPr>
               <a:t>동작 조건 코드 사용 확인</a:t>
             </a:r>
-            <a:endParaRPr lang="en-US" altLang="ko-KR" sz="1400" b="1" dirty="0" smtClean="0">
+            <a:r>
+              <a:rPr lang="en-US" altLang="ko-KR" sz="1400" b="1" dirty="0" smtClean="0">
+                <a:ln>
+                  <a:solidFill>
+                    <a:schemeClr val="tx1">
+                      <a:lumMod val="50000"/>
+                      <a:lumOff val="50000"/>
+                      <a:alpha val="0"/>
+                    </a:schemeClr>
+                  </a:solidFill>
+                </a:ln>
+              </a:rPr>
+              <a:t/>
+            </a:r>
+            <a:br>
+              <a:rPr lang="en-US" altLang="ko-KR" sz="1400" b="1" dirty="0" smtClean="0">
+                <a:ln>
+                  <a:solidFill>
+                    <a:schemeClr val="tx1">
+                      <a:lumMod val="50000"/>
+                      <a:lumOff val="50000"/>
+                      <a:alpha val="0"/>
+                    </a:schemeClr>
+                  </a:solidFill>
+                </a:ln>
+              </a:rPr>
+            </a:br>
+            <a:r>
+              <a:rPr lang="en-US" altLang="ko-KR" sz="1400" b="1" dirty="0" smtClean="0">
+                <a:ln>
+                  <a:solidFill>
+                    <a:schemeClr val="tx1">
+                      <a:lumMod val="50000"/>
+                      <a:lumOff val="50000"/>
+                      <a:alpha val="0"/>
+                    </a:schemeClr>
+                  </a:solidFill>
+                </a:ln>
+              </a:rPr>
+              <a:t> </a:t>
+            </a:r>
+            <a:r>
+              <a:rPr lang="en-US" altLang="ko-KR" sz="1200" dirty="0" smtClean="0">
+                <a:ln>
+                  <a:solidFill>
+                    <a:schemeClr val="tx1">
+                      <a:lumMod val="50000"/>
+                      <a:lumOff val="50000"/>
+                      <a:alpha val="0"/>
+                    </a:schemeClr>
+                  </a:solidFill>
+                </a:ln>
+                <a:sym typeface="Wingdings" panose="05000000000000000000" pitchFamily="2" charset="2"/>
+              </a:rPr>
+              <a:t> </a:t>
+            </a:r>
+            <a:r>
+              <a:rPr lang="ko-KR" altLang="en-US" sz="1200" dirty="0" smtClean="0">
+                <a:ln>
+                  <a:solidFill>
+                    <a:schemeClr val="tx1">
+                      <a:lumMod val="50000"/>
+                      <a:lumOff val="50000"/>
+                      <a:alpha val="0"/>
+                    </a:schemeClr>
+                  </a:solidFill>
+                </a:ln>
+                <a:sym typeface="Wingdings" panose="05000000000000000000" pitchFamily="2" charset="2"/>
+              </a:rPr>
+              <a:t>중복 동작 방지</a:t>
+            </a:r>
+            <a:r>
+              <a:rPr lang="en-US" altLang="ko-KR" sz="1200" dirty="0" smtClean="0">
+                <a:ln>
+                  <a:solidFill>
+                    <a:schemeClr val="tx1">
+                      <a:lumMod val="50000"/>
+                      <a:lumOff val="50000"/>
+                      <a:alpha val="0"/>
+                    </a:schemeClr>
+                  </a:solidFill>
+                </a:ln>
+                <a:sym typeface="Wingdings" panose="05000000000000000000" pitchFamily="2" charset="2"/>
+              </a:rPr>
+              <a:t>(Passive </a:t>
+            </a:r>
+            <a:r>
+              <a:rPr lang="ko-KR" altLang="en-US" sz="1200" dirty="0" smtClean="0">
+                <a:ln>
+                  <a:solidFill>
+                    <a:schemeClr val="tx1">
+                      <a:lumMod val="50000"/>
+                      <a:lumOff val="50000"/>
+                      <a:alpha val="0"/>
+                    </a:schemeClr>
+                  </a:solidFill>
+                </a:ln>
+                <a:sym typeface="Wingdings" panose="05000000000000000000" pitchFamily="2" charset="2"/>
+              </a:rPr>
+              <a:t>서버 동작</a:t>
+            </a:r>
+            <a:r>
+              <a:rPr lang="en-US" altLang="ko-KR" sz="1200" dirty="0" smtClean="0">
+                <a:ln>
+                  <a:solidFill>
+                    <a:schemeClr val="tx1">
+                      <a:lumMod val="50000"/>
+                      <a:lumOff val="50000"/>
+                      <a:alpha val="0"/>
+                    </a:schemeClr>
+                  </a:solidFill>
+                </a:ln>
+                <a:sym typeface="Wingdings" panose="05000000000000000000" pitchFamily="2" charset="2"/>
+              </a:rPr>
+              <a:t>)</a:t>
+            </a:r>
+            <a:r>
+              <a:rPr lang="ko-KR" altLang="en-US" sz="1200" dirty="0" smtClean="0">
+                <a:ln>
+                  <a:solidFill>
+                    <a:schemeClr val="tx1">
+                      <a:lumMod val="50000"/>
+                      <a:lumOff val="50000"/>
+                      <a:alpha val="0"/>
+                    </a:schemeClr>
+                  </a:solidFill>
+                </a:ln>
+                <a:sym typeface="Wingdings" panose="05000000000000000000" pitchFamily="2" charset="2"/>
+              </a:rPr>
+              <a:t>를 위해서 </a:t>
+            </a:r>
+            <a:r>
+              <a:rPr lang="en-US" altLang="ko-KR" sz="1200" dirty="0" err="1" smtClean="0">
+                <a:ln>
+                  <a:solidFill>
+                    <a:schemeClr val="tx1">
+                      <a:lumMod val="50000"/>
+                      <a:lumOff val="50000"/>
+                      <a:alpha val="0"/>
+                    </a:schemeClr>
+                  </a:solidFill>
+                </a:ln>
+                <a:sym typeface="Wingdings" panose="05000000000000000000" pitchFamily="2" charset="2"/>
+              </a:rPr>
+              <a:t>Acitve</a:t>
+            </a:r>
+            <a:r>
+              <a:rPr lang="en-US" altLang="ko-KR" sz="1200" dirty="0" smtClean="0">
+                <a:ln>
+                  <a:solidFill>
+                    <a:schemeClr val="tx1">
+                      <a:lumMod val="50000"/>
+                      <a:lumOff val="50000"/>
+                      <a:alpha val="0"/>
+                    </a:schemeClr>
+                  </a:solidFill>
+                </a:ln>
+                <a:sym typeface="Wingdings" panose="05000000000000000000" pitchFamily="2" charset="2"/>
+              </a:rPr>
+              <a:t> </a:t>
+            </a:r>
+            <a:r>
+              <a:rPr lang="ko-KR" altLang="en-US" sz="1200" dirty="0" smtClean="0">
+                <a:ln>
+                  <a:solidFill>
+                    <a:schemeClr val="tx1">
+                      <a:lumMod val="50000"/>
+                      <a:lumOff val="50000"/>
+                      <a:alpha val="0"/>
+                    </a:schemeClr>
+                  </a:solidFill>
+                </a:ln>
+                <a:sym typeface="Wingdings" panose="05000000000000000000" pitchFamily="2" charset="2"/>
+              </a:rPr>
+              <a:t>동작 조건을 확인</a:t>
+            </a:r>
+            <a:endParaRPr lang="en-US" altLang="ko-KR" sz="1400" dirty="0" smtClean="0">
               <a:ln>
                 <a:solidFill>
                   <a:schemeClr val="tx1">
@@ -12939,7 +15080,7 @@
         </p:blipFill>
         <p:spPr>
           <a:xfrm>
-            <a:off x="1784648" y="2063753"/>
+            <a:off x="1748644" y="2340752"/>
             <a:ext cx="6264696" cy="2160240"/>
           </a:xfrm>
           <a:prstGeom prst="rect">
@@ -13000,7 +15141,7 @@
         <p:spPr>
           <a:xfrm>
             <a:off x="345600" y="980728"/>
-            <a:ext cx="9342704" cy="830997"/>
+            <a:ext cx="9342704" cy="1154162"/>
           </a:xfrm>
           <a:prstGeom prst="rect">
             <a:avLst/>
@@ -13296,7 +15437,183 @@
               </a:rPr>
               <a:t>코드 적용 확인</a:t>
             </a:r>
-            <a:endParaRPr lang="en-US" altLang="ko-KR" sz="1400" b="1" dirty="0" smtClean="0">
+            <a:r>
+              <a:rPr lang="en-US" altLang="ko-KR" sz="1400" b="1" dirty="0" smtClean="0">
+                <a:ln>
+                  <a:solidFill>
+                    <a:schemeClr val="tx1">
+                      <a:lumMod val="50000"/>
+                      <a:lumOff val="50000"/>
+                      <a:alpha val="0"/>
+                    </a:schemeClr>
+                  </a:solidFill>
+                </a:ln>
+              </a:rPr>
+              <a:t/>
+            </a:r>
+            <a:br>
+              <a:rPr lang="en-US" altLang="ko-KR" sz="1400" b="1" dirty="0" smtClean="0">
+                <a:ln>
+                  <a:solidFill>
+                    <a:schemeClr val="tx1">
+                      <a:lumMod val="50000"/>
+                      <a:lumOff val="50000"/>
+                      <a:alpha val="0"/>
+                    </a:schemeClr>
+                  </a:solidFill>
+                </a:ln>
+              </a:rPr>
+            </a:br>
+            <a:r>
+              <a:rPr lang="en-US" altLang="ko-KR" sz="1400" b="1" dirty="0" smtClean="0">
+                <a:ln>
+                  <a:solidFill>
+                    <a:schemeClr val="tx1">
+                      <a:lumMod val="50000"/>
+                      <a:lumOff val="50000"/>
+                      <a:alpha val="0"/>
+                    </a:schemeClr>
+                  </a:solidFill>
+                </a:ln>
+              </a:rPr>
+              <a:t>  </a:t>
+            </a:r>
+            <a:r>
+              <a:rPr lang="en-US" altLang="ko-KR" sz="1200" dirty="0" smtClean="0">
+                <a:ln>
+                  <a:solidFill>
+                    <a:schemeClr val="tx1">
+                      <a:lumMod val="50000"/>
+                      <a:lumOff val="50000"/>
+                      <a:alpha val="0"/>
+                    </a:schemeClr>
+                  </a:solidFill>
+                </a:ln>
+                <a:sym typeface="Wingdings" panose="05000000000000000000" pitchFamily="2" charset="2"/>
+              </a:rPr>
+              <a:t> while</a:t>
+            </a:r>
+            <a:r>
+              <a:rPr lang="ko-KR" altLang="en-US" sz="1200" dirty="0" smtClean="0">
+                <a:ln>
+                  <a:solidFill>
+                    <a:schemeClr val="tx1">
+                      <a:lumMod val="50000"/>
+                      <a:lumOff val="50000"/>
+                      <a:alpha val="0"/>
+                    </a:schemeClr>
+                  </a:solidFill>
+                </a:ln>
+                <a:sym typeface="Wingdings" panose="05000000000000000000" pitchFamily="2" charset="2"/>
+              </a:rPr>
+              <a:t>문에서 </a:t>
+            </a:r>
+            <a:r>
+              <a:rPr lang="en-US" altLang="ko-KR" sz="1200" dirty="0" smtClean="0">
+                <a:ln>
+                  <a:solidFill>
+                    <a:schemeClr val="tx1">
+                      <a:lumMod val="50000"/>
+                      <a:lumOff val="50000"/>
+                      <a:alpha val="0"/>
+                    </a:schemeClr>
+                  </a:solidFill>
+                </a:ln>
+                <a:sym typeface="Wingdings" panose="05000000000000000000" pitchFamily="2" charset="2"/>
+              </a:rPr>
+              <a:t>delay </a:t>
+            </a:r>
+            <a:r>
+              <a:rPr lang="ko-KR" altLang="en-US" sz="1200" dirty="0" smtClean="0">
+                <a:ln>
+                  <a:solidFill>
+                    <a:schemeClr val="tx1">
+                      <a:lumMod val="50000"/>
+                      <a:lumOff val="50000"/>
+                      <a:alpha val="0"/>
+                    </a:schemeClr>
+                  </a:solidFill>
+                </a:ln>
+                <a:sym typeface="Wingdings" panose="05000000000000000000" pitchFamily="2" charset="2"/>
+              </a:rPr>
+              <a:t>설정이 누락된 경우 동작 중인 </a:t>
+            </a:r>
+            <a:r>
+              <a:rPr lang="en-US" altLang="ko-KR" sz="1200" dirty="0" smtClean="0">
+                <a:ln>
+                  <a:solidFill>
+                    <a:schemeClr val="tx1">
+                      <a:lumMod val="50000"/>
+                      <a:lumOff val="50000"/>
+                      <a:alpha val="0"/>
+                    </a:schemeClr>
+                  </a:solidFill>
+                </a:ln>
+                <a:sym typeface="Wingdings" panose="05000000000000000000" pitchFamily="2" charset="2"/>
+              </a:rPr>
+              <a:t>Manager CPU 100% </a:t>
+            </a:r>
+            <a:r>
+              <a:rPr lang="ko-KR" altLang="en-US" sz="1200" dirty="0" smtClean="0">
+                <a:ln>
+                  <a:solidFill>
+                    <a:schemeClr val="tx1">
+                      <a:lumMod val="50000"/>
+                      <a:lumOff val="50000"/>
+                      <a:alpha val="0"/>
+                    </a:schemeClr>
+                  </a:solidFill>
+                </a:ln>
+                <a:sym typeface="Wingdings" panose="05000000000000000000" pitchFamily="2" charset="2"/>
+              </a:rPr>
+              <a:t>상승 </a:t>
+            </a:r>
+            <a:r>
+              <a:rPr lang="en-US" altLang="ko-KR" sz="1200" dirty="0" smtClean="0">
+                <a:ln>
+                  <a:solidFill>
+                    <a:schemeClr val="tx1">
+                      <a:lumMod val="50000"/>
+                      <a:lumOff val="50000"/>
+                      <a:alpha val="0"/>
+                    </a:schemeClr>
+                  </a:solidFill>
+                </a:ln>
+                <a:sym typeface="Wingdings" panose="05000000000000000000" pitchFamily="2" charset="2"/>
+              </a:rPr>
+              <a:t>(delay </a:t>
+            </a:r>
+            <a:r>
+              <a:rPr lang="ko-KR" altLang="en-US" sz="1200" dirty="0" smtClean="0">
+                <a:ln>
+                  <a:solidFill>
+                    <a:schemeClr val="tx1">
+                      <a:lumMod val="50000"/>
+                      <a:lumOff val="50000"/>
+                      <a:alpha val="0"/>
+                    </a:schemeClr>
+                  </a:solidFill>
+                </a:ln>
+                <a:sym typeface="Wingdings" panose="05000000000000000000" pitchFamily="2" charset="2"/>
+              </a:rPr>
+              <a:t>코드 위치 중요</a:t>
+            </a:r>
+            <a:r>
+              <a:rPr lang="en-US" altLang="ko-KR" sz="1200" dirty="0">
+                <a:ln>
+                  <a:solidFill>
+                    <a:schemeClr val="tx1">
+                      <a:lumMod val="50000"/>
+                      <a:lumOff val="50000"/>
+                      <a:alpha val="0"/>
+                    </a:schemeClr>
+                  </a:solidFill>
+                </a:ln>
+                <a:sym typeface="Wingdings" panose="05000000000000000000" pitchFamily="2" charset="2"/>
+              </a:rPr>
+              <a:t>)</a:t>
+            </a:r>
+            <a:endParaRPr lang="en-US" altLang="ko-KR" sz="1400" dirty="0" smtClean="0">
               <a:ln>
                 <a:solidFill>
                   <a:schemeClr val="tx1">
@@ -13376,7 +15693,7 @@
         </p:blipFill>
         <p:spPr>
           <a:xfrm>
-            <a:off x="3956168" y="2240868"/>
+            <a:off x="4062522" y="2456892"/>
             <a:ext cx="1693235" cy="3324186"/>
           </a:xfrm>
           <a:prstGeom prst="rect">
@@ -13406,7 +15723,7 @@
         </p:blipFill>
         <p:spPr>
           <a:xfrm>
-            <a:off x="1698681" y="2252083"/>
+            <a:off x="1805035" y="2468107"/>
             <a:ext cx="1709541" cy="3312971"/>
           </a:xfrm>
           <a:prstGeom prst="rect">
@@ -13436,7 +15753,7 @@
         </p:blipFill>
         <p:spPr>
           <a:xfrm>
-            <a:off x="6466826" y="2240868"/>
+            <a:off x="6573180" y="2456892"/>
             <a:ext cx="1711950" cy="3397746"/>
           </a:xfrm>
           <a:prstGeom prst="rect">
@@ -13459,7 +15776,7 @@
         </p:nvSpPr>
         <p:spPr>
           <a:xfrm>
-            <a:off x="1711222" y="5666410"/>
+            <a:off x="1817576" y="5882434"/>
             <a:ext cx="1709542" cy="390880"/>
           </a:xfrm>
           <a:prstGeom prst="flowChartProcess">
@@ -13510,7 +15827,7 @@
         </p:nvSpPr>
         <p:spPr>
           <a:xfrm>
-            <a:off x="3630774" y="5679962"/>
+            <a:off x="3737128" y="5895986"/>
             <a:ext cx="2344022" cy="381171"/>
           </a:xfrm>
           <a:prstGeom prst="flowChartProcess">
@@ -13561,7 +15878,7 @@
         </p:nvSpPr>
         <p:spPr>
           <a:xfrm>
-            <a:off x="6307972" y="5676121"/>
+            <a:off x="6414326" y="5892145"/>
             <a:ext cx="2027251" cy="381169"/>
           </a:xfrm>
           <a:prstGeom prst="flowChartProcess">
@@ -13649,8 +15966,8 @@
         </p:nvSpPr>
         <p:spPr>
           <a:xfrm>
-            <a:off x="345600" y="980728"/>
-            <a:ext cx="9342704" cy="830997"/>
+            <a:off x="344488" y="979200"/>
+            <a:ext cx="9342704" cy="1154162"/>
           </a:xfrm>
           <a:prstGeom prst="rect">
             <a:avLst/>
@@ -13926,7 +16243,123 @@
               </a:rPr>
               <a:t>함수 연속 처리 체크</a:t>
             </a:r>
-            <a:endParaRPr lang="en-US" altLang="ko-KR" sz="1400" b="1" dirty="0" smtClean="0">
+            <a:r>
+              <a:rPr lang="en-US" altLang="ko-KR" sz="1400" b="1" dirty="0" smtClean="0">
+                <a:ln>
+                  <a:solidFill>
+                    <a:schemeClr val="tx1">
+                      <a:lumMod val="50000"/>
+                      <a:lumOff val="50000"/>
+                      <a:alpha val="0"/>
+                    </a:schemeClr>
+                  </a:solidFill>
+                </a:ln>
+              </a:rPr>
+              <a:t/>
+            </a:r>
+            <a:br>
+              <a:rPr lang="en-US" altLang="ko-KR" sz="1400" b="1" dirty="0" smtClean="0">
+                <a:ln>
+                  <a:solidFill>
+                    <a:schemeClr val="tx1">
+                      <a:lumMod val="50000"/>
+                      <a:lumOff val="50000"/>
+                      <a:alpha val="0"/>
+                    </a:schemeClr>
+                  </a:solidFill>
+                </a:ln>
+              </a:rPr>
+            </a:br>
+            <a:r>
+              <a:rPr lang="en-US" altLang="ko-KR" sz="1400" b="1" dirty="0" smtClean="0">
+                <a:ln>
+                  <a:solidFill>
+                    <a:schemeClr val="tx1">
+                      <a:lumMod val="50000"/>
+                      <a:lumOff val="50000"/>
+                      <a:alpha val="0"/>
+                    </a:schemeClr>
+                  </a:solidFill>
+                </a:ln>
+              </a:rPr>
+              <a:t> </a:t>
+            </a:r>
+            <a:r>
+              <a:rPr lang="en-US" altLang="ko-KR" sz="1200" dirty="0" smtClean="0">
+                <a:ln>
+                  <a:solidFill>
+                    <a:schemeClr val="tx1">
+                      <a:lumMod val="50000"/>
+                      <a:lumOff val="50000"/>
+                      <a:alpha val="0"/>
+                    </a:schemeClr>
+                  </a:solidFill>
+                </a:ln>
+                <a:sym typeface="Wingdings" panose="05000000000000000000" pitchFamily="2" charset="2"/>
+              </a:rPr>
+              <a:t> </a:t>
+            </a:r>
+            <a:r>
+              <a:rPr lang="en-US" altLang="ko-KR" sz="1200" dirty="0" err="1" smtClean="0">
+                <a:ln>
+                  <a:solidFill>
+                    <a:schemeClr val="tx1">
+                      <a:lumMod val="50000"/>
+                      <a:lumOff val="50000"/>
+                      <a:alpha val="0"/>
+                    </a:schemeClr>
+                  </a:solidFill>
+                </a:ln>
+                <a:sym typeface="Wingdings" panose="05000000000000000000" pitchFamily="2" charset="2"/>
+              </a:rPr>
+              <a:t>dp</a:t>
+            </a:r>
+            <a:r>
+              <a:rPr lang="ko-KR" altLang="en-US" sz="1200" dirty="0" smtClean="0">
+                <a:ln>
+                  <a:solidFill>
+                    <a:schemeClr val="tx1">
+                      <a:lumMod val="50000"/>
+                      <a:lumOff val="50000"/>
+                      <a:alpha val="0"/>
+                    </a:schemeClr>
+                  </a:solidFill>
+                </a:ln>
+                <a:sym typeface="Wingdings" panose="05000000000000000000" pitchFamily="2" charset="2"/>
+              </a:rPr>
+              <a:t>함수 호출을 최소화 하여 </a:t>
+            </a:r>
+            <a:r>
+              <a:rPr lang="en-US" altLang="ko-KR" sz="1200" dirty="0" smtClean="0">
+                <a:ln>
+                  <a:solidFill>
+                    <a:schemeClr val="tx1">
+                      <a:lumMod val="50000"/>
+                      <a:lumOff val="50000"/>
+                      <a:alpha val="0"/>
+                    </a:schemeClr>
+                  </a:solidFill>
+                </a:ln>
+                <a:sym typeface="Wingdings" panose="05000000000000000000" pitchFamily="2" charset="2"/>
+              </a:rPr>
+              <a:t>EV Manage </a:t>
+            </a:r>
+            <a:r>
+              <a:rPr lang="ko-KR" altLang="en-US" sz="1200" dirty="0" smtClean="0">
+                <a:ln>
+                  <a:solidFill>
+                    <a:schemeClr val="tx1">
+                      <a:lumMod val="50000"/>
+                      <a:lumOff val="50000"/>
+                      <a:alpha val="0"/>
+                    </a:schemeClr>
+                  </a:solidFill>
+                </a:ln>
+                <a:sym typeface="Wingdings" panose="05000000000000000000" pitchFamily="2" charset="2"/>
+              </a:rPr>
+              <a:t>부하를 최소화 목적</a:t>
+            </a:r>
+            <a:endParaRPr lang="en-US" altLang="ko-KR" sz="1400" dirty="0" smtClean="0">
               <a:ln>
                 <a:solidFill>
                   <a:schemeClr val="tx1">
@@ -13999,7 +16432,7 @@
         </p:nvSpPr>
         <p:spPr>
           <a:xfrm>
-            <a:off x="1567648" y="5250395"/>
+            <a:off x="1171603" y="5322402"/>
             <a:ext cx="2108344" cy="376992"/>
           </a:xfrm>
           <a:prstGeom prst="flowChartProcess">
@@ -14042,36 +16475,6 @@
           </a:p>
         </p:txBody>
       </p:sp>
-      <p:pic>
-        <p:nvPicPr>
-          <p:cNvPr id="3" name="그림 2"/>
-          <p:cNvPicPr>
-            <a:picLocks noChangeAspect="1"/>
-          </p:cNvPicPr>
-          <p:nvPr/>
-        </p:nvPicPr>
-        <p:blipFill rotWithShape="1">
-          <a:blip r:embed="rId2"/>
-          <a:srcRect l="2364" t="8052" r="1893" b="2222"/>
-          <a:stretch/>
-        </p:blipFill>
-        <p:spPr>
-          <a:xfrm>
-            <a:off x="1244589" y="2132857"/>
-            <a:ext cx="2916324" cy="2808312"/>
-          </a:xfrm>
-          <a:prstGeom prst="rect">
-            <a:avLst/>
-          </a:prstGeom>
-          <a:ln>
-            <a:solidFill>
-              <a:schemeClr val="bg1">
-                <a:lumMod val="85000"/>
-              </a:schemeClr>
-            </a:solidFill>
-          </a:ln>
-        </p:spPr>
-      </p:pic>
       <p:sp>
         <p:nvSpPr>
           <p:cNvPr id="9" name="순서도: 처리 8"/>
@@ -14080,8 +16483,8 @@
         </p:nvSpPr>
         <p:spPr>
           <a:xfrm>
-            <a:off x="4880992" y="3812793"/>
-            <a:ext cx="3528392" cy="376992"/>
+            <a:off x="706197" y="6021288"/>
+            <a:ext cx="3274696" cy="376992"/>
           </a:xfrm>
           <a:prstGeom prst="flowChartProcess">
             <a:avLst/>
@@ -14108,16 +16511,24 @@
           <a:p>
             <a:pPr algn="ctr"/>
             <a:r>
+              <a:rPr lang="en-US" altLang="ko-KR" sz="1100" dirty="0" smtClean="0"/>
+              <a:t>[</a:t>
+            </a:r>
+            <a:r>
               <a:rPr lang="ko-KR" altLang="en-US" sz="1100" dirty="0" smtClean="0"/>
-              <a:t>②</a:t>
-            </a:r>
-            <a:r>
-              <a:rPr lang="en-US" altLang="ko-KR" sz="1100" dirty="0"/>
+              <a:t>점검 방법</a:t>
+            </a:r>
+            <a:r>
+              <a:rPr lang="en-US" altLang="ko-KR" sz="1100" dirty="0" smtClean="0"/>
+              <a:t>]</a:t>
+            </a:r>
+            <a:r>
+              <a:rPr lang="ko-KR" altLang="en-US" sz="1100" dirty="0" smtClean="0"/>
               <a:t> </a:t>
             </a:r>
             <a:r>
               <a:rPr lang="en-US" altLang="ko-KR" sz="1100" dirty="0" smtClean="0"/>
-              <a:t>for</a:t>
+              <a:t> for</a:t>
             </a:r>
             <a:r>
               <a:rPr lang="ko-KR" altLang="en-US" sz="1100" dirty="0" smtClean="0"/>
@@ -14147,20 +16558,51 @@
           </a:p>
         </p:txBody>
       </p:sp>
+      <p:pic>
+        <p:nvPicPr>
+          <p:cNvPr id="2" name="그림 1"/>
+          <p:cNvPicPr>
+            <a:picLocks noChangeAspect="1"/>
+          </p:cNvPicPr>
+          <p:nvPr/>
+        </p:nvPicPr>
+        <p:blipFill rotWithShape="1">
+          <a:blip r:embed="rId2"/>
+          <a:srcRect t="1922"/>
+          <a:stretch/>
+        </p:blipFill>
+        <p:spPr>
+          <a:xfrm>
+            <a:off x="886220" y="2276872"/>
+            <a:ext cx="2914651" cy="3673413"/>
+          </a:xfrm>
+          <a:prstGeom prst="rect">
+            <a:avLst/>
+          </a:prstGeom>
+          <a:ln>
+            <a:solidFill>
+              <a:schemeClr val="bg1">
+                <a:lumMod val="85000"/>
+              </a:schemeClr>
+            </a:solidFill>
+          </a:ln>
+        </p:spPr>
+      </p:pic>
       <p:sp>
         <p:nvSpPr>
-          <p:cNvPr id="10" name="오른쪽 중괄호 9"/>
+          <p:cNvPr id="12" name="순서도: 처리 11"/>
           <p:cNvSpPr/>
           <p:nvPr/>
         </p:nvSpPr>
         <p:spPr>
           <a:xfrm>
-            <a:off x="4340932" y="3101189"/>
-            <a:ext cx="252028" cy="1800200"/>
+            <a:off x="4944160" y="6052641"/>
+            <a:ext cx="4581348" cy="376992"/>
           </a:xfrm>
-          <a:prstGeom prst="rightBrace">
+          <a:prstGeom prst="flowChartProcess">
             <a:avLst/>
           </a:prstGeom>
+          <a:ln/>
         </p:spPr>
         <p:style>
           <a:lnRef idx="2">
@@ -14174,6 +16616,159 @@
           </a:effectRef>
           <a:fontRef idx="minor">
             <a:schemeClr val="dk1"/>
+          </a:fontRef>
+        </p:style>
+        <p:txBody>
+          <a:bodyPr rtlCol="0" anchor="ctr"/>
+          <a:lstStyle/>
+          <a:p>
+            <a:pPr algn="ctr"/>
+            <a:r>
+              <a:rPr lang="en-US" altLang="ko-KR" sz="1100" dirty="0" smtClean="0"/>
+              <a:t>[</a:t>
+            </a:r>
+            <a:r>
+              <a:rPr lang="ko-KR" altLang="en-US" sz="1100" dirty="0" smtClean="0"/>
+              <a:t>개선 방법</a:t>
+            </a:r>
+            <a:r>
+              <a:rPr lang="en-US" altLang="ko-KR" sz="1100" dirty="0" smtClean="0"/>
+              <a:t>]</a:t>
+            </a:r>
+            <a:r>
+              <a:rPr lang="ko-KR" altLang="en-US" sz="1100" dirty="0" smtClean="0"/>
+              <a:t> </a:t>
+            </a:r>
+            <a:r>
+              <a:rPr lang="en-US" altLang="ko-KR" sz="1100" dirty="0" smtClean="0"/>
+              <a:t>for</a:t>
+            </a:r>
+            <a:r>
+              <a:rPr lang="ko-KR" altLang="en-US" sz="1100" dirty="0" smtClean="0"/>
+              <a:t>문에서 개별 호출 </a:t>
+            </a:r>
+            <a:r>
+              <a:rPr lang="en-US" altLang="ko-KR" sz="1100" dirty="0" smtClean="0">
+                <a:sym typeface="Wingdings" panose="05000000000000000000" pitchFamily="2" charset="2"/>
+              </a:rPr>
+              <a:t> </a:t>
+            </a:r>
+            <a:r>
+              <a:rPr lang="ko-KR" altLang="en-US" sz="1100" dirty="0" smtClean="0">
+                <a:sym typeface="Wingdings" panose="05000000000000000000" pitchFamily="2" charset="2"/>
+              </a:rPr>
+              <a:t>일괄 호출 방식 변경 필요</a:t>
+            </a:r>
+            <a:endParaRPr lang="en-US" altLang="ko-KR" sz="1100" dirty="0" smtClean="0"/>
+          </a:p>
+        </p:txBody>
+      </p:sp>
+      <p:pic>
+        <p:nvPicPr>
+          <p:cNvPr id="13" name="그림 12"/>
+          <p:cNvPicPr>
+            <a:picLocks noChangeAspect="1"/>
+          </p:cNvPicPr>
+          <p:nvPr/>
+        </p:nvPicPr>
+        <p:blipFill>
+          <a:blip r:embed="rId3"/>
+          <a:stretch>
+            <a:fillRect/>
+          </a:stretch>
+        </p:blipFill>
+        <p:spPr>
+          <a:xfrm>
+            <a:off x="5637076" y="2949910"/>
+            <a:ext cx="3114675" cy="3000375"/>
+          </a:xfrm>
+          <a:prstGeom prst="rect">
+            <a:avLst/>
+          </a:prstGeom>
+          <a:ln>
+            <a:solidFill>
+              <a:schemeClr val="bg1">
+                <a:lumMod val="85000"/>
+              </a:schemeClr>
+            </a:solidFill>
+          </a:ln>
+        </p:spPr>
+      </p:pic>
+      <p:sp>
+        <p:nvSpPr>
+          <p:cNvPr id="15" name="직사각형 14"/>
+          <p:cNvSpPr/>
+          <p:nvPr/>
+        </p:nvSpPr>
+        <p:spPr>
+          <a:xfrm>
+            <a:off x="5956834" y="4647979"/>
+            <a:ext cx="2709137" cy="1177253"/>
+          </a:xfrm>
+          <a:prstGeom prst="rect">
+            <a:avLst/>
+          </a:prstGeom>
+          <a:noFill/>
+          <a:ln>
+            <a:solidFill>
+              <a:srgbClr val="F47320"/>
+            </a:solidFill>
+          </a:ln>
+        </p:spPr>
+        <p:style>
+          <a:lnRef idx="2">
+            <a:schemeClr val="accent1">
+              <a:shade val="50000"/>
+            </a:schemeClr>
+          </a:lnRef>
+          <a:fillRef idx="1">
+            <a:schemeClr val="accent1"/>
+          </a:fillRef>
+          <a:effectRef idx="0">
+            <a:schemeClr val="accent1"/>
+          </a:effectRef>
+          <a:fontRef idx="minor">
+            <a:schemeClr val="lt1"/>
+          </a:fontRef>
+        </p:style>
+        <p:txBody>
+          <a:bodyPr rtlCol="0" anchor="ctr"/>
+          <a:lstStyle/>
+          <a:p>
+            <a:pPr algn="ctr"/>
+            <a:endParaRPr lang="ko-KR" altLang="en-US"/>
+          </a:p>
+        </p:txBody>
+      </p:sp>
+      <p:sp>
+        <p:nvSpPr>
+          <p:cNvPr id="10" name="오른쪽 화살표 9"/>
+          <p:cNvSpPr/>
+          <p:nvPr/>
+        </p:nvSpPr>
+        <p:spPr>
+          <a:xfrm>
+            <a:off x="4488951" y="3573016"/>
+            <a:ext cx="464946" cy="432048"/>
+          </a:xfrm>
+          <a:prstGeom prst="rightArrow">
+            <a:avLst/>
+          </a:prstGeom>
+        </p:spPr>
+        <p:style>
+          <a:lnRef idx="2">
+            <a:schemeClr val="accent2">
+              <a:shade val="50000"/>
+            </a:schemeClr>
+          </a:lnRef>
+          <a:fillRef idx="1">
+            <a:schemeClr val="accent2"/>
+          </a:fillRef>
+          <a:effectRef idx="0">
+            <a:schemeClr val="accent2"/>
+          </a:effectRef>
+          <a:fontRef idx="minor">
+            <a:schemeClr val="lt1"/>
           </a:fontRef>
         </p:style>
         <p:txBody>
@@ -14231,7 +16826,7 @@
         <p:spPr>
           <a:xfrm>
             <a:off x="345600" y="980728"/>
-            <a:ext cx="9342704" cy="830997"/>
+            <a:ext cx="9342704" cy="1154162"/>
           </a:xfrm>
           <a:prstGeom prst="rect">
             <a:avLst/>
@@ -14540,6 +17135,182 @@
                 </a:ln>
               </a:rPr>
               <a:t>체크</a:t>
+            </a:r>
+            <a:r>
+              <a:rPr lang="en-US" altLang="ko-KR" sz="1400" b="1" dirty="0" smtClean="0">
+                <a:ln>
+                  <a:solidFill>
+                    <a:schemeClr val="tx1">
+                      <a:lumMod val="50000"/>
+                      <a:lumOff val="50000"/>
+                      <a:alpha val="0"/>
+                    </a:schemeClr>
+                  </a:solidFill>
+                </a:ln>
+              </a:rPr>
+              <a:t/>
+            </a:r>
+            <a:br>
+              <a:rPr lang="en-US" altLang="ko-KR" sz="1400" b="1" dirty="0" smtClean="0">
+                <a:ln>
+                  <a:solidFill>
+                    <a:schemeClr val="tx1">
+                      <a:lumMod val="50000"/>
+                      <a:lumOff val="50000"/>
+                      <a:alpha val="0"/>
+                    </a:schemeClr>
+                  </a:solidFill>
+                </a:ln>
+              </a:rPr>
+            </a:br>
+            <a:r>
+              <a:rPr lang="en-US" altLang="ko-KR" sz="1400" b="1" dirty="0" smtClean="0">
+                <a:ln>
+                  <a:solidFill>
+                    <a:schemeClr val="tx1">
+                      <a:lumMod val="50000"/>
+                      <a:lumOff val="50000"/>
+                      <a:alpha val="0"/>
+                    </a:schemeClr>
+                  </a:solidFill>
+                </a:ln>
+              </a:rPr>
+              <a:t> </a:t>
+            </a:r>
+            <a:r>
+              <a:rPr lang="en-US" altLang="ko-KR" sz="1200" dirty="0" smtClean="0">
+                <a:ln>
+                  <a:solidFill>
+                    <a:schemeClr val="tx1">
+                      <a:lumMod val="50000"/>
+                      <a:lumOff val="50000"/>
+                      <a:alpha val="0"/>
+                    </a:schemeClr>
+                  </a:solidFill>
+                </a:ln>
+                <a:sym typeface="Wingdings" panose="05000000000000000000" pitchFamily="2" charset="2"/>
+              </a:rPr>
+              <a:t> Callback </a:t>
+            </a:r>
+            <a:r>
+              <a:rPr lang="ko-KR" altLang="en-US" sz="1200" dirty="0" smtClean="0">
+                <a:ln>
+                  <a:solidFill>
+                    <a:schemeClr val="tx1">
+                      <a:lumMod val="50000"/>
+                      <a:lumOff val="50000"/>
+                      <a:alpha val="0"/>
+                    </a:schemeClr>
+                  </a:solidFill>
+                </a:ln>
+                <a:sym typeface="Wingdings" panose="05000000000000000000" pitchFamily="2" charset="2"/>
+              </a:rPr>
+              <a:t>함수에서 지연 동작의 경우 </a:t>
+            </a:r>
+            <a:r>
+              <a:rPr lang="en-US" altLang="ko-KR" sz="1200" dirty="0" smtClean="0">
+                <a:ln>
+                  <a:solidFill>
+                    <a:schemeClr val="tx1">
+                      <a:lumMod val="50000"/>
+                      <a:lumOff val="50000"/>
+                      <a:alpha val="0"/>
+                    </a:schemeClr>
+                  </a:solidFill>
+                </a:ln>
+                <a:sym typeface="Wingdings" panose="05000000000000000000" pitchFamily="2" charset="2"/>
+              </a:rPr>
+              <a:t>Callback </a:t>
+            </a:r>
+            <a:r>
+              <a:rPr lang="ko-KR" altLang="en-US" sz="1200" dirty="0" smtClean="0">
+                <a:ln>
+                  <a:solidFill>
+                    <a:schemeClr val="tx1">
+                      <a:lumMod val="50000"/>
+                      <a:lumOff val="50000"/>
+                      <a:alpha val="0"/>
+                    </a:schemeClr>
+                  </a:solidFill>
+                </a:ln>
+                <a:sym typeface="Wingdings" panose="05000000000000000000" pitchFamily="2" charset="2"/>
+              </a:rPr>
+              <a:t>동작 </a:t>
+            </a:r>
+            <a:r>
+              <a:rPr lang="en-US" altLang="ko-KR" sz="1200" dirty="0" smtClean="0">
+                <a:ln>
+                  <a:solidFill>
+                    <a:schemeClr val="tx1">
+                      <a:lumMod val="50000"/>
+                      <a:lumOff val="50000"/>
+                      <a:alpha val="0"/>
+                    </a:schemeClr>
+                  </a:solidFill>
+                </a:ln>
+                <a:sym typeface="Wingdings" panose="05000000000000000000" pitchFamily="2" charset="2"/>
+              </a:rPr>
+              <a:t>Hold </a:t>
+            </a:r>
+            <a:r>
+              <a:rPr lang="ko-KR" altLang="en-US" sz="1200" dirty="0" smtClean="0">
+                <a:ln>
+                  <a:solidFill>
+                    <a:schemeClr val="tx1">
+                      <a:lumMod val="50000"/>
+                      <a:lumOff val="50000"/>
+                      <a:alpha val="0"/>
+                    </a:schemeClr>
+                  </a:solidFill>
+                </a:ln>
+                <a:sym typeface="Wingdings" panose="05000000000000000000" pitchFamily="2" charset="2"/>
+              </a:rPr>
+              <a:t>발생 </a:t>
+            </a:r>
+            <a:r>
+              <a:rPr lang="en-US" altLang="ko-KR" sz="1200" b="1" dirty="0" smtClean="0">
+                <a:ln>
+                  <a:solidFill>
+                    <a:schemeClr val="tx1">
+                      <a:lumMod val="50000"/>
+                      <a:lumOff val="50000"/>
+                      <a:alpha val="0"/>
+                    </a:schemeClr>
+                  </a:solidFill>
+                </a:ln>
+                <a:sym typeface="Wingdings" panose="05000000000000000000" pitchFamily="2" charset="2"/>
+              </a:rPr>
+              <a:t>(delay </a:t>
+            </a:r>
+            <a:r>
+              <a:rPr lang="ko-KR" altLang="en-US" sz="1200" b="1" dirty="0" smtClean="0">
+                <a:ln>
+                  <a:solidFill>
+                    <a:schemeClr val="tx1">
+                      <a:lumMod val="50000"/>
+                      <a:lumOff val="50000"/>
+                      <a:alpha val="0"/>
+                    </a:schemeClr>
+                  </a:solidFill>
+                </a:ln>
+                <a:sym typeface="Wingdings" panose="05000000000000000000" pitchFamily="2" charset="2"/>
+              </a:rPr>
+              <a:t>코드 삭제 필요</a:t>
+            </a:r>
+            <a:r>
+              <a:rPr lang="en-US" altLang="ko-KR" sz="1200" b="1" dirty="0" smtClean="0">
+                <a:ln>
+                  <a:solidFill>
+                    <a:schemeClr val="tx1">
+                      <a:lumMod val="50000"/>
+                      <a:lumOff val="50000"/>
+                      <a:alpha val="0"/>
+                    </a:schemeClr>
+                  </a:solidFill>
+                </a:ln>
+                <a:sym typeface="Wingdings" panose="05000000000000000000" pitchFamily="2" charset="2"/>
+              </a:rPr>
+              <a:t>)</a:t>
             </a:r>
             <a:endParaRPr lang="en-US" altLang="ko-KR" sz="1400" b="1" dirty="0">
               <a:ln>
@@ -14621,7 +17392,7 @@
         </p:blipFill>
         <p:spPr>
           <a:xfrm>
-            <a:off x="776536" y="2348880"/>
+            <a:off x="596657" y="2996951"/>
             <a:ext cx="4068452" cy="2352868"/>
           </a:xfrm>
           <a:prstGeom prst="rect">
@@ -14644,8 +17415,8 @@
         </p:nvSpPr>
         <p:spPr>
           <a:xfrm>
-            <a:off x="1452556" y="4849539"/>
-            <a:ext cx="2644404" cy="376992"/>
+            <a:off x="1172862" y="5497610"/>
+            <a:ext cx="2844034" cy="307654"/>
           </a:xfrm>
           <a:prstGeom prst="flowChartProcess">
             <a:avLst/>
@@ -14672,6 +17443,18 @@
           <a:p>
             <a:pPr algn="ctr"/>
             <a:r>
+              <a:rPr lang="en-US" altLang="ko-KR" sz="1100" dirty="0" smtClean="0"/>
+              <a:t>[</a:t>
+            </a:r>
+            <a:r>
+              <a:rPr lang="ko-KR" altLang="en-US" sz="1100" dirty="0" smtClean="0"/>
+              <a:t>점검 방법 </a:t>
+            </a:r>
+            <a:r>
+              <a:rPr lang="en-US" altLang="ko-KR" sz="1100" dirty="0" smtClean="0"/>
+              <a:t>]</a:t>
+            </a:r>
+            <a:r>
               <a:rPr lang="ko-KR" altLang="en-US" sz="1100" dirty="0" smtClean="0"/>
               <a:t>① </a:t>
             </a:r>
@@ -14702,7 +17485,7 @@
         </p:blipFill>
         <p:spPr>
           <a:xfrm>
-            <a:off x="5709084" y="3320989"/>
+            <a:off x="5529205" y="3969060"/>
             <a:ext cx="3564396" cy="1260140"/>
           </a:xfrm>
           <a:prstGeom prst="rect">
@@ -14725,8 +17508,8 @@
         </p:nvSpPr>
         <p:spPr>
           <a:xfrm>
-            <a:off x="6154129" y="4849539"/>
-            <a:ext cx="2644404" cy="376992"/>
+            <a:off x="5823480" y="5497610"/>
+            <a:ext cx="2945944" cy="307654"/>
           </a:xfrm>
           <a:prstGeom prst="flowChartProcess">
             <a:avLst/>
@@ -14753,6 +17536,18 @@
           <a:p>
             <a:pPr algn="ctr"/>
             <a:r>
+              <a:rPr lang="en-US" altLang="ko-KR" sz="1100" dirty="0" smtClean="0"/>
+              <a:t>[</a:t>
+            </a:r>
+            <a:r>
+              <a:rPr lang="ko-KR" altLang="en-US" sz="1100" dirty="0" smtClean="0"/>
+              <a:t>점검 방법</a:t>
+            </a:r>
+            <a:r>
+              <a:rPr lang="en-US" altLang="ko-KR" sz="1100" dirty="0" smtClean="0"/>
+              <a:t>] </a:t>
+            </a:r>
+            <a:r>
               <a:rPr lang="ko-KR" altLang="en-US" sz="1100" dirty="0" smtClean="0"/>
               <a:t>② </a:t>
             </a:r>
@@ -14773,6 +17568,98 @@
               <a:t>체크</a:t>
             </a:r>
             <a:endParaRPr lang="en-US" altLang="ko-KR" sz="1100" dirty="0" smtClean="0"/>
+          </a:p>
+        </p:txBody>
+      </p:sp>
+      <p:sp>
+        <p:nvSpPr>
+          <p:cNvPr id="8" name="직사각형 7"/>
+          <p:cNvSpPr/>
+          <p:nvPr/>
+        </p:nvSpPr>
+        <p:spPr>
+          <a:xfrm>
+            <a:off x="2220029" y="3447002"/>
+            <a:ext cx="1112791" cy="198022"/>
+          </a:xfrm>
+          <a:prstGeom prst="rect">
+            <a:avLst/>
+          </a:prstGeom>
+          <a:noFill/>
+          <a:ln>
+            <a:solidFill>
+              <a:srgbClr val="FF0000"/>
+            </a:solidFill>
+          </a:ln>
+        </p:spPr>
+        <p:style>
+          <a:lnRef idx="2">
+            <a:schemeClr val="accent1">
+              <a:shade val="50000"/>
+            </a:schemeClr>
+          </a:lnRef>
+          <a:fillRef idx="1">
+            <a:schemeClr val="accent1"/>
+          </a:fillRef>
+          <a:effectRef idx="0">
+            <a:schemeClr val="accent1"/>
+          </a:effectRef>
+          <a:fontRef idx="minor">
+            <a:schemeClr val="lt1"/>
+          </a:fontRef>
+        </p:style>
+        <p:txBody>
+          <a:bodyPr rtlCol="0" anchor="ctr"/>
+          <a:lstStyle/>
+          <a:p>
+            <a:pPr algn="ctr"/>
+            <a:endParaRPr lang="ko-KR" altLang="en-US"/>
+          </a:p>
+        </p:txBody>
+      </p:sp>
+      <p:sp>
+        <p:nvSpPr>
+          <p:cNvPr id="10" name="직사각형 9"/>
+          <p:cNvSpPr/>
+          <p:nvPr/>
+        </p:nvSpPr>
+        <p:spPr>
+          <a:xfrm>
+            <a:off x="5821429" y="3975362"/>
+            <a:ext cx="1183799" cy="245725"/>
+          </a:xfrm>
+          <a:prstGeom prst="rect">
+            <a:avLst/>
+          </a:prstGeom>
+          <a:noFill/>
+          <a:ln>
+            <a:solidFill>
+              <a:srgbClr val="FF0000"/>
+            </a:solidFill>
+          </a:ln>
+        </p:spPr>
+        <p:style>
+          <a:lnRef idx="2">
+            <a:schemeClr val="accent1">
+              <a:shade val="50000"/>
+            </a:schemeClr>
+          </a:lnRef>
+          <a:fillRef idx="1">
+            <a:schemeClr val="accent1"/>
+          </a:fillRef>
+          <a:effectRef idx="0">
+            <a:schemeClr val="accent1"/>
+          </a:effectRef>
+          <a:fontRef idx="minor">
+            <a:schemeClr val="lt1"/>
+          </a:fontRef>
+        </p:style>
+        <p:txBody>
+          <a:bodyPr rtlCol="0" anchor="ctr"/>
+          <a:lstStyle/>
+          <a:p>
+            <a:pPr algn="ctr"/>
+            <a:endParaRPr lang="ko-KR" altLang="en-US"/>
           </a:p>
         </p:txBody>
       </p:sp>
